--- a/midterm_report.pptx
+++ b/midterm_report.pptx
@@ -1,22 +1,25 @@
 
 <file path=ppt/presentation.xml><?xml version="1.0" encoding="utf-8"?>
-<p:presentation xmlns:a="http://schemas.openxmlformats.org/drawingml/2006/main" xmlns:r="http://schemas.openxmlformats.org/officeDocument/2006/relationships" xmlns:p="http://schemas.openxmlformats.org/presentationml/2006/main" saveSubsetFonts="1">
+<p:presentation xmlns:a="http://schemas.openxmlformats.org/drawingml/2006/main" xmlns:r="http://schemas.openxmlformats.org/officeDocument/2006/relationships" xmlns:p="http://schemas.openxmlformats.org/presentationml/2006/main" showSpecialPlsOnTitleSld="0" saveSubsetFonts="1">
   <p:sldMasterIdLst>
     <p:sldMasterId id="2147483648" r:id="rId1"/>
   </p:sldMasterIdLst>
+  <p:notesMasterIdLst>
+    <p:notesMasterId r:id="rId14"/>
+  </p:notesMasterIdLst>
   <p:sldIdLst>
     <p:sldId id="256" r:id="rId2"/>
     <p:sldId id="260" r:id="rId3"/>
     <p:sldId id="261" r:id="rId4"/>
     <p:sldId id="259" r:id="rId5"/>
     <p:sldId id="262" r:id="rId6"/>
-    <p:sldId id="263" r:id="rId7"/>
-    <p:sldId id="264" r:id="rId8"/>
-    <p:sldId id="265" r:id="rId9"/>
-    <p:sldId id="257" r:id="rId10"/>
-    <p:sldId id="267" r:id="rId11"/>
-    <p:sldId id="258" r:id="rId12"/>
-    <p:sldId id="266" r:id="rId13"/>
+    <p:sldId id="264" r:id="rId7"/>
+    <p:sldId id="271" r:id="rId8"/>
+    <p:sldId id="272" r:id="rId9"/>
+    <p:sldId id="265" r:id="rId10"/>
+    <p:sldId id="263" r:id="rId11"/>
+    <p:sldId id="268" r:id="rId12"/>
+    <p:sldId id="273" r:id="rId13"/>
   </p:sldIdLst>
   <p:sldSz cx="12192000" cy="6858000"/>
   <p:notesSz cx="6858000" cy="9144000"/>
@@ -123,6 +126,439 @@
 </p:presentation>
 </file>
 
+<file path=ppt/notesMasters/notesMaster1.xml><?xml version="1.0" encoding="utf-8"?>
+<p:notesMaster xmlns:a="http://schemas.openxmlformats.org/drawingml/2006/main" xmlns:r="http://schemas.openxmlformats.org/officeDocument/2006/relationships" xmlns:p="http://schemas.openxmlformats.org/presentationml/2006/main">
+  <p:cSld>
+    <p:bg>
+      <p:bgRef idx="1001">
+        <a:schemeClr val="bg1"/>
+      </p:bgRef>
+    </p:bg>
+    <p:spTree>
+      <p:nvGrpSpPr>
+        <p:cNvPr id="1" name=""/>
+        <p:cNvGrpSpPr/>
+        <p:nvPr/>
+      </p:nvGrpSpPr>
+      <p:grpSpPr>
+        <a:xfrm>
+          <a:off x="0" y="0"/>
+          <a:ext cx="0" cy="0"/>
+          <a:chOff x="0" y="0"/>
+          <a:chExt cx="0" cy="0"/>
+        </a:xfrm>
+      </p:grpSpPr>
+      <p:sp>
+        <p:nvSpPr>
+          <p:cNvPr id="2" name="頁首版面配置區 1"/>
+          <p:cNvSpPr>
+            <a:spLocks noGrp="1"/>
+          </p:cNvSpPr>
+          <p:nvPr>
+            <p:ph type="hdr" sz="quarter"/>
+          </p:nvPr>
+        </p:nvSpPr>
+        <p:spPr>
+          <a:xfrm>
+            <a:off x="0" y="0"/>
+            <a:ext cx="2971800" cy="458788"/>
+          </a:xfrm>
+          <a:prstGeom prst="rect">
+            <a:avLst/>
+          </a:prstGeom>
+        </p:spPr>
+        <p:txBody>
+          <a:bodyPr vert="horz" lIns="91440" tIns="45720" rIns="91440" bIns="45720" rtlCol="0"/>
+          <a:lstStyle>
+            <a:lvl1pPr algn="l">
+              <a:defRPr sz="1200"/>
+            </a:lvl1pPr>
+          </a:lstStyle>
+          <a:p>
+            <a:endParaRPr lang="zh-TW" altLang="en-US"/>
+          </a:p>
+        </p:txBody>
+      </p:sp>
+      <p:sp>
+        <p:nvSpPr>
+          <p:cNvPr id="3" name="日期版面配置區 2"/>
+          <p:cNvSpPr>
+            <a:spLocks noGrp="1"/>
+          </p:cNvSpPr>
+          <p:nvPr>
+            <p:ph type="dt" idx="1"/>
+          </p:nvPr>
+        </p:nvSpPr>
+        <p:spPr>
+          <a:xfrm>
+            <a:off x="3884613" y="0"/>
+            <a:ext cx="2971800" cy="458788"/>
+          </a:xfrm>
+          <a:prstGeom prst="rect">
+            <a:avLst/>
+          </a:prstGeom>
+        </p:spPr>
+        <p:txBody>
+          <a:bodyPr vert="horz" lIns="91440" tIns="45720" rIns="91440" bIns="45720" rtlCol="0"/>
+          <a:lstStyle>
+            <a:lvl1pPr algn="r">
+              <a:defRPr sz="1200"/>
+            </a:lvl1pPr>
+          </a:lstStyle>
+          <a:p>
+            <a:fld id="{4B86B4B5-9DB8-4F4C-B41D-8530AE71C394}" type="datetimeFigureOut">
+              <a:rPr lang="zh-TW" altLang="en-US" smtClean="0"/>
+              <a:t>2024/5/10</a:t>
+            </a:fld>
+            <a:endParaRPr lang="zh-TW" altLang="en-US"/>
+          </a:p>
+        </p:txBody>
+      </p:sp>
+      <p:sp>
+        <p:nvSpPr>
+          <p:cNvPr id="4" name="投影片影像版面配置區 3"/>
+          <p:cNvSpPr>
+            <a:spLocks noGrp="1" noRot="1" noChangeAspect="1"/>
+          </p:cNvSpPr>
+          <p:nvPr>
+            <p:ph type="sldImg" idx="2"/>
+          </p:nvPr>
+        </p:nvSpPr>
+        <p:spPr>
+          <a:xfrm>
+            <a:off x="685800" y="1143000"/>
+            <a:ext cx="5486400" cy="3086100"/>
+          </a:xfrm>
+          <a:prstGeom prst="rect">
+            <a:avLst/>
+          </a:prstGeom>
+          <a:noFill/>
+          <a:ln w="12700">
+            <a:solidFill>
+              <a:prstClr val="black"/>
+            </a:solidFill>
+          </a:ln>
+        </p:spPr>
+        <p:txBody>
+          <a:bodyPr vert="horz" lIns="91440" tIns="45720" rIns="91440" bIns="45720" rtlCol="0" anchor="ctr"/>
+          <a:lstStyle/>
+          <a:p>
+            <a:endParaRPr lang="zh-TW" altLang="en-US"/>
+          </a:p>
+        </p:txBody>
+      </p:sp>
+      <p:sp>
+        <p:nvSpPr>
+          <p:cNvPr id="5" name="備忘稿版面配置區 4"/>
+          <p:cNvSpPr>
+            <a:spLocks noGrp="1"/>
+          </p:cNvSpPr>
+          <p:nvPr>
+            <p:ph type="body" sz="quarter" idx="3"/>
+          </p:nvPr>
+        </p:nvSpPr>
+        <p:spPr>
+          <a:xfrm>
+            <a:off x="685800" y="4400550"/>
+            <a:ext cx="5486400" cy="3600450"/>
+          </a:xfrm>
+          <a:prstGeom prst="rect">
+            <a:avLst/>
+          </a:prstGeom>
+        </p:spPr>
+        <p:txBody>
+          <a:bodyPr vert="horz" lIns="91440" tIns="45720" rIns="91440" bIns="45720" rtlCol="0"/>
+          <a:lstStyle/>
+          <a:p>
+            <a:pPr lvl="0"/>
+            <a:r>
+              <a:rPr lang="zh-TW" altLang="en-US"/>
+              <a:t>按一下以編輯母片文字樣式</a:t>
+            </a:r>
+          </a:p>
+          <a:p>
+            <a:pPr lvl="1"/>
+            <a:r>
+              <a:rPr lang="zh-TW" altLang="en-US"/>
+              <a:t>第二層</a:t>
+            </a:r>
+          </a:p>
+          <a:p>
+            <a:pPr lvl="2"/>
+            <a:r>
+              <a:rPr lang="zh-TW" altLang="en-US"/>
+              <a:t>第三層</a:t>
+            </a:r>
+          </a:p>
+          <a:p>
+            <a:pPr lvl="3"/>
+            <a:r>
+              <a:rPr lang="zh-TW" altLang="en-US"/>
+              <a:t>第四層</a:t>
+            </a:r>
+          </a:p>
+          <a:p>
+            <a:pPr lvl="4"/>
+            <a:r>
+              <a:rPr lang="zh-TW" altLang="en-US"/>
+              <a:t>第五層</a:t>
+            </a:r>
+          </a:p>
+        </p:txBody>
+      </p:sp>
+      <p:sp>
+        <p:nvSpPr>
+          <p:cNvPr id="6" name="頁尾版面配置區 5"/>
+          <p:cNvSpPr>
+            <a:spLocks noGrp="1"/>
+          </p:cNvSpPr>
+          <p:nvPr>
+            <p:ph type="ftr" sz="quarter" idx="4"/>
+          </p:nvPr>
+        </p:nvSpPr>
+        <p:spPr>
+          <a:xfrm>
+            <a:off x="0" y="8685213"/>
+            <a:ext cx="2971800" cy="458787"/>
+          </a:xfrm>
+          <a:prstGeom prst="rect">
+            <a:avLst/>
+          </a:prstGeom>
+        </p:spPr>
+        <p:txBody>
+          <a:bodyPr vert="horz" lIns="91440" tIns="45720" rIns="91440" bIns="45720" rtlCol="0" anchor="b"/>
+          <a:lstStyle>
+            <a:lvl1pPr algn="l">
+              <a:defRPr sz="1200"/>
+            </a:lvl1pPr>
+          </a:lstStyle>
+          <a:p>
+            <a:endParaRPr lang="zh-TW" altLang="en-US"/>
+          </a:p>
+        </p:txBody>
+      </p:sp>
+      <p:sp>
+        <p:nvSpPr>
+          <p:cNvPr id="7" name="投影片編號版面配置區 6"/>
+          <p:cNvSpPr>
+            <a:spLocks noGrp="1"/>
+          </p:cNvSpPr>
+          <p:nvPr>
+            <p:ph type="sldNum" sz="quarter" idx="5"/>
+          </p:nvPr>
+        </p:nvSpPr>
+        <p:spPr>
+          <a:xfrm>
+            <a:off x="3884613" y="8685213"/>
+            <a:ext cx="2971800" cy="458787"/>
+          </a:xfrm>
+          <a:prstGeom prst="rect">
+            <a:avLst/>
+          </a:prstGeom>
+        </p:spPr>
+        <p:txBody>
+          <a:bodyPr vert="horz" lIns="91440" tIns="45720" rIns="91440" bIns="45720" rtlCol="0" anchor="b"/>
+          <a:lstStyle>
+            <a:lvl1pPr algn="r">
+              <a:defRPr sz="1200"/>
+            </a:lvl1pPr>
+          </a:lstStyle>
+          <a:p>
+            <a:fld id="{A28E4FF1-1A5F-48E0-9786-EEE4903C1F60}" type="slidenum">
+              <a:rPr lang="zh-TW" altLang="en-US" smtClean="0"/>
+              <a:t>‹#›</a:t>
+            </a:fld>
+            <a:endParaRPr lang="zh-TW" altLang="en-US"/>
+          </a:p>
+        </p:txBody>
+      </p:sp>
+    </p:spTree>
+    <p:extLst>
+      <p:ext uri="{BB962C8B-B14F-4D97-AF65-F5344CB8AC3E}">
+        <p14:creationId xmlns:p14="http://schemas.microsoft.com/office/powerpoint/2010/main" val="4244411936"/>
+      </p:ext>
+    </p:extLst>
+  </p:cSld>
+  <p:clrMap bg1="lt1" tx1="dk1" bg2="lt2" tx2="dk2" accent1="accent1" accent2="accent2" accent3="accent3" accent4="accent4" accent5="accent5" accent6="accent6" hlink="hlink" folHlink="folHlink"/>
+  <p:notesStyle>
+    <a:lvl1pPr marL="0" algn="l" defTabSz="914400" rtl="0" eaLnBrk="1" latinLnBrk="0" hangingPunct="1">
+      <a:defRPr sz="1200" kern="1200">
+        <a:solidFill>
+          <a:schemeClr val="tx1"/>
+        </a:solidFill>
+        <a:latin typeface="+mn-lt"/>
+        <a:ea typeface="+mn-ea"/>
+        <a:cs typeface="+mn-cs"/>
+      </a:defRPr>
+    </a:lvl1pPr>
+    <a:lvl2pPr marL="457200" algn="l" defTabSz="914400" rtl="0" eaLnBrk="1" latinLnBrk="0" hangingPunct="1">
+      <a:defRPr sz="1200" kern="1200">
+        <a:solidFill>
+          <a:schemeClr val="tx1"/>
+        </a:solidFill>
+        <a:latin typeface="+mn-lt"/>
+        <a:ea typeface="+mn-ea"/>
+        <a:cs typeface="+mn-cs"/>
+      </a:defRPr>
+    </a:lvl2pPr>
+    <a:lvl3pPr marL="914400" algn="l" defTabSz="914400" rtl="0" eaLnBrk="1" latinLnBrk="0" hangingPunct="1">
+      <a:defRPr sz="1200" kern="1200">
+        <a:solidFill>
+          <a:schemeClr val="tx1"/>
+        </a:solidFill>
+        <a:latin typeface="+mn-lt"/>
+        <a:ea typeface="+mn-ea"/>
+        <a:cs typeface="+mn-cs"/>
+      </a:defRPr>
+    </a:lvl3pPr>
+    <a:lvl4pPr marL="1371600" algn="l" defTabSz="914400" rtl="0" eaLnBrk="1" latinLnBrk="0" hangingPunct="1">
+      <a:defRPr sz="1200" kern="1200">
+        <a:solidFill>
+          <a:schemeClr val="tx1"/>
+        </a:solidFill>
+        <a:latin typeface="+mn-lt"/>
+        <a:ea typeface="+mn-ea"/>
+        <a:cs typeface="+mn-cs"/>
+      </a:defRPr>
+    </a:lvl4pPr>
+    <a:lvl5pPr marL="1828800" algn="l" defTabSz="914400" rtl="0" eaLnBrk="1" latinLnBrk="0" hangingPunct="1">
+      <a:defRPr sz="1200" kern="1200">
+        <a:solidFill>
+          <a:schemeClr val="tx1"/>
+        </a:solidFill>
+        <a:latin typeface="+mn-lt"/>
+        <a:ea typeface="+mn-ea"/>
+        <a:cs typeface="+mn-cs"/>
+      </a:defRPr>
+    </a:lvl5pPr>
+    <a:lvl6pPr marL="2286000" algn="l" defTabSz="914400" rtl="0" eaLnBrk="1" latinLnBrk="0" hangingPunct="1">
+      <a:defRPr sz="1200" kern="1200">
+        <a:solidFill>
+          <a:schemeClr val="tx1"/>
+        </a:solidFill>
+        <a:latin typeface="+mn-lt"/>
+        <a:ea typeface="+mn-ea"/>
+        <a:cs typeface="+mn-cs"/>
+      </a:defRPr>
+    </a:lvl6pPr>
+    <a:lvl7pPr marL="2743200" algn="l" defTabSz="914400" rtl="0" eaLnBrk="1" latinLnBrk="0" hangingPunct="1">
+      <a:defRPr sz="1200" kern="1200">
+        <a:solidFill>
+          <a:schemeClr val="tx1"/>
+        </a:solidFill>
+        <a:latin typeface="+mn-lt"/>
+        <a:ea typeface="+mn-ea"/>
+        <a:cs typeface="+mn-cs"/>
+      </a:defRPr>
+    </a:lvl7pPr>
+    <a:lvl8pPr marL="3200400" algn="l" defTabSz="914400" rtl="0" eaLnBrk="1" latinLnBrk="0" hangingPunct="1">
+      <a:defRPr sz="1200" kern="1200">
+        <a:solidFill>
+          <a:schemeClr val="tx1"/>
+        </a:solidFill>
+        <a:latin typeface="+mn-lt"/>
+        <a:ea typeface="+mn-ea"/>
+        <a:cs typeface="+mn-cs"/>
+      </a:defRPr>
+    </a:lvl8pPr>
+    <a:lvl9pPr marL="3657600" algn="l" defTabSz="914400" rtl="0" eaLnBrk="1" latinLnBrk="0" hangingPunct="1">
+      <a:defRPr sz="1200" kern="1200">
+        <a:solidFill>
+          <a:schemeClr val="tx1"/>
+        </a:solidFill>
+        <a:latin typeface="+mn-lt"/>
+        <a:ea typeface="+mn-ea"/>
+        <a:cs typeface="+mn-cs"/>
+      </a:defRPr>
+    </a:lvl9pPr>
+  </p:notesStyle>
+</p:notesMaster>
+</file>
+
+<file path=ppt/notesSlides/notesSlide1.xml><?xml version="1.0" encoding="utf-8"?>
+<p:notes xmlns:a="http://schemas.openxmlformats.org/drawingml/2006/main" xmlns:r="http://schemas.openxmlformats.org/officeDocument/2006/relationships" xmlns:p="http://schemas.openxmlformats.org/presentationml/2006/main">
+  <p:cSld>
+    <p:spTree>
+      <p:nvGrpSpPr>
+        <p:cNvPr id="1" name=""/>
+        <p:cNvGrpSpPr/>
+        <p:nvPr/>
+      </p:nvGrpSpPr>
+      <p:grpSpPr>
+        <a:xfrm>
+          <a:off x="0" y="0"/>
+          <a:ext cx="0" cy="0"/>
+          <a:chOff x="0" y="0"/>
+          <a:chExt cx="0" cy="0"/>
+        </a:xfrm>
+      </p:grpSpPr>
+      <p:sp>
+        <p:nvSpPr>
+          <p:cNvPr id="2" name="投影片影像版面配置區 1"/>
+          <p:cNvSpPr>
+            <a:spLocks noGrp="1" noRot="1" noChangeAspect="1"/>
+          </p:cNvSpPr>
+          <p:nvPr>
+            <p:ph type="sldImg"/>
+          </p:nvPr>
+        </p:nvSpPr>
+        <p:spPr/>
+      </p:sp>
+      <p:sp>
+        <p:nvSpPr>
+          <p:cNvPr id="3" name="備忘稿版面配置區 2"/>
+          <p:cNvSpPr>
+            <a:spLocks noGrp="1"/>
+          </p:cNvSpPr>
+          <p:nvPr>
+            <p:ph type="body" idx="1"/>
+          </p:nvPr>
+        </p:nvSpPr>
+        <p:spPr/>
+        <p:txBody>
+          <a:bodyPr/>
+          <a:lstStyle/>
+          <a:p>
+            <a:endParaRPr lang="zh-TW" altLang="en-US" dirty="0"/>
+          </a:p>
+        </p:txBody>
+      </p:sp>
+      <p:sp>
+        <p:nvSpPr>
+          <p:cNvPr id="4" name="投影片編號版面配置區 3"/>
+          <p:cNvSpPr>
+            <a:spLocks noGrp="1"/>
+          </p:cNvSpPr>
+          <p:nvPr>
+            <p:ph type="sldNum" sz="quarter" idx="5"/>
+          </p:nvPr>
+        </p:nvSpPr>
+        <p:spPr/>
+        <p:txBody>
+          <a:bodyPr/>
+          <a:lstStyle/>
+          <a:p>
+            <a:fld id="{A28E4FF1-1A5F-48E0-9786-EEE4903C1F60}" type="slidenum">
+              <a:rPr lang="zh-TW" altLang="en-US" smtClean="0"/>
+              <a:t>12</a:t>
+            </a:fld>
+            <a:endParaRPr lang="zh-TW" altLang="en-US"/>
+          </a:p>
+        </p:txBody>
+      </p:sp>
+    </p:spTree>
+    <p:extLst>
+      <p:ext uri="{BB962C8B-B14F-4D97-AF65-F5344CB8AC3E}">
+        <p14:creationId xmlns:p14="http://schemas.microsoft.com/office/powerpoint/2010/main" val="255643537"/>
+      </p:ext>
+    </p:extLst>
+  </p:cSld>
+  <p:clrMapOvr>
+    <a:masterClrMapping/>
+  </p:clrMapOvr>
+</p:notes>
+</file>
+
 <file path=ppt/slideLayouts/slideLayout1.xml><?xml version="1.0" encoding="utf-8"?>
 <p:sldLayout xmlns:a="http://schemas.openxmlformats.org/drawingml/2006/main" xmlns:r="http://schemas.openxmlformats.org/officeDocument/2006/relationships" xmlns:p="http://schemas.openxmlformats.org/presentationml/2006/main" type="title" preserve="1">
   <p:cSld name="標題投影片">
@@ -268,9 +704,9 @@
           <a:bodyPr/>
           <a:lstStyle/>
           <a:p>
-            <a:fld id="{8FEED5E7-4D74-4216-ADD7-8633CDEB97E8}" type="datetimeFigureOut">
+            <a:fld id="{A05FFFBD-186F-46AB-99F1-D27AE86D4AF4}" type="datetime1">
               <a:rPr lang="zh-TW" altLang="en-US" smtClean="0"/>
-              <a:t>2024/4/15</a:t>
+              <a:t>2024/5/10</a:t>
             </a:fld>
             <a:endParaRPr lang="zh-TW" altLang="en-US"/>
           </a:p>
@@ -466,9 +902,9 @@
           <a:bodyPr/>
           <a:lstStyle/>
           <a:p>
-            <a:fld id="{8FEED5E7-4D74-4216-ADD7-8633CDEB97E8}" type="datetimeFigureOut">
+            <a:fld id="{14DDCD90-552D-4965-8BC1-3273F94F76BC}" type="datetime1">
               <a:rPr lang="zh-TW" altLang="en-US" smtClean="0"/>
-              <a:t>2024/4/15</a:t>
+              <a:t>2024/5/10</a:t>
             </a:fld>
             <a:endParaRPr lang="zh-TW" altLang="en-US"/>
           </a:p>
@@ -674,9 +1110,9 @@
           <a:bodyPr/>
           <a:lstStyle/>
           <a:p>
-            <a:fld id="{8FEED5E7-4D74-4216-ADD7-8633CDEB97E8}" type="datetimeFigureOut">
+            <a:fld id="{59A64BB5-601E-4AA7-B9C9-57B27D28F39B}" type="datetime1">
               <a:rPr lang="zh-TW" altLang="en-US" smtClean="0"/>
-              <a:t>2024/4/15</a:t>
+              <a:t>2024/5/10</a:t>
             </a:fld>
             <a:endParaRPr lang="zh-TW" altLang="en-US"/>
           </a:p>
@@ -872,9 +1308,9 @@
           <a:bodyPr/>
           <a:lstStyle/>
           <a:p>
-            <a:fld id="{8FEED5E7-4D74-4216-ADD7-8633CDEB97E8}" type="datetimeFigureOut">
+            <a:fld id="{58A7F0BC-B487-4BDD-8A19-0E3C2CEA59C6}" type="datetime1">
               <a:rPr lang="zh-TW" altLang="en-US" smtClean="0"/>
-              <a:t>2024/4/15</a:t>
+              <a:t>2024/5/10</a:t>
             </a:fld>
             <a:endParaRPr lang="zh-TW" altLang="en-US"/>
           </a:p>
@@ -1147,9 +1583,9 @@
           <a:bodyPr/>
           <a:lstStyle/>
           <a:p>
-            <a:fld id="{8FEED5E7-4D74-4216-ADD7-8633CDEB97E8}" type="datetimeFigureOut">
+            <a:fld id="{F896F3B1-9587-4316-9E97-BE8A8F75D7CA}" type="datetime1">
               <a:rPr lang="zh-TW" altLang="en-US" smtClean="0"/>
-              <a:t>2024/4/15</a:t>
+              <a:t>2024/5/10</a:t>
             </a:fld>
             <a:endParaRPr lang="zh-TW" altLang="en-US"/>
           </a:p>
@@ -1412,9 +1848,9 @@
           <a:bodyPr/>
           <a:lstStyle/>
           <a:p>
-            <a:fld id="{8FEED5E7-4D74-4216-ADD7-8633CDEB97E8}" type="datetimeFigureOut">
+            <a:fld id="{3B8C7810-E57B-4A3F-91AB-3FA4B17B6615}" type="datetime1">
               <a:rPr lang="zh-TW" altLang="en-US" smtClean="0"/>
-              <a:t>2024/4/15</a:t>
+              <a:t>2024/5/10</a:t>
             </a:fld>
             <a:endParaRPr lang="zh-TW" altLang="en-US"/>
           </a:p>
@@ -1824,9 +2260,9 @@
           <a:bodyPr/>
           <a:lstStyle/>
           <a:p>
-            <a:fld id="{8FEED5E7-4D74-4216-ADD7-8633CDEB97E8}" type="datetimeFigureOut">
+            <a:fld id="{8CA87F5A-97D4-4F2C-BDE3-AD6A78E2B334}" type="datetime1">
               <a:rPr lang="zh-TW" altLang="en-US" smtClean="0"/>
-              <a:t>2024/4/15</a:t>
+              <a:t>2024/5/10</a:t>
             </a:fld>
             <a:endParaRPr lang="zh-TW" altLang="en-US"/>
           </a:p>
@@ -1965,9 +2401,9 @@
           <a:bodyPr/>
           <a:lstStyle/>
           <a:p>
-            <a:fld id="{8FEED5E7-4D74-4216-ADD7-8633CDEB97E8}" type="datetimeFigureOut">
+            <a:fld id="{14AF69B0-F57F-491E-AF2A-F7B164615D1E}" type="datetime1">
               <a:rPr lang="zh-TW" altLang="en-US" smtClean="0"/>
-              <a:t>2024/4/15</a:t>
+              <a:t>2024/5/10</a:t>
             </a:fld>
             <a:endParaRPr lang="zh-TW" altLang="en-US"/>
           </a:p>
@@ -2078,9 +2514,9 @@
           <a:bodyPr/>
           <a:lstStyle/>
           <a:p>
-            <a:fld id="{8FEED5E7-4D74-4216-ADD7-8633CDEB97E8}" type="datetimeFigureOut">
+            <a:fld id="{5DB0092A-CDB5-48E1-B248-CA58A0FD87C4}" type="datetime1">
               <a:rPr lang="zh-TW" altLang="en-US" smtClean="0"/>
-              <a:t>2024/4/15</a:t>
+              <a:t>2024/5/10</a:t>
             </a:fld>
             <a:endParaRPr lang="zh-TW" altLang="en-US"/>
           </a:p>
@@ -2389,9 +2825,9 @@
           <a:bodyPr/>
           <a:lstStyle/>
           <a:p>
-            <a:fld id="{8FEED5E7-4D74-4216-ADD7-8633CDEB97E8}" type="datetimeFigureOut">
+            <a:fld id="{13BA5135-92ED-4192-A70E-DBF3F7BADB36}" type="datetime1">
               <a:rPr lang="zh-TW" altLang="en-US" smtClean="0"/>
-              <a:t>2024/4/15</a:t>
+              <a:t>2024/5/10</a:t>
             </a:fld>
             <a:endParaRPr lang="zh-TW" altLang="en-US"/>
           </a:p>
@@ -2677,9 +3113,9 @@
           <a:bodyPr/>
           <a:lstStyle/>
           <a:p>
-            <a:fld id="{8FEED5E7-4D74-4216-ADD7-8633CDEB97E8}" type="datetimeFigureOut">
+            <a:fld id="{CB1B2BBB-5B81-460F-A4DC-5A90E24814C9}" type="datetime1">
               <a:rPr lang="zh-TW" altLang="en-US" smtClean="0"/>
-              <a:t>2024/4/15</a:t>
+              <a:t>2024/5/10</a:t>
             </a:fld>
             <a:endParaRPr lang="zh-TW" altLang="en-US"/>
           </a:p>
@@ -2918,9 +3354,9 @@
             </a:lvl1pPr>
           </a:lstStyle>
           <a:p>
-            <a:fld id="{8FEED5E7-4D74-4216-ADD7-8633CDEB97E8}" type="datetimeFigureOut">
+            <a:fld id="{E75C9532-9D52-4283-ADC5-7BDAFF9AD965}" type="datetime1">
               <a:rPr lang="zh-TW" altLang="en-US" smtClean="0"/>
-              <a:t>2024/4/15</a:t>
+              <a:t>2024/5/10</a:t>
             </a:fld>
             <a:endParaRPr lang="zh-TW" altLang="en-US"/>
           </a:p>
@@ -3037,6 +3473,7 @@
     <p:sldLayoutId id="2147483658" r:id="rId10"/>
     <p:sldLayoutId id="2147483659" r:id="rId11"/>
   </p:sldLayoutIdLst>
+  <p:hf hdr="0" ftr="0" dt="0"/>
   <p:txStyles>
     <p:titleStyle>
       <a:lvl1pPr algn="l" defTabSz="914400" rtl="0" eaLnBrk="1" latinLnBrk="0" hangingPunct="1">
@@ -3501,7 +3938,7 @@
                 <a:ea typeface="微軟正黑體" panose="020B0604030504040204" pitchFamily="34" charset="-120"/>
                 <a:cs typeface="+mj-cs"/>
               </a:rPr>
-              <a:t>期中報告</a:t>
+              <a:t>第五組期中報告</a:t>
             </a:r>
           </a:p>
         </p:txBody>
@@ -4091,21 +4528,6 @@
 <file path=ppt/slides/slide10.xml><?xml version="1.0" encoding="utf-8"?>
 <p:sld xmlns:a="http://schemas.openxmlformats.org/drawingml/2006/main" xmlns:r="http://schemas.openxmlformats.org/officeDocument/2006/relationships" xmlns:p="http://schemas.openxmlformats.org/presentationml/2006/main">
   <p:cSld>
-    <p:bg>
-      <p:bgPr>
-        <a:blipFill dpi="0" rotWithShape="1">
-          <a:blip r:embed="rId2">
-            <a:alphaModFix amt="25000"/>
-            <a:lum/>
-          </a:blip>
-          <a:srcRect/>
-          <a:stretch>
-            <a:fillRect t="-28000" b="-28000"/>
-          </a:stretch>
-        </a:blipFill>
-        <a:effectLst/>
-      </p:bgPr>
-    </p:bg>
     <p:spTree>
       <p:nvGrpSpPr>
         <p:cNvPr id="1" name=""/>
@@ -4122,10 +4544,10 @@
       </p:grpSpPr>
       <p:sp>
         <p:nvSpPr>
-          <p:cNvPr id="6" name="文字方塊 5">
-            <a:extLst>
-              <a:ext uri="{FF2B5EF4-FFF2-40B4-BE49-F238E27FC236}">
-                <a16:creationId xmlns:a16="http://schemas.microsoft.com/office/drawing/2014/main" id="{AA28961C-68C4-655D-C8E5-7C6194227093}"/>
+          <p:cNvPr id="4" name="文字方塊 3">
+            <a:extLst>
+              <a:ext uri="{FF2B5EF4-FFF2-40B4-BE49-F238E27FC236}">
+                <a16:creationId xmlns:a16="http://schemas.microsoft.com/office/drawing/2014/main" id="{B4E9F746-9A09-4A26-A1DE-B02570371CEC}"/>
               </a:ext>
             </a:extLst>
           </p:cNvPr>
@@ -4134,13 +4556,18 @@
         </p:nvSpPr>
         <p:spPr>
           <a:xfrm>
-            <a:off x="457200" y="495743"/>
-            <a:ext cx="1704313" cy="523220"/>
-          </a:xfrm>
-          <a:prstGeom prst="rect">
-            <a:avLst/>
-          </a:prstGeom>
-          <a:noFill/>
+            <a:off x="3518587" y="242322"/>
+            <a:ext cx="1018227" cy="369332"/>
+          </a:xfrm>
+          <a:prstGeom prst="rect">
+            <a:avLst/>
+          </a:prstGeom>
+          <a:solidFill>
+            <a:schemeClr val="accent1">
+              <a:lumMod val="20000"/>
+              <a:lumOff val="80000"/>
+            </a:schemeClr>
+          </a:solidFill>
         </p:spPr>
         <p:txBody>
           <a:bodyPr wrap="none" rtlCol="0">
@@ -4149,32 +4576,110 @@
           <a:lstStyle/>
           <a:p>
             <a:r>
-              <a:rPr lang="zh-TW" altLang="en-US" sz="2800" dirty="0">
-                <a:latin typeface="微軟正黑體" panose="020B0604030504040204" pitchFamily="34" charset="-120"/>
+              <a:rPr lang="en-US" altLang="zh-TW" dirty="0">
+                <a:latin typeface="Times New Roman" panose="02020603050405020304" pitchFamily="18" charset="0"/>
                 <a:ea typeface="微軟正黑體" panose="020B0604030504040204" pitchFamily="34" charset="-120"/>
-              </a:rPr>
-              <a:t>研究機具</a:t>
-            </a:r>
-            <a:r>
-              <a:rPr lang="en-US" altLang="zh-TW" sz="2800" dirty="0">
-                <a:latin typeface="微軟正黑體" panose="020B0604030504040204" pitchFamily="34" charset="-120"/>
+                <a:cs typeface="Times New Roman" panose="02020603050405020304" pitchFamily="18" charset="0"/>
+              </a:rPr>
+              <a:t>Model_1</a:t>
+            </a:r>
+            <a:endParaRPr lang="zh-TW" altLang="en-US" dirty="0">
+              <a:latin typeface="Times New Roman" panose="02020603050405020304" pitchFamily="18" charset="0"/>
+              <a:ea typeface="微軟正黑體" panose="020B0604030504040204" pitchFamily="34" charset="-120"/>
+              <a:cs typeface="Times New Roman" panose="02020603050405020304" pitchFamily="18" charset="0"/>
+            </a:endParaRPr>
+          </a:p>
+        </p:txBody>
+      </p:sp>
+      <p:pic>
+        <p:nvPicPr>
+          <p:cNvPr id="10" name="圖片 9">
+            <a:extLst>
+              <a:ext uri="{FF2B5EF4-FFF2-40B4-BE49-F238E27FC236}">
+                <a16:creationId xmlns:a16="http://schemas.microsoft.com/office/drawing/2014/main" id="{1C8827DA-6CD7-2430-8A96-8C1EA95AFE62}"/>
+              </a:ext>
+            </a:extLst>
+          </p:cNvPr>
+          <p:cNvPicPr>
+            <a:picLocks noChangeAspect="1"/>
+          </p:cNvPicPr>
+          <p:nvPr/>
+        </p:nvPicPr>
+        <p:blipFill rotWithShape="1">
+          <a:blip r:embed="rId2"/>
+          <a:srcRect t="6035" r="8736" b="-2342"/>
+          <a:stretch/>
+        </p:blipFill>
+        <p:spPr>
+          <a:xfrm>
+            <a:off x="7822119" y="3793049"/>
+            <a:ext cx="2486123" cy="1816841"/>
+          </a:xfrm>
+          <a:prstGeom prst="rect">
+            <a:avLst/>
+          </a:prstGeom>
+          <a:ln>
+            <a:solidFill>
+              <a:schemeClr val="tx1"/>
+            </a:solidFill>
+          </a:ln>
+        </p:spPr>
+      </p:pic>
+      <p:sp>
+        <p:nvSpPr>
+          <p:cNvPr id="13" name="文字方塊 12">
+            <a:extLst>
+              <a:ext uri="{FF2B5EF4-FFF2-40B4-BE49-F238E27FC236}">
+                <a16:creationId xmlns:a16="http://schemas.microsoft.com/office/drawing/2014/main" id="{C0DD1E64-C81C-F1F4-A635-3677B9DF3A36}"/>
+              </a:ext>
+            </a:extLst>
+          </p:cNvPr>
+          <p:cNvSpPr txBox="1"/>
+          <p:nvPr/>
+        </p:nvSpPr>
+        <p:spPr>
+          <a:xfrm>
+            <a:off x="8552008" y="234042"/>
+            <a:ext cx="1018227" cy="369332"/>
+          </a:xfrm>
+          <a:prstGeom prst="rect">
+            <a:avLst/>
+          </a:prstGeom>
+          <a:solidFill>
+            <a:schemeClr val="accent2">
+              <a:lumMod val="20000"/>
+              <a:lumOff val="80000"/>
+            </a:schemeClr>
+          </a:solidFill>
+        </p:spPr>
+        <p:txBody>
+          <a:bodyPr wrap="none" rtlCol="0">
+            <a:spAutoFit/>
+          </a:bodyPr>
+          <a:lstStyle/>
+          <a:p>
+            <a:r>
+              <a:rPr lang="en-US" altLang="zh-TW" dirty="0">
+                <a:latin typeface="Times New Roman" panose="02020603050405020304" pitchFamily="18" charset="0"/>
                 <a:ea typeface="微軟正黑體" panose="020B0604030504040204" pitchFamily="34" charset="-120"/>
-              </a:rPr>
-              <a:t>:</a:t>
-            </a:r>
-            <a:endParaRPr lang="zh-TW" altLang="en-US" sz="2800" dirty="0">
-              <a:latin typeface="微軟正黑體" panose="020B0604030504040204" pitchFamily="34" charset="-120"/>
+                <a:cs typeface="Times New Roman" panose="02020603050405020304" pitchFamily="18" charset="0"/>
+              </a:rPr>
+              <a:t>Model_2</a:t>
+            </a:r>
+            <a:endParaRPr lang="zh-TW" altLang="en-US" dirty="0">
+              <a:latin typeface="Times New Roman" panose="02020603050405020304" pitchFamily="18" charset="0"/>
               <a:ea typeface="微軟正黑體" panose="020B0604030504040204" pitchFamily="34" charset="-120"/>
+              <a:cs typeface="Times New Roman" panose="02020603050405020304" pitchFamily="18" charset="0"/>
             </a:endParaRPr>
           </a:p>
         </p:txBody>
       </p:sp>
       <p:sp>
         <p:nvSpPr>
-          <p:cNvPr id="8" name="文字方塊 7">
-            <a:extLst>
-              <a:ext uri="{FF2B5EF4-FFF2-40B4-BE49-F238E27FC236}">
-                <a16:creationId xmlns:a16="http://schemas.microsoft.com/office/drawing/2014/main" id="{BAC9599B-C1EC-13C8-A71B-7BB54FA59AFC}"/>
+          <p:cNvPr id="2" name="文字方塊 1">
+            <a:extLst>
+              <a:ext uri="{FF2B5EF4-FFF2-40B4-BE49-F238E27FC236}">
+                <a16:creationId xmlns:a16="http://schemas.microsoft.com/office/drawing/2014/main" id="{F6C6A743-F09A-4F64-1F2E-46C70DCAA15A}"/>
               </a:ext>
             </a:extLst>
           </p:cNvPr>
@@ -4183,15 +4688,13 @@
         </p:nvSpPr>
         <p:spPr>
           <a:xfrm>
-            <a:off x="1700115" y="3829083"/>
-            <a:ext cx="1827032" cy="369332"/>
-          </a:xfrm>
-          <a:prstGeom prst="rect">
-            <a:avLst/>
-          </a:prstGeom>
-          <a:solidFill>
-            <a:schemeClr val="bg1"/>
-          </a:solidFill>
+            <a:off x="552450" y="6115574"/>
+            <a:ext cx="11087099" cy="523220"/>
+          </a:xfrm>
+          <a:prstGeom prst="rect">
+            <a:avLst/>
+          </a:prstGeom>
+          <a:noFill/>
         </p:spPr>
         <p:txBody>
           <a:bodyPr wrap="square">
@@ -4200,113 +4703,35 @@
           <a:lstStyle/>
           <a:p>
             <a:r>
-              <a:rPr lang="zh-TW" altLang="en-US" sz="1800" dirty="0">
-                <a:latin typeface="微軟正黑體" panose="020B0604030504040204" pitchFamily="34" charset="-120"/>
-                <a:ea typeface="微軟正黑體" panose="020B0604030504040204" pitchFamily="34" charset="-120"/>
-              </a:rPr>
-              <a:t>旋葉切削液壓泵</a:t>
-            </a:r>
-            <a:endParaRPr lang="zh-TW" altLang="en-US" dirty="0"/>
-          </a:p>
-        </p:txBody>
-      </p:sp>
-      <p:grpSp>
-        <p:nvGrpSpPr>
-          <p:cNvPr id="13" name="群組 12">
-            <a:extLst>
-              <a:ext uri="{FF2B5EF4-FFF2-40B4-BE49-F238E27FC236}">
-                <a16:creationId xmlns:a16="http://schemas.microsoft.com/office/drawing/2014/main" id="{77255C65-C609-22C9-96F7-EB0B666EFBB5}"/>
-              </a:ext>
-            </a:extLst>
-          </p:cNvPr>
-          <p:cNvGrpSpPr/>
-          <p:nvPr/>
-        </p:nvGrpSpPr>
-        <p:grpSpPr>
-          <a:xfrm>
-            <a:off x="1543508" y="1679244"/>
-            <a:ext cx="2121628" cy="1857525"/>
-            <a:chOff x="3280168" y="2012062"/>
-            <a:chExt cx="3423635" cy="2753871"/>
-          </a:xfrm>
-        </p:grpSpPr>
-        <p:pic>
-          <p:nvPicPr>
-            <p:cNvPr id="5" name="圖片 4">
-              <a:extLst>
-                <a:ext uri="{FF2B5EF4-FFF2-40B4-BE49-F238E27FC236}">
-                  <a16:creationId xmlns:a16="http://schemas.microsoft.com/office/drawing/2014/main" id="{FB05D43E-401C-57D0-FF67-8335CF4C0D98}"/>
-                </a:ext>
-              </a:extLst>
-            </p:cNvPr>
-            <p:cNvPicPr>
-              <a:picLocks noChangeAspect="1"/>
-            </p:cNvPicPr>
-            <p:nvPr/>
-          </p:nvPicPr>
-          <p:blipFill>
-            <a:blip r:embed="rId3"/>
-            <a:stretch>
-              <a:fillRect/>
-            </a:stretch>
-          </p:blipFill>
-          <p:spPr>
-            <a:xfrm flipH="1">
-              <a:off x="3280168" y="2012062"/>
-              <a:ext cx="1363464" cy="2753871"/>
-            </a:xfrm>
-            <a:prstGeom prst="rect">
-              <a:avLst/>
-            </a:prstGeom>
-            <a:ln>
-              <a:solidFill>
-                <a:schemeClr val="tx1"/>
-              </a:solidFill>
-            </a:ln>
-          </p:spPr>
-        </p:pic>
-        <p:pic>
-          <p:nvPicPr>
-            <p:cNvPr id="10" name="圖片 9">
-              <a:extLst>
-                <a:ext uri="{FF2B5EF4-FFF2-40B4-BE49-F238E27FC236}">
-                  <a16:creationId xmlns:a16="http://schemas.microsoft.com/office/drawing/2014/main" id="{C3C6E327-FEB7-178F-AA3E-91CCC02553E0}"/>
-                </a:ext>
-              </a:extLst>
-            </p:cNvPr>
-            <p:cNvPicPr>
-              <a:picLocks noChangeAspect="1"/>
-            </p:cNvPicPr>
-            <p:nvPr/>
-          </p:nvPicPr>
-          <p:blipFill>
-            <a:blip r:embed="rId4"/>
-            <a:stretch>
-              <a:fillRect/>
-            </a:stretch>
-          </p:blipFill>
-          <p:spPr>
-            <a:xfrm>
-              <a:off x="5046709" y="2049705"/>
-              <a:ext cx="1657094" cy="2678590"/>
-            </a:xfrm>
-            <a:prstGeom prst="rect">
-              <a:avLst/>
-            </a:prstGeom>
-            <a:ln>
-              <a:solidFill>
-                <a:schemeClr val="tx1"/>
-              </a:solidFill>
-            </a:ln>
-          </p:spPr>
-        </p:pic>
-      </p:grpSp>
+              <a:rPr lang="en-US" altLang="zh-TW" sz="1400" b="0" i="0" dirty="0">
+                <a:solidFill>
+                  <a:srgbClr val="222222"/>
+                </a:solidFill>
+                <a:effectLst/>
+                <a:latin typeface="Times New Roman" panose="02020603050405020304" pitchFamily="18" charset="0"/>
+                <a:cs typeface="Times New Roman" panose="02020603050405020304" pitchFamily="18" charset="0"/>
+              </a:rPr>
+              <a:t>F</a:t>
+            </a:r>
+            <a:r>
+              <a:rPr lang="en-US" altLang="zh-TW" sz="1400" dirty="0">
+                <a:solidFill>
+                  <a:srgbClr val="222222"/>
+                </a:solidFill>
+                <a:latin typeface="Times New Roman" panose="02020603050405020304" pitchFamily="18" charset="0"/>
+                <a:cs typeface="Times New Roman" panose="02020603050405020304" pitchFamily="18" charset="0"/>
+              </a:rPr>
+              <a:t>igure 7. Diagrams for recording the training and validation residual (loss) and the average accuracy during the entire training history. Record for (a) uniform distribution with Model_1 (b) uniform distribution with Model_2 (c) normal distribution with Model_1 (d) normal distribution with Model_2</a:t>
+            </a:r>
+          </a:p>
+        </p:txBody>
+      </p:sp>
       <p:grpSp>
         <p:nvGrpSpPr>
           <p:cNvPr id="9" name="群組 8">
             <a:extLst>
               <a:ext uri="{FF2B5EF4-FFF2-40B4-BE49-F238E27FC236}">
-                <a16:creationId xmlns:a16="http://schemas.microsoft.com/office/drawing/2014/main" id="{42351FD6-D63A-2342-CC87-9B91D9B220D1}"/>
+                <a16:creationId xmlns:a16="http://schemas.microsoft.com/office/drawing/2014/main" id="{82297B26-A805-8675-A961-FE4BCB687BA3}"/>
               </a:ext>
             </a:extLst>
           </p:cNvPr>
@@ -4315,18 +4740,18 @@
         </p:nvGrpSpPr>
         <p:grpSpPr>
           <a:xfrm>
-            <a:off x="6581777" y="1779491"/>
-            <a:ext cx="3540850" cy="4103132"/>
-            <a:chOff x="7239002" y="1625727"/>
-            <a:chExt cx="3540850" cy="4103132"/>
+            <a:off x="2140669" y="932215"/>
+            <a:ext cx="5358893" cy="369332"/>
+            <a:chOff x="1536882" y="1311141"/>
+            <a:chExt cx="6059850" cy="369332"/>
           </a:xfrm>
         </p:grpSpPr>
         <p:sp>
           <p:nvSpPr>
-            <p:cNvPr id="17" name="文字方塊 16">
+            <p:cNvPr id="11" name="文字方塊 10">
               <a:extLst>
                 <a:ext uri="{FF2B5EF4-FFF2-40B4-BE49-F238E27FC236}">
-                  <a16:creationId xmlns:a16="http://schemas.microsoft.com/office/drawing/2014/main" id="{BE984A8E-A465-42CD-C9D4-4836BB0F6D5A}"/>
+                  <a16:creationId xmlns:a16="http://schemas.microsoft.com/office/drawing/2014/main" id="{BEA212D0-36D1-0170-0471-686FEC302D48}"/>
                 </a:ext>
               </a:extLst>
             </p:cNvPr>
@@ -4335,398 +4760,656 @@
           </p:nvSpPr>
           <p:spPr>
             <a:xfrm>
-              <a:off x="7800264" y="5359527"/>
-              <a:ext cx="2286270" cy="369332"/>
+              <a:off x="1536882" y="1311141"/>
+              <a:ext cx="441146" cy="369332"/>
             </a:xfrm>
             <a:prstGeom prst="rect">
               <a:avLst/>
             </a:prstGeom>
-            <a:solidFill>
-              <a:schemeClr val="bg1"/>
-            </a:solidFill>
+            <a:noFill/>
           </p:spPr>
           <p:txBody>
-            <a:bodyPr wrap="square">
+            <a:bodyPr wrap="none" rtlCol="0">
               <a:spAutoFit/>
             </a:bodyPr>
             <a:lstStyle/>
             <a:p>
               <a:r>
-                <a:rPr lang="zh-TW" altLang="en-US" dirty="0">
-                  <a:latin typeface="微軟正黑體" panose="020B0604030504040204" pitchFamily="34" charset="-120"/>
-                  <a:ea typeface="微軟正黑體" panose="020B0604030504040204" pitchFamily="34" charset="-120"/>
+                <a:rPr lang="en-US" altLang="zh-TW" dirty="0">
+                  <a:latin typeface="Times New Roman" panose="02020603050405020304" pitchFamily="18" charset="0"/>
+                  <a:cs typeface="Times New Roman" panose="02020603050405020304" pitchFamily="18" charset="0"/>
                 </a:rPr>
-                <a:t>不同材質構型之</a:t>
+                <a:t>(a)</a:t>
               </a:r>
-              <a:r>
-                <a:rPr lang="zh-TW" altLang="en-US" sz="1800" dirty="0">
-                  <a:latin typeface="微軟正黑體" panose="020B0604030504040204" pitchFamily="34" charset="-120"/>
-                  <a:ea typeface="微軟正黑體" panose="020B0604030504040204" pitchFamily="34" charset="-120"/>
-                </a:rPr>
-                <a:t>旋葉</a:t>
-              </a:r>
-              <a:endParaRPr lang="zh-TW" altLang="en-US" dirty="0"/>
+              <a:endParaRPr lang="zh-TW" altLang="en-US" dirty="0">
+                <a:latin typeface="Times New Roman" panose="02020603050405020304" pitchFamily="18" charset="0"/>
+                <a:cs typeface="Times New Roman" panose="02020603050405020304" pitchFamily="18" charset="0"/>
+              </a:endParaRPr>
             </a:p>
           </p:txBody>
         </p:sp>
-        <p:grpSp>
-          <p:nvGrpSpPr>
-            <p:cNvPr id="7" name="群組 6">
+        <p:sp>
+          <p:nvSpPr>
+            <p:cNvPr id="14" name="文字方塊 13">
               <a:extLst>
                 <a:ext uri="{FF2B5EF4-FFF2-40B4-BE49-F238E27FC236}">
-                  <a16:creationId xmlns:a16="http://schemas.microsoft.com/office/drawing/2014/main" id="{87C961BD-050A-C7DC-0AD0-64FB94EDBD1C}"/>
+                  <a16:creationId xmlns:a16="http://schemas.microsoft.com/office/drawing/2014/main" id="{510167E5-99DC-64E5-52D4-D44971D00501}"/>
                 </a:ext>
               </a:extLst>
             </p:cNvPr>
-            <p:cNvGrpSpPr/>
+            <p:cNvSpPr txBox="1"/>
             <p:nvPr/>
-          </p:nvGrpSpPr>
-          <p:grpSpPr>
+          </p:nvSpPr>
+          <p:spPr>
             <a:xfrm>
-              <a:off x="7239002" y="1625727"/>
-              <a:ext cx="3540850" cy="3254122"/>
-              <a:chOff x="6781802" y="1159002"/>
-              <a:chExt cx="3540850" cy="3254122"/>
+              <a:off x="7142762" y="1311141"/>
+              <a:ext cx="453970" cy="369332"/>
             </a:xfrm>
-          </p:grpSpPr>
-          <p:grpSp>
-            <p:nvGrpSpPr>
-              <p:cNvPr id="16" name="群組 15">
-                <a:extLst>
-                  <a:ext uri="{FF2B5EF4-FFF2-40B4-BE49-F238E27FC236}">
-                    <a16:creationId xmlns:a16="http://schemas.microsoft.com/office/drawing/2014/main" id="{49E5D50F-4635-CAC7-B915-997E61A21DDB}"/>
-                  </a:ext>
-                </a:extLst>
-              </p:cNvPr>
-              <p:cNvGrpSpPr/>
-              <p:nvPr/>
-            </p:nvGrpSpPr>
-            <p:grpSpPr>
-              <a:xfrm>
-                <a:off x="6781802" y="1159002"/>
-                <a:ext cx="3540850" cy="1472946"/>
-                <a:chOff x="7086600" y="2424639"/>
-                <a:chExt cx="3540850" cy="1472946"/>
-              </a:xfrm>
-            </p:grpSpPr>
-            <p:pic>
-              <p:nvPicPr>
-                <p:cNvPr id="14" name="圖片 13">
-                  <a:extLst>
-                    <a:ext uri="{FF2B5EF4-FFF2-40B4-BE49-F238E27FC236}">
-                      <a16:creationId xmlns:a16="http://schemas.microsoft.com/office/drawing/2014/main" id="{00000000-0008-0000-0000-00001B000000}"/>
-                    </a:ext>
-                  </a:extLst>
-                </p:cNvPr>
-                <p:cNvPicPr>
-                  <a:picLocks noChangeAspect="1"/>
-                </p:cNvPicPr>
-                <p:nvPr/>
-              </p:nvPicPr>
-              <p:blipFill>
-                <a:blip r:embed="rId5"/>
-                <a:stretch>
-                  <a:fillRect/>
-                </a:stretch>
-              </p:blipFill>
-              <p:spPr>
-                <a:xfrm>
-                  <a:off x="7086600" y="2424639"/>
-                  <a:ext cx="1429743" cy="1472946"/>
-                </a:xfrm>
-                <a:prstGeom prst="rect">
-                  <a:avLst/>
-                </a:prstGeom>
-                <a:ln>
-                  <a:solidFill>
-                    <a:schemeClr val="tx1"/>
-                  </a:solidFill>
-                </a:ln>
-              </p:spPr>
-            </p:pic>
-            <p:pic>
-              <p:nvPicPr>
-                <p:cNvPr id="15" name="圖片 14">
-                  <a:extLst>
-                    <a:ext uri="{FF2B5EF4-FFF2-40B4-BE49-F238E27FC236}">
-                      <a16:creationId xmlns:a16="http://schemas.microsoft.com/office/drawing/2014/main" id="{00000000-0008-0000-0100-000015000000}"/>
-                    </a:ext>
-                  </a:extLst>
-                </p:cNvPr>
-                <p:cNvPicPr>
-                  <a:picLocks noChangeAspect="1"/>
-                </p:cNvPicPr>
-                <p:nvPr/>
-              </p:nvPicPr>
-              <p:blipFill>
-                <a:blip r:embed="rId6"/>
-                <a:stretch>
-                  <a:fillRect/>
-                </a:stretch>
-              </p:blipFill>
-              <p:spPr>
-                <a:xfrm>
-                  <a:off x="8934450" y="2562123"/>
-                  <a:ext cx="1693000" cy="1190622"/>
-                </a:xfrm>
-                <a:prstGeom prst="rect">
-                  <a:avLst/>
-                </a:prstGeom>
-                <a:ln>
-                  <a:solidFill>
-                    <a:schemeClr val="tx1"/>
-                  </a:solidFill>
-                </a:ln>
-              </p:spPr>
-            </p:pic>
-          </p:grpSp>
-          <p:pic>
-            <p:nvPicPr>
-              <p:cNvPr id="2" name="圖片 1">
-                <a:extLst>
-                  <a:ext uri="{FF2B5EF4-FFF2-40B4-BE49-F238E27FC236}">
-                    <a16:creationId xmlns:a16="http://schemas.microsoft.com/office/drawing/2014/main" id="{00000000-0008-0000-0000-000025000000}"/>
-                  </a:ext>
-                </a:extLst>
-              </p:cNvPr>
-              <p:cNvPicPr>
-                <a:picLocks noChangeAspect="1"/>
-              </p:cNvPicPr>
-              <p:nvPr/>
-            </p:nvPicPr>
-            <p:blipFill>
-              <a:blip r:embed="rId7"/>
-              <a:stretch>
-                <a:fillRect/>
-              </a:stretch>
-            </p:blipFill>
-            <p:spPr>
-              <a:xfrm>
-                <a:off x="6781802" y="2940178"/>
-                <a:ext cx="1438416" cy="1472946"/>
-              </a:xfrm>
-              <a:prstGeom prst="rect">
-                <a:avLst/>
-              </a:prstGeom>
-              <a:ln>
-                <a:solidFill>
-                  <a:schemeClr val="tx1"/>
-                </a:solidFill>
-              </a:ln>
-            </p:spPr>
-          </p:pic>
-          <p:pic>
-            <p:nvPicPr>
-              <p:cNvPr id="4" name="圖片 3">
-                <a:extLst>
-                  <a:ext uri="{FF2B5EF4-FFF2-40B4-BE49-F238E27FC236}">
-                    <a16:creationId xmlns:a16="http://schemas.microsoft.com/office/drawing/2014/main" id="{00000000-0008-0000-0100-000026000000}"/>
-                  </a:ext>
-                </a:extLst>
-              </p:cNvPr>
-              <p:cNvPicPr>
-                <a:picLocks noChangeAspect="1"/>
-              </p:cNvPicPr>
-              <p:nvPr/>
-            </p:nvPicPr>
-            <p:blipFill>
-              <a:blip r:embed="rId8"/>
-              <a:stretch>
-                <a:fillRect/>
-              </a:stretch>
-            </p:blipFill>
-            <p:spPr>
-              <a:xfrm>
-                <a:off x="8629652" y="3028752"/>
-                <a:ext cx="1693000" cy="1233998"/>
-              </a:xfrm>
-              <a:prstGeom prst="rect">
-                <a:avLst/>
-              </a:prstGeom>
-              <a:ln>
-                <a:solidFill>
-                  <a:schemeClr val="tx1"/>
-                </a:solidFill>
-              </a:ln>
-            </p:spPr>
-          </p:pic>
-        </p:grpSp>
+            <a:prstGeom prst="rect">
+              <a:avLst/>
+            </a:prstGeom>
+            <a:noFill/>
+          </p:spPr>
+          <p:txBody>
+            <a:bodyPr wrap="none" rtlCol="0">
+              <a:spAutoFit/>
+            </a:bodyPr>
+            <a:lstStyle/>
+            <a:p>
+              <a:r>
+                <a:rPr lang="en-US" altLang="zh-TW" dirty="0">
+                  <a:latin typeface="Times New Roman" panose="02020603050405020304" pitchFamily="18" charset="0"/>
+                  <a:cs typeface="Times New Roman" panose="02020603050405020304" pitchFamily="18" charset="0"/>
+                </a:rPr>
+                <a:t>(b)</a:t>
+              </a:r>
+              <a:endParaRPr lang="zh-TW" altLang="en-US" dirty="0">
+                <a:latin typeface="Times New Roman" panose="02020603050405020304" pitchFamily="18" charset="0"/>
+                <a:cs typeface="Times New Roman" panose="02020603050405020304" pitchFamily="18" charset="0"/>
+              </a:endParaRPr>
+            </a:p>
+          </p:txBody>
+        </p:sp>
       </p:grpSp>
-      <p:sp>
-        <p:nvSpPr>
-          <p:cNvPr id="19" name="矩形 18">
-            <a:extLst>
-              <a:ext uri="{FF2B5EF4-FFF2-40B4-BE49-F238E27FC236}">
-                <a16:creationId xmlns:a16="http://schemas.microsoft.com/office/drawing/2014/main" id="{2E5DB465-4582-D75B-1094-AE7674A54AC4}"/>
-              </a:ext>
-            </a:extLst>
-          </p:cNvPr>
-          <p:cNvSpPr/>
-          <p:nvPr/>
-        </p:nvSpPr>
-        <p:spPr>
-          <a:xfrm>
-            <a:off x="6324600" y="1476375"/>
-            <a:ext cx="3923148" cy="3733800"/>
+      <p:pic>
+        <p:nvPicPr>
+          <p:cNvPr id="15" name="圖片 14">
+            <a:extLst>
+              <a:ext uri="{FF2B5EF4-FFF2-40B4-BE49-F238E27FC236}">
+                <a16:creationId xmlns:a16="http://schemas.microsoft.com/office/drawing/2014/main" id="{E16063E8-3E39-158B-9629-688E58BE656A}"/>
+              </a:ext>
+            </a:extLst>
+          </p:cNvPr>
+          <p:cNvPicPr>
+            <a:picLocks noChangeAspect="1"/>
+          </p:cNvPicPr>
+          <p:nvPr/>
+        </p:nvPicPr>
+        <p:blipFill rotWithShape="1">
+          <a:blip r:embed="rId3"/>
+          <a:srcRect l="37110" t="88340" r="40699" b="1164"/>
+          <a:stretch/>
+        </p:blipFill>
+        <p:spPr>
+          <a:xfrm>
+            <a:off x="2875887" y="3121511"/>
+            <a:ext cx="2288544" cy="174241"/>
+          </a:xfrm>
+          <a:prstGeom prst="rect">
+            <a:avLst/>
+          </a:prstGeom>
+          <a:ln>
+            <a:solidFill>
+              <a:schemeClr val="tx1"/>
+            </a:solidFill>
+          </a:ln>
+        </p:spPr>
+      </p:pic>
+      <p:pic>
+        <p:nvPicPr>
+          <p:cNvPr id="17" name="圖片 16">
+            <a:extLst>
+              <a:ext uri="{FF2B5EF4-FFF2-40B4-BE49-F238E27FC236}">
+                <a16:creationId xmlns:a16="http://schemas.microsoft.com/office/drawing/2014/main" id="{099106DE-89A7-4334-7F73-07CC59CB1D89}"/>
+              </a:ext>
+            </a:extLst>
+          </p:cNvPr>
+          <p:cNvPicPr>
+            <a:picLocks noChangeAspect="1"/>
+          </p:cNvPicPr>
+          <p:nvPr/>
+        </p:nvPicPr>
+        <p:blipFill>
+          <a:blip r:embed="rId4"/>
+          <a:stretch>
+            <a:fillRect/>
+          </a:stretch>
+        </p:blipFill>
+        <p:spPr>
+          <a:xfrm>
+            <a:off x="2852181" y="1301547"/>
+            <a:ext cx="2335957" cy="1700971"/>
+          </a:xfrm>
+          <a:prstGeom prst="rect">
+            <a:avLst/>
+          </a:prstGeom>
+          <a:ln>
+            <a:solidFill>
+              <a:schemeClr val="tx1"/>
+            </a:solidFill>
+          </a:ln>
+        </p:spPr>
+      </p:pic>
+      <p:pic>
+        <p:nvPicPr>
+          <p:cNvPr id="5" name="圖片 4">
+            <a:extLst>
+              <a:ext uri="{FF2B5EF4-FFF2-40B4-BE49-F238E27FC236}">
+                <a16:creationId xmlns:a16="http://schemas.microsoft.com/office/drawing/2014/main" id="{FC7399AA-A52C-65CF-2F51-D55E3FC10FEF}"/>
+              </a:ext>
+            </a:extLst>
+          </p:cNvPr>
+          <p:cNvPicPr>
+            <a:picLocks noChangeAspect="1"/>
+          </p:cNvPicPr>
+          <p:nvPr/>
+        </p:nvPicPr>
+        <p:blipFill>
+          <a:blip r:embed="rId5"/>
+          <a:stretch>
+            <a:fillRect/>
+          </a:stretch>
+        </p:blipFill>
+        <p:spPr>
+          <a:xfrm>
+            <a:off x="2827282" y="3806967"/>
+            <a:ext cx="2360856" cy="1790753"/>
+          </a:xfrm>
+          <a:prstGeom prst="rect">
+            <a:avLst/>
+          </a:prstGeom>
+          <a:ln>
+            <a:solidFill>
+              <a:schemeClr val="tx1"/>
+            </a:solidFill>
+          </a:ln>
+        </p:spPr>
+      </p:pic>
+      <p:sp>
+        <p:nvSpPr>
+          <p:cNvPr id="6" name="文字方塊 5">
+            <a:extLst>
+              <a:ext uri="{FF2B5EF4-FFF2-40B4-BE49-F238E27FC236}">
+                <a16:creationId xmlns:a16="http://schemas.microsoft.com/office/drawing/2014/main" id="{F3207730-92B9-C37E-F4BE-6257D7660575}"/>
+              </a:ext>
+            </a:extLst>
+          </p:cNvPr>
+          <p:cNvSpPr txBox="1"/>
+          <p:nvPr/>
+        </p:nvSpPr>
+        <p:spPr>
+          <a:xfrm>
+            <a:off x="140540" y="1982755"/>
+            <a:ext cx="1793035" cy="338554"/>
+          </a:xfrm>
+          <a:prstGeom prst="rect">
+            <a:avLst/>
+          </a:prstGeom>
+          <a:solidFill>
+            <a:schemeClr val="accent1">
+              <a:lumMod val="20000"/>
+              <a:lumOff val="80000"/>
+            </a:schemeClr>
+          </a:solidFill>
+        </p:spPr>
+        <p:txBody>
+          <a:bodyPr wrap="square" rtlCol="0">
+            <a:spAutoFit/>
+          </a:bodyPr>
+          <a:lstStyle/>
+          <a:p>
+            <a:r>
+              <a:rPr lang="zh-TW" altLang="en-US" sz="1600" dirty="0">
+                <a:latin typeface="Times New Roman" panose="02020603050405020304" pitchFamily="18" charset="0"/>
+                <a:ea typeface="微軟正黑體" panose="020B0604030504040204" pitchFamily="34" charset="-120"/>
+                <a:cs typeface="Times New Roman" panose="02020603050405020304" pitchFamily="18" charset="0"/>
+              </a:rPr>
+              <a:t>均值分布 </a:t>
+            </a:r>
+            <a:r>
+              <a:rPr lang="en-US" altLang="zh-TW" sz="1600" dirty="0">
+                <a:latin typeface="Times New Roman" panose="02020603050405020304" pitchFamily="18" charset="0"/>
+                <a:ea typeface="微軟正黑體" panose="020B0604030504040204" pitchFamily="34" charset="-120"/>
+                <a:cs typeface="Times New Roman" panose="02020603050405020304" pitchFamily="18" charset="0"/>
+              </a:rPr>
+              <a:t>(1890</a:t>
+            </a:r>
+            <a:r>
+              <a:rPr lang="zh-TW" altLang="en-US" sz="1600" dirty="0">
+                <a:latin typeface="Times New Roman" panose="02020603050405020304" pitchFamily="18" charset="0"/>
+                <a:ea typeface="微軟正黑體" panose="020B0604030504040204" pitchFamily="34" charset="-120"/>
+                <a:cs typeface="Times New Roman" panose="02020603050405020304" pitchFamily="18" charset="0"/>
+              </a:rPr>
+              <a:t>筆</a:t>
+            </a:r>
+            <a:r>
+              <a:rPr lang="en-US" altLang="zh-TW" sz="1600" dirty="0">
+                <a:latin typeface="Times New Roman" panose="02020603050405020304" pitchFamily="18" charset="0"/>
+                <a:ea typeface="微軟正黑體" panose="020B0604030504040204" pitchFamily="34" charset="-120"/>
+                <a:cs typeface="Times New Roman" panose="02020603050405020304" pitchFamily="18" charset="0"/>
+              </a:rPr>
+              <a:t>)</a:t>
+            </a:r>
+            <a:endParaRPr lang="zh-TW" altLang="en-US" sz="1600" dirty="0">
+              <a:latin typeface="Times New Roman" panose="02020603050405020304" pitchFamily="18" charset="0"/>
+              <a:ea typeface="微軟正黑體" panose="020B0604030504040204" pitchFamily="34" charset="-120"/>
+              <a:cs typeface="Times New Roman" panose="02020603050405020304" pitchFamily="18" charset="0"/>
+            </a:endParaRPr>
+          </a:p>
+        </p:txBody>
+      </p:sp>
+      <p:sp>
+        <p:nvSpPr>
+          <p:cNvPr id="7" name="文字方塊 6">
+            <a:extLst>
+              <a:ext uri="{FF2B5EF4-FFF2-40B4-BE49-F238E27FC236}">
+                <a16:creationId xmlns:a16="http://schemas.microsoft.com/office/drawing/2014/main" id="{A841D0EA-FB17-9B53-A287-BBA1AC92F3EA}"/>
+              </a:ext>
+            </a:extLst>
+          </p:cNvPr>
+          <p:cNvSpPr txBox="1"/>
+          <p:nvPr/>
+        </p:nvSpPr>
+        <p:spPr>
+          <a:xfrm>
+            <a:off x="140539" y="4536692"/>
+            <a:ext cx="1793035" cy="338554"/>
+          </a:xfrm>
+          <a:prstGeom prst="rect">
+            <a:avLst/>
+          </a:prstGeom>
+          <a:solidFill>
+            <a:schemeClr val="accent2">
+              <a:lumMod val="20000"/>
+              <a:lumOff val="80000"/>
+            </a:schemeClr>
+          </a:solidFill>
+        </p:spPr>
+        <p:txBody>
+          <a:bodyPr wrap="square" rtlCol="0">
+            <a:spAutoFit/>
+          </a:bodyPr>
+          <a:lstStyle/>
+          <a:p>
+            <a:r>
+              <a:rPr lang="zh-TW" altLang="en-US" sz="1600" dirty="0">
+                <a:latin typeface="Times New Roman" panose="02020603050405020304" pitchFamily="18" charset="0"/>
+                <a:ea typeface="微軟正黑體" panose="020B0604030504040204" pitchFamily="34" charset="-120"/>
+                <a:cs typeface="Times New Roman" panose="02020603050405020304" pitchFamily="18" charset="0"/>
+              </a:rPr>
+              <a:t>常態分佈 </a:t>
+            </a:r>
+            <a:r>
+              <a:rPr lang="en-US" altLang="zh-TW" sz="1600" dirty="0">
+                <a:latin typeface="Times New Roman" panose="02020603050405020304" pitchFamily="18" charset="0"/>
+                <a:ea typeface="微軟正黑體" panose="020B0604030504040204" pitchFamily="34" charset="-120"/>
+                <a:cs typeface="Times New Roman" panose="02020603050405020304" pitchFamily="18" charset="0"/>
+              </a:rPr>
+              <a:t>(2000</a:t>
+            </a:r>
+            <a:r>
+              <a:rPr lang="zh-TW" altLang="en-US" sz="1600" dirty="0">
+                <a:latin typeface="Times New Roman" panose="02020603050405020304" pitchFamily="18" charset="0"/>
+                <a:ea typeface="微軟正黑體" panose="020B0604030504040204" pitchFamily="34" charset="-120"/>
+                <a:cs typeface="Times New Roman" panose="02020603050405020304" pitchFamily="18" charset="0"/>
+              </a:rPr>
+              <a:t>筆</a:t>
+            </a:r>
+            <a:r>
+              <a:rPr lang="en-US" altLang="zh-TW" sz="1600" dirty="0">
+                <a:latin typeface="Times New Roman" panose="02020603050405020304" pitchFamily="18" charset="0"/>
+                <a:ea typeface="微軟正黑體" panose="020B0604030504040204" pitchFamily="34" charset="-120"/>
+                <a:cs typeface="Times New Roman" panose="02020603050405020304" pitchFamily="18" charset="0"/>
+              </a:rPr>
+              <a:t>)</a:t>
+            </a:r>
+            <a:endParaRPr lang="zh-TW" altLang="en-US" sz="1600" dirty="0">
+              <a:latin typeface="Times New Roman" panose="02020603050405020304" pitchFamily="18" charset="0"/>
+              <a:ea typeface="微軟正黑體" panose="020B0604030504040204" pitchFamily="34" charset="-120"/>
+              <a:cs typeface="Times New Roman" panose="02020603050405020304" pitchFamily="18" charset="0"/>
+            </a:endParaRPr>
+          </a:p>
+        </p:txBody>
+      </p:sp>
+      <p:pic>
+        <p:nvPicPr>
+          <p:cNvPr id="16" name="圖片 15">
+            <a:extLst>
+              <a:ext uri="{FF2B5EF4-FFF2-40B4-BE49-F238E27FC236}">
+                <a16:creationId xmlns:a16="http://schemas.microsoft.com/office/drawing/2014/main" id="{0E5CF727-1BE1-C8DA-D566-76E36F1799A2}"/>
+              </a:ext>
+            </a:extLst>
+          </p:cNvPr>
+          <p:cNvPicPr>
+            <a:picLocks noChangeAspect="1"/>
+          </p:cNvPicPr>
+          <p:nvPr/>
+        </p:nvPicPr>
+        <p:blipFill>
+          <a:blip r:embed="rId6"/>
+          <a:stretch>
+            <a:fillRect/>
+          </a:stretch>
+        </p:blipFill>
+        <p:spPr>
+          <a:xfrm>
+            <a:off x="2921109" y="5725969"/>
+            <a:ext cx="2213182" cy="186827"/>
+          </a:xfrm>
+          <a:prstGeom prst="rect">
+            <a:avLst/>
+          </a:prstGeom>
+          <a:ln>
+            <a:solidFill>
+              <a:schemeClr val="tx1"/>
+            </a:solidFill>
+          </a:ln>
+        </p:spPr>
+      </p:pic>
+      <p:grpSp>
+        <p:nvGrpSpPr>
+          <p:cNvPr id="18" name="群組 17">
+            <a:extLst>
+              <a:ext uri="{FF2B5EF4-FFF2-40B4-BE49-F238E27FC236}">
+                <a16:creationId xmlns:a16="http://schemas.microsoft.com/office/drawing/2014/main" id="{B2FA6816-B980-82BE-B51A-BD679E386A9A}"/>
+              </a:ext>
+            </a:extLst>
+          </p:cNvPr>
+          <p:cNvGrpSpPr/>
+          <p:nvPr/>
+        </p:nvGrpSpPr>
+        <p:grpSpPr>
+          <a:xfrm>
+            <a:off x="2140669" y="3417950"/>
+            <a:ext cx="5411404" cy="369332"/>
+            <a:chOff x="1536882" y="1311141"/>
+            <a:chExt cx="6119230" cy="369332"/>
+          </a:xfrm>
+        </p:grpSpPr>
+        <p:sp>
+          <p:nvSpPr>
+            <p:cNvPr id="19" name="文字方塊 18">
+              <a:extLst>
+                <a:ext uri="{FF2B5EF4-FFF2-40B4-BE49-F238E27FC236}">
+                  <a16:creationId xmlns:a16="http://schemas.microsoft.com/office/drawing/2014/main" id="{2805CCC0-4BA2-9DA7-6E99-AEE77F8298AD}"/>
+                </a:ext>
+              </a:extLst>
+            </p:cNvPr>
+            <p:cNvSpPr txBox="1"/>
+            <p:nvPr/>
+          </p:nvSpPr>
+          <p:spPr>
+            <a:xfrm>
+              <a:off x="1536882" y="1311141"/>
+              <a:ext cx="498849" cy="369332"/>
+            </a:xfrm>
+            <a:prstGeom prst="rect">
+              <a:avLst/>
+            </a:prstGeom>
+            <a:noFill/>
+          </p:spPr>
+          <p:txBody>
+            <a:bodyPr wrap="none" rtlCol="0">
+              <a:spAutoFit/>
+            </a:bodyPr>
+            <a:lstStyle/>
+            <a:p>
+              <a:r>
+                <a:rPr lang="en-US" altLang="zh-TW" dirty="0">
+                  <a:latin typeface="Times New Roman" panose="02020603050405020304" pitchFamily="18" charset="0"/>
+                  <a:cs typeface="Times New Roman" panose="02020603050405020304" pitchFamily="18" charset="0"/>
+                </a:rPr>
+                <a:t>(c)</a:t>
+              </a:r>
+              <a:endParaRPr lang="zh-TW" altLang="en-US" dirty="0">
+                <a:latin typeface="Times New Roman" panose="02020603050405020304" pitchFamily="18" charset="0"/>
+                <a:cs typeface="Times New Roman" panose="02020603050405020304" pitchFamily="18" charset="0"/>
+              </a:endParaRPr>
+            </a:p>
+          </p:txBody>
+        </p:sp>
+        <p:sp>
+          <p:nvSpPr>
+            <p:cNvPr id="20" name="文字方塊 19">
+              <a:extLst>
+                <a:ext uri="{FF2B5EF4-FFF2-40B4-BE49-F238E27FC236}">
+                  <a16:creationId xmlns:a16="http://schemas.microsoft.com/office/drawing/2014/main" id="{93CADBEB-DDF5-8815-0F1C-80E3B7B6594C}"/>
+                </a:ext>
+              </a:extLst>
+            </p:cNvPr>
+            <p:cNvSpPr txBox="1"/>
+            <p:nvPr/>
+          </p:nvSpPr>
+          <p:spPr>
+            <a:xfrm>
+              <a:off x="7142762" y="1311141"/>
+              <a:ext cx="513350" cy="369332"/>
+            </a:xfrm>
+            <a:prstGeom prst="rect">
+              <a:avLst/>
+            </a:prstGeom>
+            <a:noFill/>
+          </p:spPr>
+          <p:txBody>
+            <a:bodyPr wrap="none" rtlCol="0">
+              <a:spAutoFit/>
+            </a:bodyPr>
+            <a:lstStyle/>
+            <a:p>
+              <a:r>
+                <a:rPr lang="en-US" altLang="zh-TW" dirty="0">
+                  <a:latin typeface="Times New Roman" panose="02020603050405020304" pitchFamily="18" charset="0"/>
+                  <a:cs typeface="Times New Roman" panose="02020603050405020304" pitchFamily="18" charset="0"/>
+                </a:rPr>
+                <a:t>(d)</a:t>
+              </a:r>
+              <a:endParaRPr lang="zh-TW" altLang="en-US" dirty="0">
+                <a:latin typeface="Times New Roman" panose="02020603050405020304" pitchFamily="18" charset="0"/>
+                <a:cs typeface="Times New Roman" panose="02020603050405020304" pitchFamily="18" charset="0"/>
+              </a:endParaRPr>
+            </a:p>
+          </p:txBody>
+        </p:sp>
+      </p:grpSp>
+      <p:pic>
+        <p:nvPicPr>
+          <p:cNvPr id="22" name="圖片 21">
+            <a:extLst>
+              <a:ext uri="{FF2B5EF4-FFF2-40B4-BE49-F238E27FC236}">
+                <a16:creationId xmlns:a16="http://schemas.microsoft.com/office/drawing/2014/main" id="{A1B4465B-FD9A-87FB-3A60-9970F1D826F4}"/>
+              </a:ext>
+            </a:extLst>
+          </p:cNvPr>
+          <p:cNvPicPr>
+            <a:picLocks noChangeAspect="1"/>
+          </p:cNvPicPr>
+          <p:nvPr/>
+        </p:nvPicPr>
+        <p:blipFill>
+          <a:blip r:embed="rId7"/>
+          <a:stretch>
+            <a:fillRect/>
+          </a:stretch>
+        </p:blipFill>
+        <p:spPr>
+          <a:xfrm>
+            <a:off x="7838428" y="1260890"/>
+            <a:ext cx="2445376" cy="1782283"/>
+          </a:xfrm>
+          <a:prstGeom prst="rect">
+            <a:avLst/>
+          </a:prstGeom>
+          <a:ln>
+            <a:solidFill>
+              <a:schemeClr val="tx1"/>
+            </a:solidFill>
+          </a:ln>
+        </p:spPr>
+      </p:pic>
+      <p:pic>
+        <p:nvPicPr>
+          <p:cNvPr id="24" name="圖片 23">
+            <a:extLst>
+              <a:ext uri="{FF2B5EF4-FFF2-40B4-BE49-F238E27FC236}">
+                <a16:creationId xmlns:a16="http://schemas.microsoft.com/office/drawing/2014/main" id="{02842612-7DF4-809F-BF4B-5E0CCB887378}"/>
+              </a:ext>
+            </a:extLst>
+          </p:cNvPr>
+          <p:cNvPicPr>
+            <a:picLocks noChangeAspect="1"/>
+          </p:cNvPicPr>
+          <p:nvPr/>
+        </p:nvPicPr>
+        <p:blipFill rotWithShape="1">
+          <a:blip r:embed="rId8"/>
+          <a:srcRect t="14460" b="27047"/>
+          <a:stretch/>
+        </p:blipFill>
+        <p:spPr>
+          <a:xfrm>
+            <a:off x="7873305" y="3131005"/>
+            <a:ext cx="2410499" cy="155252"/>
+          </a:xfrm>
+          <a:prstGeom prst="rect">
+            <a:avLst/>
+          </a:prstGeom>
+          <a:ln>
+            <a:solidFill>
+              <a:schemeClr val="tx1"/>
+            </a:solidFill>
+          </a:ln>
+        </p:spPr>
+      </p:pic>
+      <p:sp>
+        <p:nvSpPr>
+          <p:cNvPr id="3" name="文字方塊 2">
+            <a:extLst>
+              <a:ext uri="{FF2B5EF4-FFF2-40B4-BE49-F238E27FC236}">
+                <a16:creationId xmlns:a16="http://schemas.microsoft.com/office/drawing/2014/main" id="{42EC31A5-725C-8843-C3E0-9952BCCE07B5}"/>
+              </a:ext>
+            </a:extLst>
+          </p:cNvPr>
+          <p:cNvSpPr txBox="1"/>
+          <p:nvPr/>
+        </p:nvSpPr>
+        <p:spPr>
+          <a:xfrm>
+            <a:off x="212897" y="271220"/>
+            <a:ext cx="2148345" cy="461665"/>
           </a:xfrm>
           <a:prstGeom prst="rect">
             <a:avLst/>
           </a:prstGeom>
           <a:noFill/>
-        </p:spPr>
-        <p:style>
-          <a:lnRef idx="2">
-            <a:schemeClr val="accent1">
-              <a:shade val="15000"/>
-            </a:schemeClr>
-          </a:lnRef>
-          <a:fillRef idx="1">
-            <a:schemeClr val="accent1"/>
-          </a:fillRef>
-          <a:effectRef idx="0">
-            <a:schemeClr val="accent1"/>
-          </a:effectRef>
-          <a:fontRef idx="minor">
-            <a:schemeClr val="lt1"/>
-          </a:fontRef>
-        </p:style>
-        <p:txBody>
-          <a:bodyPr rtlCol="0" anchor="ctr"/>
-          <a:lstStyle/>
-          <a:p>
-            <a:pPr algn="ctr"/>
-            <a:endParaRPr lang="zh-TW" altLang="en-US"/>
-          </a:p>
-        </p:txBody>
-      </p:sp>
-      <p:sp>
-        <p:nvSpPr>
-          <p:cNvPr id="21" name="矩形 20">
-            <a:extLst>
-              <a:ext uri="{FF2B5EF4-FFF2-40B4-BE49-F238E27FC236}">
-                <a16:creationId xmlns:a16="http://schemas.microsoft.com/office/drawing/2014/main" id="{C43235C8-B46B-D5F8-09B4-2FE0AC9F78A9}"/>
-              </a:ext>
-            </a:extLst>
-          </p:cNvPr>
-          <p:cNvSpPr/>
-          <p:nvPr/>
-        </p:nvSpPr>
-        <p:spPr>
-          <a:xfrm>
-            <a:off x="1422066" y="2106633"/>
-            <a:ext cx="2383129" cy="148247"/>
-          </a:xfrm>
-          <a:prstGeom prst="rect">
-            <a:avLst/>
-          </a:prstGeom>
-          <a:noFill/>
-          <a:ln w="25400"/>
-        </p:spPr>
-        <p:style>
-          <a:lnRef idx="2">
-            <a:schemeClr val="accent1">
-              <a:shade val="15000"/>
-            </a:schemeClr>
-          </a:lnRef>
-          <a:fillRef idx="1">
-            <a:schemeClr val="accent1"/>
-          </a:fillRef>
-          <a:effectRef idx="0">
-            <a:schemeClr val="accent1"/>
-          </a:effectRef>
-          <a:fontRef idx="minor">
-            <a:schemeClr val="lt1"/>
-          </a:fontRef>
-        </p:style>
-        <p:txBody>
-          <a:bodyPr rtlCol="0" anchor="ctr"/>
-          <a:lstStyle/>
-          <a:p>
-            <a:pPr algn="ctr"/>
-            <a:endParaRPr lang="zh-TW" altLang="en-US"/>
-          </a:p>
-        </p:txBody>
-      </p:sp>
-      <p:cxnSp>
-        <p:nvCxnSpPr>
-          <p:cNvPr id="23" name="直線接點 22">
-            <a:extLst>
-              <a:ext uri="{FF2B5EF4-FFF2-40B4-BE49-F238E27FC236}">
-                <a16:creationId xmlns:a16="http://schemas.microsoft.com/office/drawing/2014/main" id="{2FBFBF15-156A-78E5-A7F2-E696091B0D86}"/>
-              </a:ext>
-            </a:extLst>
-          </p:cNvPr>
-          <p:cNvCxnSpPr>
-            <a:cxnSpLocks/>
-          </p:cNvCxnSpPr>
-          <p:nvPr/>
-        </p:nvCxnSpPr>
-        <p:spPr>
-          <a:xfrm flipV="1">
-            <a:off x="3802631" y="1476375"/>
-            <a:ext cx="2521969" cy="630258"/>
-          </a:xfrm>
-          <a:prstGeom prst="line">
-            <a:avLst/>
-          </a:prstGeom>
-        </p:spPr>
-        <p:style>
-          <a:lnRef idx="1">
-            <a:schemeClr val="accent1"/>
-          </a:lnRef>
-          <a:fillRef idx="0">
-            <a:schemeClr val="accent1"/>
-          </a:fillRef>
-          <a:effectRef idx="0">
-            <a:schemeClr val="accent1"/>
-          </a:effectRef>
-          <a:fontRef idx="minor">
-            <a:schemeClr val="tx1"/>
-          </a:fontRef>
-        </p:style>
-      </p:cxnSp>
-      <p:cxnSp>
-        <p:nvCxnSpPr>
-          <p:cNvPr id="26" name="直線接點 25">
-            <a:extLst>
-              <a:ext uri="{FF2B5EF4-FFF2-40B4-BE49-F238E27FC236}">
-                <a16:creationId xmlns:a16="http://schemas.microsoft.com/office/drawing/2014/main" id="{BCF8B7D1-1040-66A2-F8D2-000BABB3E798}"/>
-              </a:ext>
-            </a:extLst>
-          </p:cNvPr>
-          <p:cNvCxnSpPr>
-            <a:cxnSpLocks/>
-          </p:cNvCxnSpPr>
-          <p:nvPr/>
-        </p:nvCxnSpPr>
-        <p:spPr>
-          <a:xfrm>
-            <a:off x="3802631" y="2254880"/>
-            <a:ext cx="2521969" cy="2955295"/>
-          </a:xfrm>
-          <a:prstGeom prst="line">
-            <a:avLst/>
-          </a:prstGeom>
-        </p:spPr>
-        <p:style>
-          <a:lnRef idx="1">
-            <a:schemeClr val="accent1"/>
-          </a:lnRef>
-          <a:fillRef idx="0">
-            <a:schemeClr val="accent1"/>
-          </a:fillRef>
-          <a:effectRef idx="0">
-            <a:schemeClr val="accent1"/>
-          </a:effectRef>
-          <a:fontRef idx="minor">
-            <a:schemeClr val="tx1"/>
-          </a:fontRef>
-        </p:style>
-      </p:cxnSp>
+          <a:ln>
+            <a:solidFill>
+              <a:schemeClr val="tx1"/>
+            </a:solidFill>
+          </a:ln>
+        </p:spPr>
+        <p:txBody>
+          <a:bodyPr wrap="none" rtlCol="0">
+            <a:spAutoFit/>
+          </a:bodyPr>
+          <a:lstStyle/>
+          <a:p>
+            <a:r>
+              <a:rPr lang="en-US" altLang="zh-TW" sz="2400" dirty="0">
+                <a:latin typeface="Times New Roman" panose="02020603050405020304" pitchFamily="18" charset="0"/>
+                <a:cs typeface="Times New Roman" panose="02020603050405020304" pitchFamily="18" charset="0"/>
+              </a:rPr>
+              <a:t>loss &amp; accuracy</a:t>
+            </a:r>
+            <a:endParaRPr lang="zh-TW" altLang="en-US" sz="2400" dirty="0">
+              <a:latin typeface="Times New Roman" panose="02020603050405020304" pitchFamily="18" charset="0"/>
+              <a:cs typeface="Times New Roman" panose="02020603050405020304" pitchFamily="18" charset="0"/>
+            </a:endParaRPr>
+          </a:p>
+        </p:txBody>
+      </p:sp>
+      <p:pic>
+        <p:nvPicPr>
+          <p:cNvPr id="21" name="圖片 20">
+            <a:extLst>
+              <a:ext uri="{FF2B5EF4-FFF2-40B4-BE49-F238E27FC236}">
+                <a16:creationId xmlns:a16="http://schemas.microsoft.com/office/drawing/2014/main" id="{33F780FC-4E90-744C-137C-268B4572DA6C}"/>
+              </a:ext>
+            </a:extLst>
+          </p:cNvPr>
+          <p:cNvPicPr>
+            <a:picLocks noChangeAspect="1"/>
+          </p:cNvPicPr>
+          <p:nvPr/>
+        </p:nvPicPr>
+        <p:blipFill>
+          <a:blip r:embed="rId9"/>
+          <a:stretch>
+            <a:fillRect/>
+          </a:stretch>
+        </p:blipFill>
+        <p:spPr>
+          <a:xfrm>
+            <a:off x="8067942" y="5739315"/>
+            <a:ext cx="2213182" cy="160133"/>
+          </a:xfrm>
+          <a:prstGeom prst="rect">
+            <a:avLst/>
+          </a:prstGeom>
+          <a:ln>
+            <a:solidFill>
+              <a:schemeClr val="tx1"/>
+            </a:solidFill>
+          </a:ln>
+        </p:spPr>
+      </p:pic>
+      <p:sp>
+        <p:nvSpPr>
+          <p:cNvPr id="23" name="投影片編號版面配置區 22">
+            <a:extLst>
+              <a:ext uri="{FF2B5EF4-FFF2-40B4-BE49-F238E27FC236}">
+                <a16:creationId xmlns:a16="http://schemas.microsoft.com/office/drawing/2014/main" id="{F24E4B0B-3D85-D6C5-4919-67032AC5C672}"/>
+              </a:ext>
+            </a:extLst>
+          </p:cNvPr>
+          <p:cNvSpPr>
+            <a:spLocks noGrp="1"/>
+          </p:cNvSpPr>
+          <p:nvPr>
+            <p:ph type="sldNum" sz="quarter" idx="12"/>
+          </p:nvPr>
+        </p:nvSpPr>
+        <p:spPr>
+          <a:xfrm>
+            <a:off x="9061116" y="6359766"/>
+            <a:ext cx="2743200" cy="365125"/>
+          </a:xfrm>
+        </p:spPr>
+        <p:txBody>
+          <a:bodyPr/>
+          <a:lstStyle/>
+          <a:p>
+            <a:fld id="{2F24418D-D767-43C9-AF77-C5266DB70D21}" type="slidenum">
+              <a:rPr lang="zh-TW" altLang="en-US" smtClean="0"/>
+              <a:t>10</a:t>
+            </a:fld>
+            <a:endParaRPr lang="zh-TW" altLang="en-US" dirty="0"/>
+          </a:p>
+        </p:txBody>
+      </p:sp>
     </p:spTree>
     <p:extLst>
       <p:ext uri="{BB962C8B-B14F-4D97-AF65-F5344CB8AC3E}">
-        <p14:creationId xmlns:p14="http://schemas.microsoft.com/office/powerpoint/2010/main" val="813684231"/>
+        <p14:creationId xmlns:p14="http://schemas.microsoft.com/office/powerpoint/2010/main" val="3873292029"/>
       </p:ext>
     </p:extLst>
   </p:cSld>
@@ -4753,12 +5436,256 @@
           <a:chExt cx="0" cy="0"/>
         </a:xfrm>
       </p:grpSpPr>
+      <p:sp>
+        <p:nvSpPr>
+          <p:cNvPr id="2" name="文字方塊 1">
+            <a:extLst>
+              <a:ext uri="{FF2B5EF4-FFF2-40B4-BE49-F238E27FC236}">
+                <a16:creationId xmlns:a16="http://schemas.microsoft.com/office/drawing/2014/main" id="{923EE94D-C62C-7305-239B-09C998F70733}"/>
+              </a:ext>
+            </a:extLst>
+          </p:cNvPr>
+          <p:cNvSpPr txBox="1"/>
+          <p:nvPr/>
+        </p:nvSpPr>
+        <p:spPr>
+          <a:xfrm>
+            <a:off x="4502917" y="1502954"/>
+            <a:ext cx="1018227" cy="369332"/>
+          </a:xfrm>
+          <a:prstGeom prst="rect">
+            <a:avLst/>
+          </a:prstGeom>
+          <a:solidFill>
+            <a:schemeClr val="accent1">
+              <a:lumMod val="20000"/>
+              <a:lumOff val="80000"/>
+            </a:schemeClr>
+          </a:solidFill>
+        </p:spPr>
+        <p:txBody>
+          <a:bodyPr wrap="none" rtlCol="0">
+            <a:spAutoFit/>
+          </a:bodyPr>
+          <a:lstStyle/>
+          <a:p>
+            <a:r>
+              <a:rPr lang="en-US" altLang="zh-TW" dirty="0">
+                <a:latin typeface="Times New Roman" panose="02020603050405020304" pitchFamily="18" charset="0"/>
+                <a:ea typeface="微軟正黑體" panose="020B0604030504040204" pitchFamily="34" charset="-120"/>
+                <a:cs typeface="Times New Roman" panose="02020603050405020304" pitchFamily="18" charset="0"/>
+              </a:rPr>
+              <a:t>Model_1</a:t>
+            </a:r>
+            <a:endParaRPr lang="zh-TW" altLang="en-US" dirty="0">
+              <a:latin typeface="Times New Roman" panose="02020603050405020304" pitchFamily="18" charset="0"/>
+              <a:ea typeface="微軟正黑體" panose="020B0604030504040204" pitchFamily="34" charset="-120"/>
+              <a:cs typeface="Times New Roman" panose="02020603050405020304" pitchFamily="18" charset="0"/>
+            </a:endParaRPr>
+          </a:p>
+        </p:txBody>
+      </p:sp>
+      <p:sp>
+        <p:nvSpPr>
+          <p:cNvPr id="6" name="文字方塊 5">
+            <a:extLst>
+              <a:ext uri="{FF2B5EF4-FFF2-40B4-BE49-F238E27FC236}">
+                <a16:creationId xmlns:a16="http://schemas.microsoft.com/office/drawing/2014/main" id="{7880EAF8-8B1F-DA1B-AA51-9281726A5C9B}"/>
+              </a:ext>
+            </a:extLst>
+          </p:cNvPr>
+          <p:cNvSpPr txBox="1"/>
+          <p:nvPr/>
+        </p:nvSpPr>
+        <p:spPr>
+          <a:xfrm>
+            <a:off x="7963332" y="1475210"/>
+            <a:ext cx="1018227" cy="369332"/>
+          </a:xfrm>
+          <a:prstGeom prst="rect">
+            <a:avLst/>
+          </a:prstGeom>
+          <a:solidFill>
+            <a:schemeClr val="accent2">
+              <a:lumMod val="20000"/>
+              <a:lumOff val="80000"/>
+            </a:schemeClr>
+          </a:solidFill>
+        </p:spPr>
+        <p:txBody>
+          <a:bodyPr wrap="none" rtlCol="0">
+            <a:spAutoFit/>
+          </a:bodyPr>
+          <a:lstStyle/>
+          <a:p>
+            <a:r>
+              <a:rPr lang="en-US" altLang="zh-TW" dirty="0">
+                <a:latin typeface="Times New Roman" panose="02020603050405020304" pitchFamily="18" charset="0"/>
+                <a:ea typeface="微軟正黑體" panose="020B0604030504040204" pitchFamily="34" charset="-120"/>
+                <a:cs typeface="Times New Roman" panose="02020603050405020304" pitchFamily="18" charset="0"/>
+              </a:rPr>
+              <a:t>Model_2</a:t>
+            </a:r>
+            <a:endParaRPr lang="zh-TW" altLang="en-US" dirty="0">
+              <a:latin typeface="Times New Roman" panose="02020603050405020304" pitchFamily="18" charset="0"/>
+              <a:ea typeface="微軟正黑體" panose="020B0604030504040204" pitchFamily="34" charset="-120"/>
+              <a:cs typeface="Times New Roman" panose="02020603050405020304" pitchFamily="18" charset="0"/>
+            </a:endParaRPr>
+          </a:p>
+        </p:txBody>
+      </p:sp>
+      <p:sp>
+        <p:nvSpPr>
+          <p:cNvPr id="14" name="文字方塊 13">
+            <a:extLst>
+              <a:ext uri="{FF2B5EF4-FFF2-40B4-BE49-F238E27FC236}">
+                <a16:creationId xmlns:a16="http://schemas.microsoft.com/office/drawing/2014/main" id="{40B109A9-C713-FF46-3E95-D1D525204D96}"/>
+              </a:ext>
+            </a:extLst>
+          </p:cNvPr>
+          <p:cNvSpPr txBox="1"/>
+          <p:nvPr/>
+        </p:nvSpPr>
+        <p:spPr>
+          <a:xfrm>
+            <a:off x="1358010" y="2545340"/>
+            <a:ext cx="1793035" cy="338554"/>
+          </a:xfrm>
+          <a:prstGeom prst="rect">
+            <a:avLst/>
+          </a:prstGeom>
+          <a:solidFill>
+            <a:schemeClr val="accent1">
+              <a:lumMod val="20000"/>
+              <a:lumOff val="80000"/>
+            </a:schemeClr>
+          </a:solidFill>
+        </p:spPr>
+        <p:txBody>
+          <a:bodyPr wrap="square" rtlCol="0">
+            <a:spAutoFit/>
+          </a:bodyPr>
+          <a:lstStyle/>
+          <a:p>
+            <a:r>
+              <a:rPr lang="zh-TW" altLang="en-US" sz="1600" dirty="0">
+                <a:latin typeface="Times New Roman" panose="02020603050405020304" pitchFamily="18" charset="0"/>
+                <a:ea typeface="微軟正黑體" panose="020B0604030504040204" pitchFamily="34" charset="-120"/>
+                <a:cs typeface="Times New Roman" panose="02020603050405020304" pitchFamily="18" charset="0"/>
+              </a:rPr>
+              <a:t>均值分布 </a:t>
+            </a:r>
+            <a:r>
+              <a:rPr lang="en-US" altLang="zh-TW" sz="1600" dirty="0">
+                <a:latin typeface="Times New Roman" panose="02020603050405020304" pitchFamily="18" charset="0"/>
+                <a:ea typeface="微軟正黑體" panose="020B0604030504040204" pitchFamily="34" charset="-120"/>
+                <a:cs typeface="Times New Roman" panose="02020603050405020304" pitchFamily="18" charset="0"/>
+              </a:rPr>
+              <a:t>(1890</a:t>
+            </a:r>
+            <a:r>
+              <a:rPr lang="zh-TW" altLang="en-US" sz="1600" dirty="0">
+                <a:latin typeface="Times New Roman" panose="02020603050405020304" pitchFamily="18" charset="0"/>
+                <a:ea typeface="微軟正黑體" panose="020B0604030504040204" pitchFamily="34" charset="-120"/>
+                <a:cs typeface="Times New Roman" panose="02020603050405020304" pitchFamily="18" charset="0"/>
+              </a:rPr>
+              <a:t>筆</a:t>
+            </a:r>
+            <a:r>
+              <a:rPr lang="en-US" altLang="zh-TW" sz="1600" dirty="0">
+                <a:latin typeface="Times New Roman" panose="02020603050405020304" pitchFamily="18" charset="0"/>
+                <a:ea typeface="微軟正黑體" panose="020B0604030504040204" pitchFamily="34" charset="-120"/>
+                <a:cs typeface="Times New Roman" panose="02020603050405020304" pitchFamily="18" charset="0"/>
+              </a:rPr>
+              <a:t>)</a:t>
+            </a:r>
+            <a:endParaRPr lang="zh-TW" altLang="en-US" sz="1600" dirty="0">
+              <a:latin typeface="Times New Roman" panose="02020603050405020304" pitchFamily="18" charset="0"/>
+              <a:ea typeface="微軟正黑體" panose="020B0604030504040204" pitchFamily="34" charset="-120"/>
+              <a:cs typeface="Times New Roman" panose="02020603050405020304" pitchFamily="18" charset="0"/>
+            </a:endParaRPr>
+          </a:p>
+        </p:txBody>
+      </p:sp>
+      <p:sp>
+        <p:nvSpPr>
+          <p:cNvPr id="15" name="文字方塊 14">
+            <a:extLst>
+              <a:ext uri="{FF2B5EF4-FFF2-40B4-BE49-F238E27FC236}">
+                <a16:creationId xmlns:a16="http://schemas.microsoft.com/office/drawing/2014/main" id="{3595C15F-85CE-A7D6-2A5A-FAFC64AD585F}"/>
+              </a:ext>
+            </a:extLst>
+          </p:cNvPr>
+          <p:cNvSpPr txBox="1"/>
+          <p:nvPr/>
+        </p:nvSpPr>
+        <p:spPr>
+          <a:xfrm>
+            <a:off x="1351470" y="3582741"/>
+            <a:ext cx="1793035" cy="338554"/>
+          </a:xfrm>
+          <a:prstGeom prst="rect">
+            <a:avLst/>
+          </a:prstGeom>
+          <a:solidFill>
+            <a:schemeClr val="accent2">
+              <a:lumMod val="20000"/>
+              <a:lumOff val="80000"/>
+            </a:schemeClr>
+          </a:solidFill>
+        </p:spPr>
+        <p:txBody>
+          <a:bodyPr wrap="square" rtlCol="0">
+            <a:spAutoFit/>
+          </a:bodyPr>
+          <a:lstStyle/>
+          <a:p>
+            <a:r>
+              <a:rPr lang="zh-TW" altLang="en-US" sz="1600" dirty="0">
+                <a:latin typeface="Times New Roman" panose="02020603050405020304" pitchFamily="18" charset="0"/>
+                <a:ea typeface="微軟正黑體" panose="020B0604030504040204" pitchFamily="34" charset="-120"/>
+                <a:cs typeface="Times New Roman" panose="02020603050405020304" pitchFamily="18" charset="0"/>
+              </a:rPr>
+              <a:t>常態分佈 </a:t>
+            </a:r>
+            <a:r>
+              <a:rPr lang="en-US" altLang="zh-TW" sz="1600" dirty="0">
+                <a:latin typeface="Times New Roman" panose="02020603050405020304" pitchFamily="18" charset="0"/>
+                <a:ea typeface="微軟正黑體" panose="020B0604030504040204" pitchFamily="34" charset="-120"/>
+                <a:cs typeface="Times New Roman" panose="02020603050405020304" pitchFamily="18" charset="0"/>
+              </a:rPr>
+              <a:t>(2000</a:t>
+            </a:r>
+            <a:r>
+              <a:rPr lang="zh-TW" altLang="en-US" sz="1600" dirty="0">
+                <a:latin typeface="Times New Roman" panose="02020603050405020304" pitchFamily="18" charset="0"/>
+                <a:ea typeface="微軟正黑體" panose="020B0604030504040204" pitchFamily="34" charset="-120"/>
+                <a:cs typeface="Times New Roman" panose="02020603050405020304" pitchFamily="18" charset="0"/>
+              </a:rPr>
+              <a:t>筆</a:t>
+            </a:r>
+            <a:r>
+              <a:rPr lang="en-US" altLang="zh-TW" sz="1600" dirty="0">
+                <a:latin typeface="Times New Roman" panose="02020603050405020304" pitchFamily="18" charset="0"/>
+                <a:ea typeface="微軟正黑體" panose="020B0604030504040204" pitchFamily="34" charset="-120"/>
+                <a:cs typeface="Times New Roman" panose="02020603050405020304" pitchFamily="18" charset="0"/>
+              </a:rPr>
+              <a:t>)</a:t>
+            </a:r>
+            <a:endParaRPr lang="zh-TW" altLang="en-US" sz="1600" dirty="0">
+              <a:latin typeface="Times New Roman" panose="02020603050405020304" pitchFamily="18" charset="0"/>
+              <a:ea typeface="微軟正黑體" panose="020B0604030504040204" pitchFamily="34" charset="-120"/>
+              <a:cs typeface="Times New Roman" panose="02020603050405020304" pitchFamily="18" charset="0"/>
+            </a:endParaRPr>
+          </a:p>
+        </p:txBody>
+      </p:sp>
       <p:pic>
         <p:nvPicPr>
-          <p:cNvPr id="13" name="圖片 12">
-            <a:extLst>
-              <a:ext uri="{FF2B5EF4-FFF2-40B4-BE49-F238E27FC236}">
-                <a16:creationId xmlns:a16="http://schemas.microsoft.com/office/drawing/2014/main" id="{C96F8A20-C988-4A31-980B-1E7CED176EE3}"/>
+          <p:cNvPr id="23" name="圖片 22">
+            <a:extLst>
+              <a:ext uri="{FF2B5EF4-FFF2-40B4-BE49-F238E27FC236}">
+                <a16:creationId xmlns:a16="http://schemas.microsoft.com/office/drawing/2014/main" id="{A3883120-54A7-64E4-57BC-B3906223616E}"/>
               </a:ext>
             </a:extLst>
           </p:cNvPr>
@@ -4769,30 +5696,719 @@
         </p:nvPicPr>
         <p:blipFill rotWithShape="1">
           <a:blip r:embed="rId2"/>
-          <a:srcRect l="723"/>
+          <a:srcRect t="24171" r="64315" b="51257"/>
           <a:stretch/>
         </p:blipFill>
         <p:spPr>
           <a:xfrm>
-            <a:off x="1279407" y="1657154"/>
-            <a:ext cx="9633185" cy="1531686"/>
-          </a:xfrm>
-          <a:prstGeom prst="rect">
-            <a:avLst/>
-          </a:prstGeom>
+            <a:off x="4944083" y="3349810"/>
+            <a:ext cx="1291747" cy="161039"/>
+          </a:xfrm>
+          <a:prstGeom prst="rect">
+            <a:avLst/>
+          </a:prstGeom>
+        </p:spPr>
+      </p:pic>
+      <p:sp>
+        <p:nvSpPr>
+          <p:cNvPr id="26" name="文字方塊 25">
+            <a:extLst>
+              <a:ext uri="{FF2B5EF4-FFF2-40B4-BE49-F238E27FC236}">
+                <a16:creationId xmlns:a16="http://schemas.microsoft.com/office/drawing/2014/main" id="{258BDBBB-29B0-1D06-0660-D78351C4E01C}"/>
+              </a:ext>
+            </a:extLst>
+          </p:cNvPr>
+          <p:cNvSpPr txBox="1"/>
+          <p:nvPr/>
+        </p:nvSpPr>
+        <p:spPr>
+          <a:xfrm>
+            <a:off x="3805237" y="3307220"/>
+            <a:ext cx="1207382" cy="246221"/>
+          </a:xfrm>
+          <a:prstGeom prst="rect">
+            <a:avLst/>
+          </a:prstGeom>
+          <a:noFill/>
+        </p:spPr>
+        <p:txBody>
+          <a:bodyPr wrap="none" rtlCol="0">
+            <a:spAutoFit/>
+          </a:bodyPr>
+          <a:lstStyle/>
+          <a:p>
+            <a:r>
+              <a:rPr lang="en-US" altLang="zh-TW" sz="1000" dirty="0">
+                <a:latin typeface="Times New Roman" panose="02020603050405020304" pitchFamily="18" charset="0"/>
+                <a:cs typeface="Times New Roman" panose="02020603050405020304" pitchFamily="18" charset="0"/>
+              </a:rPr>
+              <a:t>Maximum distance:</a:t>
+            </a:r>
+            <a:endParaRPr lang="zh-TW" altLang="en-US" sz="1000" dirty="0">
+              <a:latin typeface="Times New Roman" panose="02020603050405020304" pitchFamily="18" charset="0"/>
+              <a:cs typeface="Times New Roman" panose="02020603050405020304" pitchFamily="18" charset="0"/>
+            </a:endParaRPr>
+          </a:p>
+        </p:txBody>
+      </p:sp>
+      <p:sp>
+        <p:nvSpPr>
+          <p:cNvPr id="27" name="文字方塊 26">
+            <a:extLst>
+              <a:ext uri="{FF2B5EF4-FFF2-40B4-BE49-F238E27FC236}">
+                <a16:creationId xmlns:a16="http://schemas.microsoft.com/office/drawing/2014/main" id="{8B00A24A-51FB-781E-444B-FBCD05041969}"/>
+              </a:ext>
+            </a:extLst>
+          </p:cNvPr>
+          <p:cNvSpPr txBox="1"/>
+          <p:nvPr/>
+        </p:nvSpPr>
+        <p:spPr>
+          <a:xfrm>
+            <a:off x="3805237" y="3506177"/>
+            <a:ext cx="1106393" cy="246221"/>
+          </a:xfrm>
+          <a:prstGeom prst="rect">
+            <a:avLst/>
+          </a:prstGeom>
+          <a:noFill/>
+        </p:spPr>
+        <p:txBody>
+          <a:bodyPr wrap="none" rtlCol="0">
+            <a:spAutoFit/>
+          </a:bodyPr>
+          <a:lstStyle/>
+          <a:p>
+            <a:r>
+              <a:rPr lang="en-US" altLang="zh-TW" sz="1000" dirty="0">
+                <a:latin typeface="Times New Roman" panose="02020603050405020304" pitchFamily="18" charset="0"/>
+                <a:cs typeface="Times New Roman" panose="02020603050405020304" pitchFamily="18" charset="0"/>
+              </a:rPr>
+              <a:t>Maximum height:</a:t>
+            </a:r>
+            <a:endParaRPr lang="zh-TW" altLang="en-US" sz="1000" dirty="0">
+              <a:latin typeface="Times New Roman" panose="02020603050405020304" pitchFamily="18" charset="0"/>
+              <a:cs typeface="Times New Roman" panose="02020603050405020304" pitchFamily="18" charset="0"/>
+            </a:endParaRPr>
+          </a:p>
+        </p:txBody>
+      </p:sp>
+      <p:pic>
+        <p:nvPicPr>
+          <p:cNvPr id="38" name="圖片 37">
+            <a:extLst>
+              <a:ext uri="{FF2B5EF4-FFF2-40B4-BE49-F238E27FC236}">
+                <a16:creationId xmlns:a16="http://schemas.microsoft.com/office/drawing/2014/main" id="{F241F200-ED21-AE03-290D-7A995F3A93F1}"/>
+              </a:ext>
+            </a:extLst>
+          </p:cNvPr>
+          <p:cNvPicPr>
+            <a:picLocks noChangeAspect="1"/>
+          </p:cNvPicPr>
+          <p:nvPr/>
+        </p:nvPicPr>
+        <p:blipFill rotWithShape="1">
+          <a:blip r:embed="rId2"/>
+          <a:srcRect t="75428" r="64315"/>
+          <a:stretch/>
+        </p:blipFill>
+        <p:spPr>
+          <a:xfrm>
+            <a:off x="4875270" y="3591359"/>
+            <a:ext cx="1291747" cy="161039"/>
+          </a:xfrm>
+          <a:prstGeom prst="rect">
+            <a:avLst/>
+          </a:prstGeom>
+        </p:spPr>
+      </p:pic>
+      <p:sp>
+        <p:nvSpPr>
+          <p:cNvPr id="39" name="文字方塊 38">
+            <a:extLst>
+              <a:ext uri="{FF2B5EF4-FFF2-40B4-BE49-F238E27FC236}">
+                <a16:creationId xmlns:a16="http://schemas.microsoft.com/office/drawing/2014/main" id="{0FCFA49A-1AE4-1749-71E8-D344973BB8D3}"/>
+              </a:ext>
+            </a:extLst>
+          </p:cNvPr>
+          <p:cNvSpPr txBox="1"/>
+          <p:nvPr/>
+        </p:nvSpPr>
+        <p:spPr>
+          <a:xfrm>
+            <a:off x="3777784" y="2354720"/>
+            <a:ext cx="1207382" cy="246221"/>
+          </a:xfrm>
+          <a:prstGeom prst="rect">
+            <a:avLst/>
+          </a:prstGeom>
+          <a:noFill/>
+        </p:spPr>
+        <p:txBody>
+          <a:bodyPr wrap="none" rtlCol="0">
+            <a:spAutoFit/>
+          </a:bodyPr>
+          <a:lstStyle/>
+          <a:p>
+            <a:r>
+              <a:rPr lang="en-US" altLang="zh-TW" sz="1000" dirty="0">
+                <a:latin typeface="Times New Roman" panose="02020603050405020304" pitchFamily="18" charset="0"/>
+                <a:cs typeface="Times New Roman" panose="02020603050405020304" pitchFamily="18" charset="0"/>
+              </a:rPr>
+              <a:t>Maximum distance:</a:t>
+            </a:r>
+            <a:endParaRPr lang="zh-TW" altLang="en-US" sz="1000" dirty="0">
+              <a:latin typeface="Times New Roman" panose="02020603050405020304" pitchFamily="18" charset="0"/>
+              <a:cs typeface="Times New Roman" panose="02020603050405020304" pitchFamily="18" charset="0"/>
+            </a:endParaRPr>
+          </a:p>
+        </p:txBody>
+      </p:sp>
+      <p:sp>
+        <p:nvSpPr>
+          <p:cNvPr id="40" name="文字方塊 39">
+            <a:extLst>
+              <a:ext uri="{FF2B5EF4-FFF2-40B4-BE49-F238E27FC236}">
+                <a16:creationId xmlns:a16="http://schemas.microsoft.com/office/drawing/2014/main" id="{F5ADFF72-2DC5-8E72-7F28-46C6621A34F2}"/>
+              </a:ext>
+            </a:extLst>
+          </p:cNvPr>
+          <p:cNvSpPr txBox="1"/>
+          <p:nvPr/>
+        </p:nvSpPr>
+        <p:spPr>
+          <a:xfrm>
+            <a:off x="3777784" y="2553677"/>
+            <a:ext cx="1106393" cy="246221"/>
+          </a:xfrm>
+          <a:prstGeom prst="rect">
+            <a:avLst/>
+          </a:prstGeom>
+          <a:noFill/>
+        </p:spPr>
+        <p:txBody>
+          <a:bodyPr wrap="none" rtlCol="0">
+            <a:spAutoFit/>
+          </a:bodyPr>
+          <a:lstStyle/>
+          <a:p>
+            <a:r>
+              <a:rPr lang="en-US" altLang="zh-TW" sz="1000" dirty="0">
+                <a:latin typeface="Times New Roman" panose="02020603050405020304" pitchFamily="18" charset="0"/>
+                <a:cs typeface="Times New Roman" panose="02020603050405020304" pitchFamily="18" charset="0"/>
+              </a:rPr>
+              <a:t>Maximum height:</a:t>
+            </a:r>
+            <a:endParaRPr lang="zh-TW" altLang="en-US" sz="1000" dirty="0">
+              <a:latin typeface="Times New Roman" panose="02020603050405020304" pitchFamily="18" charset="0"/>
+              <a:cs typeface="Times New Roman" panose="02020603050405020304" pitchFamily="18" charset="0"/>
+            </a:endParaRPr>
+          </a:p>
+        </p:txBody>
+      </p:sp>
+      <p:sp>
+        <p:nvSpPr>
+          <p:cNvPr id="41" name="文字方塊 40">
+            <a:extLst>
+              <a:ext uri="{FF2B5EF4-FFF2-40B4-BE49-F238E27FC236}">
+                <a16:creationId xmlns:a16="http://schemas.microsoft.com/office/drawing/2014/main" id="{F0060592-AA4F-BB5E-A13F-CAF8B58A3673}"/>
+              </a:ext>
+            </a:extLst>
+          </p:cNvPr>
+          <p:cNvSpPr txBox="1"/>
+          <p:nvPr/>
+        </p:nvSpPr>
+        <p:spPr>
+          <a:xfrm>
+            <a:off x="7265064" y="2373355"/>
+            <a:ext cx="1207382" cy="246221"/>
+          </a:xfrm>
+          <a:prstGeom prst="rect">
+            <a:avLst/>
+          </a:prstGeom>
+          <a:noFill/>
+        </p:spPr>
+        <p:txBody>
+          <a:bodyPr wrap="none" rtlCol="0">
+            <a:spAutoFit/>
+          </a:bodyPr>
+          <a:lstStyle/>
+          <a:p>
+            <a:r>
+              <a:rPr lang="en-US" altLang="zh-TW" sz="1000" dirty="0">
+                <a:latin typeface="Times New Roman" panose="02020603050405020304" pitchFamily="18" charset="0"/>
+                <a:cs typeface="Times New Roman" panose="02020603050405020304" pitchFamily="18" charset="0"/>
+              </a:rPr>
+              <a:t>Maximum distance:</a:t>
+            </a:r>
+            <a:endParaRPr lang="zh-TW" altLang="en-US" sz="1000" dirty="0">
+              <a:latin typeface="Times New Roman" panose="02020603050405020304" pitchFamily="18" charset="0"/>
+              <a:cs typeface="Times New Roman" panose="02020603050405020304" pitchFamily="18" charset="0"/>
+            </a:endParaRPr>
+          </a:p>
+        </p:txBody>
+      </p:sp>
+      <p:sp>
+        <p:nvSpPr>
+          <p:cNvPr id="42" name="文字方塊 41">
+            <a:extLst>
+              <a:ext uri="{FF2B5EF4-FFF2-40B4-BE49-F238E27FC236}">
+                <a16:creationId xmlns:a16="http://schemas.microsoft.com/office/drawing/2014/main" id="{68E332A0-47D9-7F90-BA6D-147AEFB93F06}"/>
+              </a:ext>
+            </a:extLst>
+          </p:cNvPr>
+          <p:cNvSpPr txBox="1"/>
+          <p:nvPr/>
+        </p:nvSpPr>
+        <p:spPr>
+          <a:xfrm>
+            <a:off x="7265064" y="2572312"/>
+            <a:ext cx="1106393" cy="246221"/>
+          </a:xfrm>
+          <a:prstGeom prst="rect">
+            <a:avLst/>
+          </a:prstGeom>
+          <a:noFill/>
+        </p:spPr>
+        <p:txBody>
+          <a:bodyPr wrap="none" rtlCol="0">
+            <a:spAutoFit/>
+          </a:bodyPr>
+          <a:lstStyle/>
+          <a:p>
+            <a:r>
+              <a:rPr lang="en-US" altLang="zh-TW" sz="1000" dirty="0">
+                <a:latin typeface="Times New Roman" panose="02020603050405020304" pitchFamily="18" charset="0"/>
+                <a:cs typeface="Times New Roman" panose="02020603050405020304" pitchFamily="18" charset="0"/>
+              </a:rPr>
+              <a:t>Maximum height:</a:t>
+            </a:r>
+            <a:endParaRPr lang="zh-TW" altLang="en-US" sz="1000" dirty="0">
+              <a:latin typeface="Times New Roman" panose="02020603050405020304" pitchFamily="18" charset="0"/>
+              <a:cs typeface="Times New Roman" panose="02020603050405020304" pitchFamily="18" charset="0"/>
+            </a:endParaRPr>
+          </a:p>
+        </p:txBody>
+      </p:sp>
+      <p:sp>
+        <p:nvSpPr>
+          <p:cNvPr id="43" name="文字方塊 42">
+            <a:extLst>
+              <a:ext uri="{FF2B5EF4-FFF2-40B4-BE49-F238E27FC236}">
+                <a16:creationId xmlns:a16="http://schemas.microsoft.com/office/drawing/2014/main" id="{D092D891-9A91-B6D4-C7AB-A67659B77FE0}"/>
+              </a:ext>
+            </a:extLst>
+          </p:cNvPr>
+          <p:cNvSpPr txBox="1"/>
+          <p:nvPr/>
+        </p:nvSpPr>
+        <p:spPr>
+          <a:xfrm>
+            <a:off x="7273139" y="3293185"/>
+            <a:ext cx="1207382" cy="246221"/>
+          </a:xfrm>
+          <a:prstGeom prst="rect">
+            <a:avLst/>
+          </a:prstGeom>
+          <a:noFill/>
+        </p:spPr>
+        <p:txBody>
+          <a:bodyPr wrap="none" rtlCol="0">
+            <a:spAutoFit/>
+          </a:bodyPr>
+          <a:lstStyle/>
+          <a:p>
+            <a:r>
+              <a:rPr lang="en-US" altLang="zh-TW" sz="1000" dirty="0">
+                <a:latin typeface="Times New Roman" panose="02020603050405020304" pitchFamily="18" charset="0"/>
+                <a:cs typeface="Times New Roman" panose="02020603050405020304" pitchFamily="18" charset="0"/>
+              </a:rPr>
+              <a:t>Maximum distance:</a:t>
+            </a:r>
+            <a:endParaRPr lang="zh-TW" altLang="en-US" sz="1000" dirty="0">
+              <a:latin typeface="Times New Roman" panose="02020603050405020304" pitchFamily="18" charset="0"/>
+              <a:cs typeface="Times New Roman" panose="02020603050405020304" pitchFamily="18" charset="0"/>
+            </a:endParaRPr>
+          </a:p>
+        </p:txBody>
+      </p:sp>
+      <p:sp>
+        <p:nvSpPr>
+          <p:cNvPr id="44" name="文字方塊 43">
+            <a:extLst>
+              <a:ext uri="{FF2B5EF4-FFF2-40B4-BE49-F238E27FC236}">
+                <a16:creationId xmlns:a16="http://schemas.microsoft.com/office/drawing/2014/main" id="{85E426E9-59FA-D510-CD19-EB8BDB8FE444}"/>
+              </a:ext>
+            </a:extLst>
+          </p:cNvPr>
+          <p:cNvSpPr txBox="1"/>
+          <p:nvPr/>
+        </p:nvSpPr>
+        <p:spPr>
+          <a:xfrm>
+            <a:off x="7273139" y="3507627"/>
+            <a:ext cx="1106393" cy="246221"/>
+          </a:xfrm>
+          <a:prstGeom prst="rect">
+            <a:avLst/>
+          </a:prstGeom>
+          <a:noFill/>
+        </p:spPr>
+        <p:txBody>
+          <a:bodyPr wrap="none" rtlCol="0">
+            <a:spAutoFit/>
+          </a:bodyPr>
+          <a:lstStyle/>
+          <a:p>
+            <a:r>
+              <a:rPr lang="en-US" altLang="zh-TW" sz="1000" dirty="0">
+                <a:latin typeface="Times New Roman" panose="02020603050405020304" pitchFamily="18" charset="0"/>
+                <a:cs typeface="Times New Roman" panose="02020603050405020304" pitchFamily="18" charset="0"/>
+              </a:rPr>
+              <a:t>Maximum height:</a:t>
+            </a:r>
+            <a:endParaRPr lang="zh-TW" altLang="en-US" sz="1000" dirty="0">
+              <a:latin typeface="Times New Roman" panose="02020603050405020304" pitchFamily="18" charset="0"/>
+              <a:cs typeface="Times New Roman" panose="02020603050405020304" pitchFamily="18" charset="0"/>
+            </a:endParaRPr>
+          </a:p>
+        </p:txBody>
+      </p:sp>
+      <p:pic>
+        <p:nvPicPr>
+          <p:cNvPr id="46" name="圖片 45">
+            <a:extLst>
+              <a:ext uri="{FF2B5EF4-FFF2-40B4-BE49-F238E27FC236}">
+                <a16:creationId xmlns:a16="http://schemas.microsoft.com/office/drawing/2014/main" id="{B267EC0C-12A3-2837-9A33-F77CC04F27F1}"/>
+              </a:ext>
+            </a:extLst>
+          </p:cNvPr>
+          <p:cNvPicPr>
+            <a:picLocks noChangeAspect="1"/>
+          </p:cNvPicPr>
+          <p:nvPr/>
+        </p:nvPicPr>
+        <p:blipFill rotWithShape="1">
+          <a:blip r:embed="rId3"/>
+          <a:srcRect t="33258" r="65311" b="50000"/>
+          <a:stretch/>
+        </p:blipFill>
+        <p:spPr>
+          <a:xfrm>
+            <a:off x="4916629" y="2443395"/>
+            <a:ext cx="1393111" cy="136635"/>
+          </a:xfrm>
+          <a:prstGeom prst="rect">
+            <a:avLst/>
+          </a:prstGeom>
+        </p:spPr>
+      </p:pic>
+      <p:pic>
+        <p:nvPicPr>
+          <p:cNvPr id="48" name="圖片 47">
+            <a:extLst>
+              <a:ext uri="{FF2B5EF4-FFF2-40B4-BE49-F238E27FC236}">
+                <a16:creationId xmlns:a16="http://schemas.microsoft.com/office/drawing/2014/main" id="{5F65CF81-074C-A3B8-F1D4-1CAE25580D9D}"/>
+              </a:ext>
+            </a:extLst>
+          </p:cNvPr>
+          <p:cNvPicPr>
+            <a:picLocks noChangeAspect="1"/>
+          </p:cNvPicPr>
+          <p:nvPr/>
+        </p:nvPicPr>
+        <p:blipFill rotWithShape="1">
+          <a:blip r:embed="rId3"/>
+          <a:srcRect t="71023" r="66743" b="3380"/>
+          <a:stretch/>
+        </p:blipFill>
+        <p:spPr>
+          <a:xfrm>
+            <a:off x="4882223" y="2622620"/>
+            <a:ext cx="1291747" cy="202044"/>
+          </a:xfrm>
+          <a:prstGeom prst="rect">
+            <a:avLst/>
+          </a:prstGeom>
+        </p:spPr>
+      </p:pic>
+      <p:pic>
+        <p:nvPicPr>
+          <p:cNvPr id="50" name="圖片 49">
+            <a:extLst>
+              <a:ext uri="{FF2B5EF4-FFF2-40B4-BE49-F238E27FC236}">
+                <a16:creationId xmlns:a16="http://schemas.microsoft.com/office/drawing/2014/main" id="{89C27AA0-579B-ADB7-EA79-91038528D156}"/>
+              </a:ext>
+            </a:extLst>
+          </p:cNvPr>
+          <p:cNvPicPr>
+            <a:picLocks noChangeAspect="1"/>
+          </p:cNvPicPr>
+          <p:nvPr/>
+        </p:nvPicPr>
+        <p:blipFill rotWithShape="1">
+          <a:blip r:embed="rId4"/>
+          <a:srcRect t="28786" r="65159" b="50000"/>
+          <a:stretch/>
+        </p:blipFill>
+        <p:spPr>
+          <a:xfrm>
+            <a:off x="8472446" y="2411977"/>
+            <a:ext cx="1393111" cy="168976"/>
+          </a:xfrm>
+          <a:prstGeom prst="rect">
+            <a:avLst/>
+          </a:prstGeom>
+        </p:spPr>
+      </p:pic>
+      <p:pic>
+        <p:nvPicPr>
+          <p:cNvPr id="52" name="圖片 51">
+            <a:extLst>
+              <a:ext uri="{FF2B5EF4-FFF2-40B4-BE49-F238E27FC236}">
+                <a16:creationId xmlns:a16="http://schemas.microsoft.com/office/drawing/2014/main" id="{63ADF12E-2933-9396-574F-E178D0962C6C}"/>
+              </a:ext>
+            </a:extLst>
+          </p:cNvPr>
+          <p:cNvPicPr>
+            <a:picLocks noChangeAspect="1"/>
+          </p:cNvPicPr>
+          <p:nvPr/>
+        </p:nvPicPr>
+        <p:blipFill rotWithShape="1">
+          <a:blip r:embed="rId4"/>
+          <a:srcRect t="74147" r="65159" b="8944"/>
+          <a:stretch/>
+        </p:blipFill>
+        <p:spPr>
+          <a:xfrm>
+            <a:off x="8373088" y="2636666"/>
+            <a:ext cx="1393111" cy="134683"/>
+          </a:xfrm>
+          <a:prstGeom prst="rect">
+            <a:avLst/>
+          </a:prstGeom>
+        </p:spPr>
+      </p:pic>
+      <p:sp>
+        <p:nvSpPr>
+          <p:cNvPr id="3" name="文字方塊 2">
+            <a:extLst>
+              <a:ext uri="{FF2B5EF4-FFF2-40B4-BE49-F238E27FC236}">
+                <a16:creationId xmlns:a16="http://schemas.microsoft.com/office/drawing/2014/main" id="{C7FD2571-7100-5126-1621-6A6A1D4CF16D}"/>
+              </a:ext>
+            </a:extLst>
+          </p:cNvPr>
+          <p:cNvSpPr txBox="1"/>
+          <p:nvPr/>
+        </p:nvSpPr>
+        <p:spPr>
+          <a:xfrm>
+            <a:off x="427254" y="610219"/>
+            <a:ext cx="5434501" cy="461665"/>
+          </a:xfrm>
+          <a:prstGeom prst="rect">
+            <a:avLst/>
+          </a:prstGeom>
+          <a:noFill/>
           <a:ln>
             <a:solidFill>
               <a:schemeClr val="tx1"/>
             </a:solidFill>
           </a:ln>
         </p:spPr>
+        <p:txBody>
+          <a:bodyPr wrap="none" rtlCol="0">
+            <a:spAutoFit/>
+          </a:bodyPr>
+          <a:lstStyle/>
+          <a:p>
+            <a:r>
+              <a:rPr lang="en-US" altLang="zh-TW" sz="2400" dirty="0">
+                <a:latin typeface="Times New Roman" panose="02020603050405020304" pitchFamily="18" charset="0"/>
+                <a:cs typeface="Times New Roman" panose="02020603050405020304" pitchFamily="18" charset="0"/>
+              </a:rPr>
+              <a:t>Pearson correlation of distance and height</a:t>
+            </a:r>
+            <a:endParaRPr lang="zh-TW" altLang="en-US" sz="2400" dirty="0">
+              <a:latin typeface="Times New Roman" panose="02020603050405020304" pitchFamily="18" charset="0"/>
+              <a:cs typeface="Times New Roman" panose="02020603050405020304" pitchFamily="18" charset="0"/>
+            </a:endParaRPr>
+          </a:p>
+        </p:txBody>
+      </p:sp>
+      <p:cxnSp>
+        <p:nvCxnSpPr>
+          <p:cNvPr id="5" name="直線接點 4">
+            <a:extLst>
+              <a:ext uri="{FF2B5EF4-FFF2-40B4-BE49-F238E27FC236}">
+                <a16:creationId xmlns:a16="http://schemas.microsoft.com/office/drawing/2014/main" id="{343093B9-3C73-D422-B23A-1CA3F0B80E5F}"/>
+              </a:ext>
+            </a:extLst>
+          </p:cNvPr>
+          <p:cNvCxnSpPr>
+            <a:cxnSpLocks/>
+          </p:cNvCxnSpPr>
+          <p:nvPr/>
+        </p:nvCxnSpPr>
+        <p:spPr>
+          <a:xfrm>
+            <a:off x="3429000" y="3171825"/>
+            <a:ext cx="6724650" cy="0"/>
+          </a:xfrm>
+          <a:prstGeom prst="line">
+            <a:avLst/>
+          </a:prstGeom>
+        </p:spPr>
+        <p:style>
+          <a:lnRef idx="1">
+            <a:schemeClr val="accent1"/>
+          </a:lnRef>
+          <a:fillRef idx="0">
+            <a:schemeClr val="accent1"/>
+          </a:fillRef>
+          <a:effectRef idx="0">
+            <a:schemeClr val="accent1"/>
+          </a:effectRef>
+          <a:fontRef idx="minor">
+            <a:schemeClr val="tx1"/>
+          </a:fontRef>
+        </p:style>
+      </p:cxnSp>
+      <p:cxnSp>
+        <p:nvCxnSpPr>
+          <p:cNvPr id="10" name="直線接點 9">
+            <a:extLst>
+              <a:ext uri="{FF2B5EF4-FFF2-40B4-BE49-F238E27FC236}">
+                <a16:creationId xmlns:a16="http://schemas.microsoft.com/office/drawing/2014/main" id="{C55811F3-6B1E-C513-2500-C6E54D708FCC}"/>
+              </a:ext>
+            </a:extLst>
+          </p:cNvPr>
+          <p:cNvCxnSpPr>
+            <a:cxnSpLocks/>
+          </p:cNvCxnSpPr>
+          <p:nvPr/>
+        </p:nvCxnSpPr>
+        <p:spPr>
+          <a:xfrm>
+            <a:off x="6696075" y="2219325"/>
+            <a:ext cx="0" cy="1943100"/>
+          </a:xfrm>
+          <a:prstGeom prst="line">
+            <a:avLst/>
+          </a:prstGeom>
+        </p:spPr>
+        <p:style>
+          <a:lnRef idx="1">
+            <a:schemeClr val="accent1"/>
+          </a:lnRef>
+          <a:fillRef idx="0">
+            <a:schemeClr val="accent1"/>
+          </a:fillRef>
+          <a:effectRef idx="0">
+            <a:schemeClr val="accent1"/>
+          </a:effectRef>
+          <a:fontRef idx="minor">
+            <a:schemeClr val="tx1"/>
+          </a:fontRef>
+        </p:style>
+      </p:cxnSp>
+      <p:sp>
+        <p:nvSpPr>
+          <p:cNvPr id="18" name="文字方塊 17">
+            <a:extLst>
+              <a:ext uri="{FF2B5EF4-FFF2-40B4-BE49-F238E27FC236}">
+                <a16:creationId xmlns:a16="http://schemas.microsoft.com/office/drawing/2014/main" id="{4D628CCF-6170-6A57-7553-EBAE482E9C54}"/>
+              </a:ext>
+            </a:extLst>
+          </p:cNvPr>
+          <p:cNvSpPr txBox="1"/>
+          <p:nvPr/>
+        </p:nvSpPr>
+        <p:spPr>
+          <a:xfrm>
+            <a:off x="553887" y="4980927"/>
+            <a:ext cx="11084225" cy="523220"/>
+          </a:xfrm>
+          <a:prstGeom prst="rect">
+            <a:avLst/>
+          </a:prstGeom>
+          <a:noFill/>
+        </p:spPr>
+        <p:txBody>
+          <a:bodyPr wrap="square">
+            <a:spAutoFit/>
+          </a:bodyPr>
+          <a:lstStyle/>
+          <a:p>
+            <a:r>
+              <a:rPr lang="en-US" altLang="zh-TW" sz="1400" dirty="0">
+                <a:solidFill>
+                  <a:srgbClr val="222222"/>
+                </a:solidFill>
+                <a:latin typeface="Times New Roman" panose="02020603050405020304" pitchFamily="18" charset="0"/>
+                <a:cs typeface="Times New Roman" panose="02020603050405020304" pitchFamily="18" charset="0"/>
+              </a:rPr>
+              <a:t>Table 1. Pearson correlation coefficient with respect to uniform distribution (normal distribution) with Model_1 (Model_2)</a:t>
+            </a:r>
+            <a:r>
+              <a:rPr lang="zh-TW" altLang="en-US" sz="1400" dirty="0">
+                <a:solidFill>
+                  <a:srgbClr val="222222"/>
+                </a:solidFill>
+                <a:latin typeface="Times New Roman" panose="02020603050405020304" pitchFamily="18" charset="0"/>
+                <a:cs typeface="Times New Roman" panose="02020603050405020304" pitchFamily="18" charset="0"/>
+              </a:rPr>
+              <a:t> </a:t>
+            </a:r>
+            <a:r>
+              <a:rPr lang="en-US" altLang="zh-TW" sz="1400" dirty="0">
+                <a:solidFill>
+                  <a:srgbClr val="222222"/>
+                </a:solidFill>
+                <a:latin typeface="Times New Roman" panose="02020603050405020304" pitchFamily="18" charset="0"/>
+                <a:cs typeface="Times New Roman" panose="02020603050405020304" pitchFamily="18" charset="0"/>
+              </a:rPr>
+              <a:t>compare to the loss (residual) and accuracy.</a:t>
+            </a:r>
+          </a:p>
+        </p:txBody>
+      </p:sp>
+      <p:pic>
+        <p:nvPicPr>
+          <p:cNvPr id="21" name="圖片 20">
+            <a:extLst>
+              <a:ext uri="{FF2B5EF4-FFF2-40B4-BE49-F238E27FC236}">
+                <a16:creationId xmlns:a16="http://schemas.microsoft.com/office/drawing/2014/main" id="{380A32ED-445B-3E24-83E8-C37C63FD603B}"/>
+              </a:ext>
+            </a:extLst>
+          </p:cNvPr>
+          <p:cNvPicPr>
+            <a:picLocks noChangeAspect="1"/>
+          </p:cNvPicPr>
+          <p:nvPr/>
+        </p:nvPicPr>
+        <p:blipFill rotWithShape="1">
+          <a:blip r:embed="rId5"/>
+          <a:srcRect t="28471" r="64088" b="48273"/>
+          <a:stretch/>
+        </p:blipFill>
+        <p:spPr>
+          <a:xfrm>
+            <a:off x="8480520" y="3361706"/>
+            <a:ext cx="1291747" cy="154184"/>
+          </a:xfrm>
+          <a:prstGeom prst="rect">
+            <a:avLst/>
+          </a:prstGeom>
+        </p:spPr>
       </p:pic>
       <p:pic>
         <p:nvPicPr>
-          <p:cNvPr id="15" name="圖片 14">
-            <a:extLst>
-              <a:ext uri="{FF2B5EF4-FFF2-40B4-BE49-F238E27FC236}">
-                <a16:creationId xmlns:a16="http://schemas.microsoft.com/office/drawing/2014/main" id="{15160579-8E28-CEB3-B04B-5B8B4CF0769F}"/>
+          <p:cNvPr id="24" name="圖片 23">
+            <a:extLst>
+              <a:ext uri="{FF2B5EF4-FFF2-40B4-BE49-F238E27FC236}">
+                <a16:creationId xmlns:a16="http://schemas.microsoft.com/office/drawing/2014/main" id="{9F662CF8-3046-D221-AFBD-32FE425F4476}"/>
               </a:ext>
             </a:extLst>
           </p:cNvPr>
@@ -4802,14 +6418,95 @@
           <p:nvPr/>
         </p:nvPicPr>
         <p:blipFill rotWithShape="1">
-          <a:blip r:embed="rId3"/>
-          <a:srcRect l="723"/>
+          <a:blip r:embed="rId5"/>
+          <a:srcRect t="75710" r="64088"/>
           <a:stretch/>
         </p:blipFill>
         <p:spPr>
           <a:xfrm>
-            <a:off x="1244365" y="3972073"/>
-            <a:ext cx="9633184" cy="1228773"/>
+            <a:off x="8379532" y="3591359"/>
+            <a:ext cx="1291737" cy="161039"/>
+          </a:xfrm>
+          <a:prstGeom prst="rect">
+            <a:avLst/>
+          </a:prstGeom>
+        </p:spPr>
+      </p:pic>
+      <p:sp>
+        <p:nvSpPr>
+          <p:cNvPr id="25" name="矩形 24">
+            <a:extLst>
+              <a:ext uri="{FF2B5EF4-FFF2-40B4-BE49-F238E27FC236}">
+                <a16:creationId xmlns:a16="http://schemas.microsoft.com/office/drawing/2014/main" id="{7DE8BCDE-C688-4640-2AC3-A4C85B13620E}"/>
+              </a:ext>
+            </a:extLst>
+          </p:cNvPr>
+          <p:cNvSpPr/>
+          <p:nvPr/>
+        </p:nvSpPr>
+        <p:spPr>
+          <a:xfrm>
+            <a:off x="3429000" y="2219325"/>
+            <a:ext cx="6724650" cy="1943100"/>
+          </a:xfrm>
+          <a:prstGeom prst="rect">
+            <a:avLst/>
+          </a:prstGeom>
+          <a:noFill/>
+          <a:ln>
+            <a:solidFill>
+              <a:schemeClr val="accent1"/>
+            </a:solidFill>
+          </a:ln>
+        </p:spPr>
+        <p:style>
+          <a:lnRef idx="2">
+            <a:schemeClr val="accent1">
+              <a:shade val="15000"/>
+            </a:schemeClr>
+          </a:lnRef>
+          <a:fillRef idx="1">
+            <a:schemeClr val="accent1"/>
+          </a:fillRef>
+          <a:effectRef idx="0">
+            <a:schemeClr val="accent1"/>
+          </a:effectRef>
+          <a:fontRef idx="minor">
+            <a:schemeClr val="lt1"/>
+          </a:fontRef>
+        </p:style>
+        <p:txBody>
+          <a:bodyPr rtlCol="0" anchor="ctr"/>
+          <a:lstStyle/>
+          <a:p>
+            <a:pPr algn="ctr"/>
+            <a:endParaRPr lang="zh-TW" altLang="en-US"/>
+          </a:p>
+        </p:txBody>
+      </p:sp>
+      <p:pic>
+        <p:nvPicPr>
+          <p:cNvPr id="28" name="圖片 27">
+            <a:extLst>
+              <a:ext uri="{FF2B5EF4-FFF2-40B4-BE49-F238E27FC236}">
+                <a16:creationId xmlns:a16="http://schemas.microsoft.com/office/drawing/2014/main" id="{E4037DF4-8711-E081-45B4-BD335518525E}"/>
+              </a:ext>
+            </a:extLst>
+          </p:cNvPr>
+          <p:cNvPicPr>
+            <a:picLocks noChangeAspect="1"/>
+          </p:cNvPicPr>
+          <p:nvPr/>
+        </p:nvPicPr>
+        <p:blipFill rotWithShape="1">
+          <a:blip r:embed="rId6"/>
+          <a:srcRect l="37110" t="88340" r="40699" b="1164"/>
+          <a:stretch/>
+        </p:blipFill>
+        <p:spPr>
+          <a:xfrm>
+            <a:off x="3862545" y="2841754"/>
+            <a:ext cx="2288544" cy="174241"/>
           </a:xfrm>
           <a:prstGeom prst="rect">
             <a:avLst/>
@@ -4821,59 +6518,143 @@
           </a:ln>
         </p:spPr>
       </p:pic>
-      <p:sp>
-        <p:nvSpPr>
-          <p:cNvPr id="16" name="文字方塊 15">
-            <a:extLst>
-              <a:ext uri="{FF2B5EF4-FFF2-40B4-BE49-F238E27FC236}">
-                <a16:creationId xmlns:a16="http://schemas.microsoft.com/office/drawing/2014/main" id="{9564107B-9C27-5DB8-D8D4-8E905662685E}"/>
-              </a:ext>
-            </a:extLst>
-          </p:cNvPr>
-          <p:cNvSpPr txBox="1"/>
-          <p:nvPr/>
-        </p:nvSpPr>
-        <p:spPr>
-          <a:xfrm>
-            <a:off x="501213" y="639166"/>
-            <a:ext cx="1486304" cy="461665"/>
-          </a:xfrm>
-          <a:prstGeom prst="rect">
-            <a:avLst/>
-          </a:prstGeom>
-          <a:noFill/>
-        </p:spPr>
-        <p:txBody>
-          <a:bodyPr wrap="none" rtlCol="0">
-            <a:spAutoFit/>
-          </a:bodyPr>
-          <a:lstStyle/>
-          <a:p>
-            <a:r>
-              <a:rPr lang="zh-TW" altLang="en-US" sz="2400" dirty="0">
-                <a:latin typeface="微軟正黑體" panose="020B0604030504040204" pitchFamily="34" charset="-120"/>
-                <a:ea typeface="微軟正黑體" panose="020B0604030504040204" pitchFamily="34" charset="-120"/>
-              </a:rPr>
-              <a:t>研究參數</a:t>
-            </a:r>
-            <a:r>
-              <a:rPr lang="en-US" altLang="zh-TW" sz="2400" dirty="0">
-                <a:latin typeface="微軟正黑體" panose="020B0604030504040204" pitchFamily="34" charset="-120"/>
-                <a:ea typeface="微軟正黑體" panose="020B0604030504040204" pitchFamily="34" charset="-120"/>
-              </a:rPr>
-              <a:t>:</a:t>
-            </a:r>
-            <a:endParaRPr lang="zh-TW" altLang="en-US" sz="2400" dirty="0">
-              <a:latin typeface="微軟正黑體" panose="020B0604030504040204" pitchFamily="34" charset="-120"/>
-              <a:ea typeface="微軟正黑體" panose="020B0604030504040204" pitchFamily="34" charset="-120"/>
-            </a:endParaRPr>
+      <p:pic>
+        <p:nvPicPr>
+          <p:cNvPr id="29" name="圖片 28">
+            <a:extLst>
+              <a:ext uri="{FF2B5EF4-FFF2-40B4-BE49-F238E27FC236}">
+                <a16:creationId xmlns:a16="http://schemas.microsoft.com/office/drawing/2014/main" id="{8A44092F-547B-D914-7D4E-92D0EA111AC3}"/>
+              </a:ext>
+            </a:extLst>
+          </p:cNvPr>
+          <p:cNvPicPr>
+            <a:picLocks noChangeAspect="1"/>
+          </p:cNvPicPr>
+          <p:nvPr/>
+        </p:nvPicPr>
+        <p:blipFill>
+          <a:blip r:embed="rId7"/>
+          <a:stretch>
+            <a:fillRect/>
+          </a:stretch>
+        </p:blipFill>
+        <p:spPr>
+          <a:xfrm>
+            <a:off x="3914102" y="3785815"/>
+            <a:ext cx="2213182" cy="186827"/>
+          </a:xfrm>
+          <a:prstGeom prst="rect">
+            <a:avLst/>
+          </a:prstGeom>
+          <a:ln>
+            <a:solidFill>
+              <a:schemeClr val="tx1"/>
+            </a:solidFill>
+          </a:ln>
+        </p:spPr>
+      </p:pic>
+      <p:pic>
+        <p:nvPicPr>
+          <p:cNvPr id="30" name="圖片 29">
+            <a:extLst>
+              <a:ext uri="{FF2B5EF4-FFF2-40B4-BE49-F238E27FC236}">
+                <a16:creationId xmlns:a16="http://schemas.microsoft.com/office/drawing/2014/main" id="{0E8DEA96-9B75-DE2A-3946-D2EEAEEDC75C}"/>
+              </a:ext>
+            </a:extLst>
+          </p:cNvPr>
+          <p:cNvPicPr>
+            <a:picLocks noChangeAspect="1"/>
+          </p:cNvPicPr>
+          <p:nvPr/>
+        </p:nvPicPr>
+        <p:blipFill rotWithShape="1">
+          <a:blip r:embed="rId8"/>
+          <a:srcRect t="14460" b="27047"/>
+          <a:stretch/>
+        </p:blipFill>
+        <p:spPr>
+          <a:xfrm>
+            <a:off x="7356027" y="2855063"/>
+            <a:ext cx="2410499" cy="155252"/>
+          </a:xfrm>
+          <a:prstGeom prst="rect">
+            <a:avLst/>
+          </a:prstGeom>
+          <a:ln>
+            <a:solidFill>
+              <a:schemeClr val="tx1"/>
+            </a:solidFill>
+          </a:ln>
+        </p:spPr>
+      </p:pic>
+      <p:pic>
+        <p:nvPicPr>
+          <p:cNvPr id="31" name="圖片 30">
+            <a:extLst>
+              <a:ext uri="{FF2B5EF4-FFF2-40B4-BE49-F238E27FC236}">
+                <a16:creationId xmlns:a16="http://schemas.microsoft.com/office/drawing/2014/main" id="{BEE58CE4-6EFC-C5F6-BDD0-21F2FEDA89E3}"/>
+              </a:ext>
+            </a:extLst>
+          </p:cNvPr>
+          <p:cNvPicPr>
+            <a:picLocks noChangeAspect="1"/>
+          </p:cNvPicPr>
+          <p:nvPr/>
+        </p:nvPicPr>
+        <p:blipFill>
+          <a:blip r:embed="rId9"/>
+          <a:stretch>
+            <a:fillRect/>
+          </a:stretch>
+        </p:blipFill>
+        <p:spPr>
+          <a:xfrm>
+            <a:off x="7401383" y="3812509"/>
+            <a:ext cx="2213182" cy="160133"/>
+          </a:xfrm>
+          <a:prstGeom prst="rect">
+            <a:avLst/>
+          </a:prstGeom>
+          <a:ln>
+            <a:solidFill>
+              <a:schemeClr val="tx1"/>
+            </a:solidFill>
+          </a:ln>
+        </p:spPr>
+      </p:pic>
+      <p:sp>
+        <p:nvSpPr>
+          <p:cNvPr id="32" name="投影片編號版面配置區 31">
+            <a:extLst>
+              <a:ext uri="{FF2B5EF4-FFF2-40B4-BE49-F238E27FC236}">
+                <a16:creationId xmlns:a16="http://schemas.microsoft.com/office/drawing/2014/main" id="{9FA86276-5C2B-E8FC-BC47-6C7650C71758}"/>
+              </a:ext>
+            </a:extLst>
+          </p:cNvPr>
+          <p:cNvSpPr>
+            <a:spLocks noGrp="1"/>
+          </p:cNvSpPr>
+          <p:nvPr>
+            <p:ph type="sldNum" sz="quarter" idx="12"/>
+          </p:nvPr>
+        </p:nvSpPr>
+        <p:spPr/>
+        <p:txBody>
+          <a:bodyPr/>
+          <a:lstStyle/>
+          <a:p>
+            <a:fld id="{2F24418D-D767-43C9-AF77-C5266DB70D21}" type="slidenum">
+              <a:rPr lang="zh-TW" altLang="en-US" smtClean="0"/>
+              <a:t>11</a:t>
+            </a:fld>
+            <a:endParaRPr lang="zh-TW" altLang="en-US"/>
           </a:p>
         </p:txBody>
       </p:sp>
     </p:spTree>
     <p:extLst>
       <p:ext uri="{BB962C8B-B14F-4D97-AF65-F5344CB8AC3E}">
-        <p14:creationId xmlns:p14="http://schemas.microsoft.com/office/powerpoint/2010/main" val="3209290337"/>
+        <p14:creationId xmlns:p14="http://schemas.microsoft.com/office/powerpoint/2010/main" val="276454802"/>
       </p:ext>
     </p:extLst>
   </p:cSld>
@@ -4905,7 +6686,7 @@
           <p:cNvPr id="4" name="文字方塊 3">
             <a:extLst>
               <a:ext uri="{FF2B5EF4-FFF2-40B4-BE49-F238E27FC236}">
-                <a16:creationId xmlns:a16="http://schemas.microsoft.com/office/drawing/2014/main" id="{56A3AC0A-2537-572E-F85F-51CB0FA54C51}"/>
+                <a16:creationId xmlns:a16="http://schemas.microsoft.com/office/drawing/2014/main" id="{0E72BD18-5C23-FF6C-12EB-16238B4D0CFF}"/>
               </a:ext>
             </a:extLst>
           </p:cNvPr>
@@ -4914,13 +6695,16 @@
         </p:nvSpPr>
         <p:spPr>
           <a:xfrm>
-            <a:off x="396438" y="677818"/>
-            <a:ext cx="2101857" cy="461665"/>
+            <a:off x="536745" y="632656"/>
+            <a:ext cx="885179" cy="461665"/>
           </a:xfrm>
           <a:prstGeom prst="rect">
             <a:avLst/>
           </a:prstGeom>
           <a:noFill/>
+          <a:ln>
+            <a:noFill/>
+          </a:ln>
         </p:spPr>
         <p:txBody>
           <a:bodyPr wrap="none" rtlCol="0">
@@ -4932,575 +6716,549 @@
               <a:rPr lang="zh-TW" altLang="en-US" sz="2400" dirty="0">
                 <a:latin typeface="微軟正黑體" panose="020B0604030504040204" pitchFamily="34" charset="-120"/>
                 <a:ea typeface="微軟正黑體" panose="020B0604030504040204" pitchFamily="34" charset="-120"/>
-              </a:rPr>
-              <a:t>預計研究方法</a:t>
+                <a:cs typeface="Times New Roman" panose="02020603050405020304" pitchFamily="18" charset="0"/>
+              </a:rPr>
+              <a:t>結論</a:t>
             </a:r>
             <a:r>
               <a:rPr lang="en-US" altLang="zh-TW" sz="2400" dirty="0">
                 <a:latin typeface="微軟正黑體" panose="020B0604030504040204" pitchFamily="34" charset="-120"/>
                 <a:ea typeface="微軟正黑體" panose="020B0604030504040204" pitchFamily="34" charset="-120"/>
+                <a:cs typeface="Times New Roman" panose="02020603050405020304" pitchFamily="18" charset="0"/>
               </a:rPr>
               <a:t>:</a:t>
             </a:r>
             <a:endParaRPr lang="zh-TW" altLang="en-US" sz="2400" dirty="0">
               <a:latin typeface="微軟正黑體" panose="020B0604030504040204" pitchFamily="34" charset="-120"/>
               <a:ea typeface="微軟正黑體" panose="020B0604030504040204" pitchFamily="34" charset="-120"/>
+              <a:cs typeface="Times New Roman" panose="02020603050405020304" pitchFamily="18" charset="0"/>
             </a:endParaRPr>
           </a:p>
         </p:txBody>
       </p:sp>
-      <p:grpSp>
-        <p:nvGrpSpPr>
-          <p:cNvPr id="10" name="群組 9">
-            <a:extLst>
-              <a:ext uri="{FF2B5EF4-FFF2-40B4-BE49-F238E27FC236}">
-                <a16:creationId xmlns:a16="http://schemas.microsoft.com/office/drawing/2014/main" id="{47CD137A-E319-7A99-3E9C-799EBA36F9D8}"/>
-              </a:ext>
-            </a:extLst>
-          </p:cNvPr>
-          <p:cNvGrpSpPr/>
-          <p:nvPr/>
-        </p:nvGrpSpPr>
-        <p:grpSpPr>
-          <a:xfrm>
-            <a:off x="633412" y="1889858"/>
-            <a:ext cx="4524377" cy="3325932"/>
-            <a:chOff x="1343022" y="1356349"/>
-            <a:chExt cx="4524377" cy="3325932"/>
-          </a:xfrm>
-        </p:grpSpPr>
-        <p:sp>
-          <p:nvSpPr>
-            <p:cNvPr id="5" name="文字方塊 4">
-              <a:extLst>
-                <a:ext uri="{FF2B5EF4-FFF2-40B4-BE49-F238E27FC236}">
-                  <a16:creationId xmlns:a16="http://schemas.microsoft.com/office/drawing/2014/main" id="{9237E091-E9BC-FC81-A9EB-6A0221FE57D1}"/>
-                </a:ext>
-              </a:extLst>
-            </p:cNvPr>
-            <p:cNvSpPr txBox="1"/>
-            <p:nvPr/>
-          </p:nvSpPr>
-          <p:spPr>
-            <a:xfrm>
-              <a:off x="1343024" y="2095499"/>
-              <a:ext cx="4524375" cy="369332"/>
-            </a:xfrm>
-            <a:prstGeom prst="rect">
-              <a:avLst/>
-            </a:prstGeom>
-            <a:noFill/>
-          </p:spPr>
-          <p:txBody>
-            <a:bodyPr wrap="square" rtlCol="0">
-              <a:spAutoFit/>
-            </a:bodyPr>
-            <a:lstStyle/>
-            <a:p>
-              <a:r>
-                <a:rPr lang="en-US" altLang="zh-TW" dirty="0">
-                  <a:latin typeface="Times New Roman" panose="02020603050405020304" pitchFamily="18" charset="0"/>
-                  <a:ea typeface="微軟正黑體" panose="020B0604030504040204" pitchFamily="34" charset="-120"/>
-                  <a:cs typeface="Times New Roman" panose="02020603050405020304" pitchFamily="18" charset="0"/>
-                </a:rPr>
-                <a:t>2.</a:t>
-              </a:r>
-              <a:r>
-                <a:rPr lang="zh-TW" altLang="en-US" dirty="0">
-                  <a:latin typeface="Times New Roman" panose="02020603050405020304" pitchFamily="18" charset="0"/>
-                  <a:ea typeface="微軟正黑體" panose="020B0604030504040204" pitchFamily="34" charset="-120"/>
-                  <a:cs typeface="Times New Roman" panose="02020603050405020304" pitchFamily="18" charset="0"/>
-                </a:rPr>
-                <a:t>不同旋葉構型 </a:t>
-              </a:r>
-              <a:r>
-                <a:rPr lang="zh-TW" altLang="en-US" b="0" i="0" dirty="0">
-                  <a:solidFill>
-                    <a:srgbClr val="333333"/>
-                  </a:solidFill>
-                  <a:effectLst/>
-                  <a:highlight>
-                    <a:srgbClr val="FFFFFF"/>
-                  </a:highlight>
-                  <a:latin typeface="Times New Roman" panose="02020603050405020304" pitchFamily="18" charset="0"/>
-                  <a:ea typeface="微軟正黑體" panose="020B0604030504040204" pitchFamily="34" charset="-120"/>
-                  <a:cs typeface="Times New Roman" panose="02020603050405020304" pitchFamily="18" charset="0"/>
-                </a:rPr>
-                <a:t>→ </a:t>
-              </a:r>
-              <a:r>
-                <a:rPr lang="en-US" altLang="zh-TW" b="0" i="0" dirty="0">
-                  <a:solidFill>
-                    <a:srgbClr val="333333"/>
-                  </a:solidFill>
-                  <a:effectLst/>
-                  <a:highlight>
-                    <a:srgbClr val="FFFFFF"/>
-                  </a:highlight>
-                  <a:latin typeface="Times New Roman" panose="02020603050405020304" pitchFamily="18" charset="0"/>
-                  <a:ea typeface="微軟正黑體" panose="020B0604030504040204" pitchFamily="34" charset="-120"/>
-                  <a:cs typeface="Times New Roman" panose="02020603050405020304" pitchFamily="18" charset="0"/>
-                </a:rPr>
-                <a:t>one hot encoding</a:t>
-              </a:r>
-              <a:endParaRPr lang="zh-TW" altLang="en-US" b="0" i="0" dirty="0">
+      <p:sp>
+        <p:nvSpPr>
+          <p:cNvPr id="5" name="文字方塊 4">
+            <a:extLst>
+              <a:ext uri="{FF2B5EF4-FFF2-40B4-BE49-F238E27FC236}">
+                <a16:creationId xmlns:a16="http://schemas.microsoft.com/office/drawing/2014/main" id="{765AAE0E-047B-690E-E457-8E7AF4223FF4}"/>
+              </a:ext>
+            </a:extLst>
+          </p:cNvPr>
+          <p:cNvSpPr txBox="1"/>
+          <p:nvPr/>
+        </p:nvSpPr>
+        <p:spPr>
+          <a:xfrm>
+            <a:off x="979335" y="2153246"/>
+            <a:ext cx="10383989" cy="369332"/>
+          </a:xfrm>
+          <a:prstGeom prst="rect">
+            <a:avLst/>
+          </a:prstGeom>
+          <a:noFill/>
+        </p:spPr>
+        <p:txBody>
+          <a:bodyPr wrap="square" rtlCol="0">
+            <a:spAutoFit/>
+          </a:bodyPr>
+          <a:lstStyle/>
+          <a:p>
+            <a:r>
+              <a:rPr lang="en-US" altLang="zh-TW" dirty="0">
+                <a:latin typeface="Times New Roman" panose="02020603050405020304" pitchFamily="18" charset="0"/>
+                <a:ea typeface="微軟正黑體" panose="020B0604030504040204" pitchFamily="34" charset="-120"/>
+                <a:cs typeface="Times New Roman" panose="02020603050405020304" pitchFamily="18" charset="0"/>
+              </a:rPr>
+              <a:t>1.</a:t>
+            </a:r>
+            <a:r>
+              <a:rPr lang="zh-TW" altLang="en-US" dirty="0">
+                <a:latin typeface="Times New Roman" panose="02020603050405020304" pitchFamily="18" charset="0"/>
+                <a:ea typeface="微軟正黑體" panose="020B0604030504040204" pitchFamily="34" charset="-120"/>
+                <a:cs typeface="Times New Roman" panose="02020603050405020304" pitchFamily="18" charset="0"/>
+              </a:rPr>
+              <a:t> </a:t>
+            </a:r>
+            <a:r>
+              <a:rPr lang="en-US" altLang="zh-TW" dirty="0">
                 <a:solidFill>
-                  <a:srgbClr val="333333"/>
+                  <a:schemeClr val="accent2">
+                    <a:lumMod val="75000"/>
+                  </a:schemeClr>
                 </a:solidFill>
-                <a:effectLst/>
-                <a:highlight>
-                  <a:srgbClr val="FFFFFF"/>
-                </a:highlight>
                 <a:latin typeface="Times New Roman" panose="02020603050405020304" pitchFamily="18" charset="0"/>
                 <a:ea typeface="微軟正黑體" panose="020B0604030504040204" pitchFamily="34" charset="-120"/>
                 <a:cs typeface="Times New Roman" panose="02020603050405020304" pitchFamily="18" charset="0"/>
-              </a:endParaRPr>
-            </a:p>
-          </p:txBody>
-        </p:sp>
-        <p:sp>
-          <p:nvSpPr>
-            <p:cNvPr id="6" name="文字方塊 5">
-              <a:extLst>
-                <a:ext uri="{FF2B5EF4-FFF2-40B4-BE49-F238E27FC236}">
-                  <a16:creationId xmlns:a16="http://schemas.microsoft.com/office/drawing/2014/main" id="{98727F2F-2306-04E1-3BB7-3E5EA6BB9A8C}"/>
-                </a:ext>
-              </a:extLst>
-            </p:cNvPr>
-            <p:cNvSpPr txBox="1"/>
-            <p:nvPr/>
-          </p:nvSpPr>
-          <p:spPr>
-            <a:xfrm>
-              <a:off x="1343024" y="1356349"/>
-              <a:ext cx="4524375" cy="369332"/>
-            </a:xfrm>
-            <a:prstGeom prst="rect">
-              <a:avLst/>
-            </a:prstGeom>
-            <a:noFill/>
-          </p:spPr>
-          <p:txBody>
-            <a:bodyPr wrap="square" rtlCol="0">
-              <a:spAutoFit/>
-            </a:bodyPr>
-            <a:lstStyle/>
-            <a:p>
-              <a:r>
-                <a:rPr lang="en-US" altLang="zh-TW" dirty="0">
-                  <a:latin typeface="Times New Roman" panose="02020603050405020304" pitchFamily="18" charset="0"/>
-                  <a:ea typeface="微軟正黑體" panose="020B0604030504040204" pitchFamily="34" charset="-120"/>
-                  <a:cs typeface="Times New Roman" panose="02020603050405020304" pitchFamily="18" charset="0"/>
-                </a:rPr>
-                <a:t>1.</a:t>
-              </a:r>
-              <a:r>
-                <a:rPr lang="zh-TW" altLang="en-US" dirty="0">
-                  <a:latin typeface="Times New Roman" panose="02020603050405020304" pitchFamily="18" charset="0"/>
-                  <a:ea typeface="微軟正黑體" panose="020B0604030504040204" pitchFamily="34" charset="-120"/>
-                  <a:cs typeface="Times New Roman" panose="02020603050405020304" pitchFamily="18" charset="0"/>
-                </a:rPr>
-                <a:t>已取得實驗資料 </a:t>
-              </a:r>
-              <a:r>
-                <a:rPr lang="zh-TW" altLang="en-US" b="0" i="0" dirty="0">
-                  <a:solidFill>
-                    <a:srgbClr val="333333"/>
-                  </a:solidFill>
-                  <a:effectLst/>
-                  <a:highlight>
-                    <a:srgbClr val="FFFFFF"/>
-                  </a:highlight>
-                  <a:latin typeface="Times New Roman" panose="02020603050405020304" pitchFamily="18" charset="0"/>
-                  <a:ea typeface="微軟正黑體" panose="020B0604030504040204" pitchFamily="34" charset="-120"/>
-                  <a:cs typeface="Times New Roman" panose="02020603050405020304" pitchFamily="18" charset="0"/>
-                </a:rPr>
-                <a:t>→ </a:t>
-              </a:r>
-              <a:r>
-                <a:rPr lang="zh-TW" altLang="en-US" dirty="0">
-                  <a:solidFill>
-                    <a:srgbClr val="333333"/>
-                  </a:solidFill>
-                  <a:highlight>
-                    <a:srgbClr val="FFFFFF"/>
-                  </a:highlight>
-                  <a:latin typeface="Times New Roman" panose="02020603050405020304" pitchFamily="18" charset="0"/>
-                  <a:ea typeface="微軟正黑體" panose="020B0604030504040204" pitchFamily="34" charset="-120"/>
-                  <a:cs typeface="Times New Roman" panose="02020603050405020304" pitchFamily="18" charset="0"/>
-                </a:rPr>
-                <a:t>監督式學習</a:t>
-              </a:r>
-              <a:endParaRPr lang="zh-TW" altLang="en-US" b="0" i="0" dirty="0">
+              </a:rPr>
+              <a:t>Model_2 (2,4,8,8,2) </a:t>
+            </a:r>
+            <a:r>
+              <a:rPr lang="zh-TW" altLang="en-US" dirty="0">
+                <a:latin typeface="Times New Roman" panose="02020603050405020304" pitchFamily="18" charset="0"/>
+                <a:ea typeface="微軟正黑體" panose="020B0604030504040204" pitchFamily="34" charset="-120"/>
+                <a:cs typeface="Times New Roman" panose="02020603050405020304" pitchFamily="18" charset="0"/>
+              </a:rPr>
+              <a:t>比起 </a:t>
+            </a:r>
+            <a:r>
+              <a:rPr lang="en-US" altLang="zh-TW" dirty="0">
                 <a:solidFill>
-                  <a:srgbClr val="333333"/>
+                  <a:schemeClr val="accent1">
+                    <a:lumMod val="75000"/>
+                  </a:schemeClr>
                 </a:solidFill>
-                <a:effectLst/>
-                <a:highlight>
-                  <a:srgbClr val="FFFFFF"/>
-                </a:highlight>
                 <a:latin typeface="Times New Roman" panose="02020603050405020304" pitchFamily="18" charset="0"/>
                 <a:ea typeface="微軟正黑體" panose="020B0604030504040204" pitchFamily="34" charset="-120"/>
                 <a:cs typeface="Times New Roman" panose="02020603050405020304" pitchFamily="18" charset="0"/>
-              </a:endParaRPr>
-            </a:p>
-          </p:txBody>
-        </p:sp>
-        <p:sp>
-          <p:nvSpPr>
-            <p:cNvPr id="7" name="文字方塊 6">
-              <a:extLst>
-                <a:ext uri="{FF2B5EF4-FFF2-40B4-BE49-F238E27FC236}">
-                  <a16:creationId xmlns:a16="http://schemas.microsoft.com/office/drawing/2014/main" id="{05CBEB0F-24CD-7447-E131-0A44506F33F1}"/>
-                </a:ext>
-              </a:extLst>
-            </p:cNvPr>
-            <p:cNvSpPr txBox="1"/>
-            <p:nvPr/>
-          </p:nvSpPr>
-          <p:spPr>
-            <a:xfrm>
-              <a:off x="1343023" y="2834649"/>
-              <a:ext cx="4524375" cy="369332"/>
-            </a:xfrm>
-            <a:prstGeom prst="rect">
-              <a:avLst/>
-            </a:prstGeom>
-            <a:noFill/>
-          </p:spPr>
-          <p:txBody>
-            <a:bodyPr wrap="square" rtlCol="0">
-              <a:spAutoFit/>
-            </a:bodyPr>
-            <a:lstStyle/>
-            <a:p>
-              <a:r>
-                <a:rPr lang="en-US" altLang="zh-TW" dirty="0">
-                  <a:latin typeface="Times New Roman" panose="02020603050405020304" pitchFamily="18" charset="0"/>
-                  <a:ea typeface="微軟正黑體" panose="020B0604030504040204" pitchFamily="34" charset="-120"/>
-                  <a:cs typeface="Times New Roman" panose="02020603050405020304" pitchFamily="18" charset="0"/>
-                </a:rPr>
-                <a:t>3.</a:t>
-              </a:r>
-              <a:r>
-                <a:rPr lang="zh-TW" altLang="en-US" dirty="0">
-                  <a:latin typeface="Times New Roman" panose="02020603050405020304" pitchFamily="18" charset="0"/>
-                  <a:ea typeface="微軟正黑體" panose="020B0604030504040204" pitchFamily="34" charset="-120"/>
-                  <a:cs typeface="Times New Roman" panose="02020603050405020304" pitchFamily="18" charset="0"/>
-                </a:rPr>
-                <a:t>多項輸入、輸出條件 </a:t>
-              </a:r>
-              <a:r>
-                <a:rPr lang="zh-TW" altLang="en-US" b="0" i="0" dirty="0">
-                  <a:solidFill>
-                    <a:srgbClr val="333333"/>
-                  </a:solidFill>
-                  <a:effectLst/>
-                  <a:highlight>
-                    <a:srgbClr val="FFFFFF"/>
-                  </a:highlight>
-                  <a:latin typeface="Times New Roman" panose="02020603050405020304" pitchFamily="18" charset="0"/>
-                  <a:ea typeface="微軟正黑體" panose="020B0604030504040204" pitchFamily="34" charset="-120"/>
-                  <a:cs typeface="Times New Roman" panose="02020603050405020304" pitchFamily="18" charset="0"/>
-                </a:rPr>
-                <a:t>→ 多維向量</a:t>
-              </a:r>
-            </a:p>
-          </p:txBody>
-        </p:sp>
-        <p:sp>
-          <p:nvSpPr>
-            <p:cNvPr id="8" name="文字方塊 7">
-              <a:extLst>
-                <a:ext uri="{FF2B5EF4-FFF2-40B4-BE49-F238E27FC236}">
-                  <a16:creationId xmlns:a16="http://schemas.microsoft.com/office/drawing/2014/main" id="{5EBABABD-E789-65C2-2BE5-1128585554C2}"/>
-                </a:ext>
-              </a:extLst>
-            </p:cNvPr>
-            <p:cNvSpPr txBox="1"/>
-            <p:nvPr/>
-          </p:nvSpPr>
-          <p:spPr>
-            <a:xfrm>
-              <a:off x="1343023" y="3573799"/>
-              <a:ext cx="4524375" cy="369332"/>
-            </a:xfrm>
-            <a:prstGeom prst="rect">
-              <a:avLst/>
-            </a:prstGeom>
-            <a:noFill/>
-          </p:spPr>
-          <p:txBody>
-            <a:bodyPr wrap="square" rtlCol="0">
-              <a:spAutoFit/>
-            </a:bodyPr>
-            <a:lstStyle/>
-            <a:p>
-              <a:r>
-                <a:rPr lang="en-US" altLang="zh-TW" dirty="0">
-                  <a:latin typeface="Times New Roman" panose="02020603050405020304" pitchFamily="18" charset="0"/>
-                  <a:ea typeface="微軟正黑體" panose="020B0604030504040204" pitchFamily="34" charset="-120"/>
-                  <a:cs typeface="Times New Roman" panose="02020603050405020304" pitchFamily="18" charset="0"/>
-                </a:rPr>
-                <a:t>4.</a:t>
-              </a:r>
-              <a:r>
-                <a:rPr lang="zh-TW" altLang="en-US" dirty="0">
-                  <a:latin typeface="Times New Roman" panose="02020603050405020304" pitchFamily="18" charset="0"/>
-                  <a:ea typeface="微軟正黑體" panose="020B0604030504040204" pitchFamily="34" charset="-120"/>
-                  <a:cs typeface="Times New Roman" panose="02020603050405020304" pitchFamily="18" charset="0"/>
-                </a:rPr>
-                <a:t> 一般物理問題 </a:t>
-              </a:r>
-              <a:r>
-                <a:rPr lang="zh-TW" altLang="en-US" b="0" i="0" dirty="0">
-                  <a:solidFill>
-                    <a:srgbClr val="333333"/>
-                  </a:solidFill>
-                  <a:effectLst/>
-                  <a:highlight>
-                    <a:srgbClr val="FFFFFF"/>
-                  </a:highlight>
-                  <a:latin typeface="Times New Roman" panose="02020603050405020304" pitchFamily="18" charset="0"/>
-                  <a:ea typeface="微軟正黑體" panose="020B0604030504040204" pitchFamily="34" charset="-120"/>
-                  <a:cs typeface="Times New Roman" panose="02020603050405020304" pitchFamily="18" charset="0"/>
-                </a:rPr>
-                <a:t>→ 一般線性</a:t>
-              </a:r>
-              <a:r>
-                <a:rPr lang="en-US" altLang="zh-TW" b="0" i="0" dirty="0">
-                  <a:solidFill>
-                    <a:srgbClr val="333333"/>
-                  </a:solidFill>
-                  <a:effectLst/>
-                  <a:highlight>
-                    <a:srgbClr val="FFFFFF"/>
-                  </a:highlight>
-                  <a:latin typeface="Times New Roman" panose="02020603050405020304" pitchFamily="18" charset="0"/>
-                  <a:ea typeface="微軟正黑體" panose="020B0604030504040204" pitchFamily="34" charset="-120"/>
-                  <a:cs typeface="Times New Roman" panose="02020603050405020304" pitchFamily="18" charset="0"/>
-                </a:rPr>
-                <a:t>ANN</a:t>
-              </a:r>
-              <a:endParaRPr lang="zh-TW" altLang="en-US" b="0" i="0" dirty="0">
-                <a:solidFill>
-                  <a:srgbClr val="333333"/>
-                </a:solidFill>
-                <a:effectLst/>
-                <a:highlight>
-                  <a:srgbClr val="FFFFFF"/>
-                </a:highlight>
+              </a:rPr>
+              <a:t>Model_1 (6,6,2) </a:t>
+            </a:r>
+            <a:r>
+              <a:rPr lang="zh-TW" altLang="en-US" dirty="0">
                 <a:latin typeface="Times New Roman" panose="02020603050405020304" pitchFamily="18" charset="0"/>
                 <a:ea typeface="微軟正黑體" panose="020B0604030504040204" pitchFamily="34" charset="-120"/>
                 <a:cs typeface="Times New Roman" panose="02020603050405020304" pitchFamily="18" charset="0"/>
-              </a:endParaRPr>
-            </a:p>
-          </p:txBody>
-        </p:sp>
-        <p:sp>
-          <p:nvSpPr>
-            <p:cNvPr id="9" name="文字方塊 8">
-              <a:extLst>
-                <a:ext uri="{FF2B5EF4-FFF2-40B4-BE49-F238E27FC236}">
-                  <a16:creationId xmlns:a16="http://schemas.microsoft.com/office/drawing/2014/main" id="{91CACC33-A5C6-49FE-F50F-4E41CF35BE6C}"/>
-                </a:ext>
-              </a:extLst>
-            </p:cNvPr>
-            <p:cNvSpPr txBox="1"/>
-            <p:nvPr/>
-          </p:nvSpPr>
-          <p:spPr>
-            <a:xfrm>
-              <a:off x="1343022" y="4312949"/>
-              <a:ext cx="4524375" cy="369332"/>
-            </a:xfrm>
-            <a:prstGeom prst="rect">
-              <a:avLst/>
-            </a:prstGeom>
-            <a:noFill/>
-          </p:spPr>
-          <p:txBody>
-            <a:bodyPr wrap="square" rtlCol="0">
-              <a:spAutoFit/>
-            </a:bodyPr>
-            <a:lstStyle/>
-            <a:p>
-              <a:r>
-                <a:rPr lang="en-US" altLang="zh-TW" dirty="0">
-                  <a:latin typeface="Times New Roman" panose="02020603050405020304" pitchFamily="18" charset="0"/>
-                  <a:ea typeface="微軟正黑體" panose="020B0604030504040204" pitchFamily="34" charset="-120"/>
-                  <a:cs typeface="Times New Roman" panose="02020603050405020304" pitchFamily="18" charset="0"/>
-                </a:rPr>
-                <a:t>5.</a:t>
-              </a:r>
-              <a:r>
-                <a:rPr lang="zh-TW" altLang="en-US" dirty="0">
-                  <a:latin typeface="Times New Roman" panose="02020603050405020304" pitchFamily="18" charset="0"/>
-                  <a:ea typeface="微軟正黑體" panose="020B0604030504040204" pitchFamily="34" charset="-120"/>
-                  <a:cs typeface="Times New Roman" panose="02020603050405020304" pitchFamily="18" charset="0"/>
-                </a:rPr>
-                <a:t> 旋葉優化分析 </a:t>
-              </a:r>
-              <a:r>
-                <a:rPr lang="zh-TW" altLang="en-US" b="0" i="0" dirty="0">
-                  <a:solidFill>
-                    <a:srgbClr val="333333"/>
-                  </a:solidFill>
-                  <a:effectLst/>
-                  <a:highlight>
-                    <a:srgbClr val="FFFFFF"/>
-                  </a:highlight>
-                  <a:latin typeface="Times New Roman" panose="02020603050405020304" pitchFamily="18" charset="0"/>
-                  <a:ea typeface="微軟正黑體" panose="020B0604030504040204" pitchFamily="34" charset="-120"/>
-                  <a:cs typeface="Times New Roman" panose="02020603050405020304" pitchFamily="18" charset="0"/>
-                </a:rPr>
-                <a:t>→ 分項繪圖 </a:t>
-              </a:r>
-              <a:r>
-                <a:rPr lang="zh-TW" altLang="en-US" dirty="0">
-                  <a:solidFill>
-                    <a:srgbClr val="333333"/>
-                  </a:solidFill>
-                  <a:highlight>
-                    <a:srgbClr val="FFFFFF"/>
-                  </a:highlight>
-                  <a:latin typeface="Times New Roman" panose="02020603050405020304" pitchFamily="18" charset="0"/>
-                  <a:ea typeface="微軟正黑體" panose="020B0604030504040204" pitchFamily="34" charset="-120"/>
-                  <a:cs typeface="Times New Roman" panose="02020603050405020304" pitchFamily="18" charset="0"/>
-                </a:rPr>
-                <a:t>或</a:t>
-              </a:r>
-              <a:r>
-                <a:rPr lang="zh-TW" altLang="en-US" b="0" i="0" dirty="0">
-                  <a:solidFill>
-                    <a:srgbClr val="333333"/>
-                  </a:solidFill>
-                  <a:effectLst/>
-                  <a:highlight>
-                    <a:srgbClr val="FFFFFF"/>
-                  </a:highlight>
-                  <a:latin typeface="Times New Roman" panose="02020603050405020304" pitchFamily="18" charset="0"/>
-                  <a:ea typeface="微軟正黑體" panose="020B0604030504040204" pitchFamily="34" charset="-120"/>
-                  <a:cs typeface="Times New Roman" panose="02020603050405020304" pitchFamily="18" charset="0"/>
-                </a:rPr>
-                <a:t> 分項迭代</a:t>
-              </a:r>
-            </a:p>
-          </p:txBody>
-        </p:sp>
-      </p:grpSp>
-      <p:pic>
-        <p:nvPicPr>
-          <p:cNvPr id="3076" name="Picture 4">
-            <a:extLst>
-              <a:ext uri="{FF2B5EF4-FFF2-40B4-BE49-F238E27FC236}">
-                <a16:creationId xmlns:a16="http://schemas.microsoft.com/office/drawing/2014/main" id="{B04F1329-4467-560F-9469-5DE28F600C55}"/>
-              </a:ext>
-            </a:extLst>
-          </p:cNvPr>
-          <p:cNvPicPr>
-            <a:picLocks noChangeAspect="1" noChangeArrowheads="1"/>
-          </p:cNvPicPr>
-          <p:nvPr/>
-        </p:nvPicPr>
-        <p:blipFill>
-          <a:blip r:embed="rId2">
-            <a:extLst>
-              <a:ext uri="{28A0092B-C50C-407E-A947-70E740481C1C}">
-                <a14:useLocalDpi xmlns:a14="http://schemas.microsoft.com/office/drawing/2010/main" val="0"/>
-              </a:ext>
-            </a:extLst>
-          </a:blip>
-          <a:srcRect/>
-          <a:stretch>
-            <a:fillRect/>
-          </a:stretch>
-        </p:blipFill>
-        <p:spPr bwMode="auto">
-          <a:xfrm>
-            <a:off x="5562601" y="1375345"/>
-            <a:ext cx="6319742" cy="4107309"/>
+              </a:rPr>
+              <a:t>有著更好的表現，適當模型複雜度的增加有助於提升準確度。</a:t>
+            </a:r>
+          </a:p>
+        </p:txBody>
+      </p:sp>
+      <p:sp>
+        <p:nvSpPr>
+          <p:cNvPr id="7" name="文字方塊 6">
+            <a:extLst>
+              <a:ext uri="{FF2B5EF4-FFF2-40B4-BE49-F238E27FC236}">
+                <a16:creationId xmlns:a16="http://schemas.microsoft.com/office/drawing/2014/main" id="{D09380A6-D837-1310-0585-E75A5DD8932B}"/>
+              </a:ext>
+            </a:extLst>
+          </p:cNvPr>
+          <p:cNvSpPr txBox="1"/>
+          <p:nvPr/>
+        </p:nvSpPr>
+        <p:spPr>
+          <a:xfrm>
+            <a:off x="1421924" y="1439117"/>
+            <a:ext cx="2264249" cy="369332"/>
           </a:xfrm>
           <a:prstGeom prst="rect">
             <a:avLst/>
           </a:prstGeom>
           <a:noFill/>
-          <a:extLst>
-            <a:ext uri="{909E8E84-426E-40DD-AFC4-6F175D3DCCD1}">
-              <a14:hiddenFill xmlns:a14="http://schemas.microsoft.com/office/drawing/2010/main">
-                <a:solidFill>
-                  <a:srgbClr val="FFFFFF"/>
-                </a:solidFill>
-              </a14:hiddenFill>
-            </a:ext>
-          </a:extLst>
-        </p:spPr>
-      </p:pic>
-      <p:sp>
-        <p:nvSpPr>
-          <p:cNvPr id="11" name="矩形 10">
-            <a:extLst>
-              <a:ext uri="{FF2B5EF4-FFF2-40B4-BE49-F238E27FC236}">
-                <a16:creationId xmlns:a16="http://schemas.microsoft.com/office/drawing/2014/main" id="{24419155-5D02-D514-F41F-458145848231}"/>
-              </a:ext>
-            </a:extLst>
-          </p:cNvPr>
-          <p:cNvSpPr/>
-          <p:nvPr/>
-        </p:nvSpPr>
-        <p:spPr>
-          <a:xfrm>
-            <a:off x="6229350" y="4560225"/>
-            <a:ext cx="2057400" cy="572466"/>
-          </a:xfrm>
-          <a:prstGeom prst="rect">
-            <a:avLst/>
-          </a:prstGeom>
-          <a:noFill/>
-          <a:ln w="38100">
+          <a:ln>
             <a:solidFill>
-              <a:srgbClr val="FF0000"/>
+              <a:schemeClr val="tx1"/>
             </a:solidFill>
           </a:ln>
         </p:spPr>
-        <p:style>
-          <a:lnRef idx="2">
-            <a:schemeClr val="accent1">
-              <a:shade val="15000"/>
-            </a:schemeClr>
-          </a:lnRef>
-          <a:fillRef idx="1">
-            <a:schemeClr val="accent1"/>
-          </a:fillRef>
-          <a:effectRef idx="0">
-            <a:schemeClr val="accent1"/>
-          </a:effectRef>
-          <a:fontRef idx="minor">
-            <a:schemeClr val="lt1"/>
-          </a:fontRef>
-        </p:style>
-        <p:txBody>
-          <a:bodyPr rtlCol="0" anchor="ctr"/>
-          <a:lstStyle/>
-          <a:p>
-            <a:pPr algn="ctr"/>
+        <p:txBody>
+          <a:bodyPr wrap="square">
+            <a:spAutoFit/>
+          </a:bodyPr>
+          <a:lstStyle/>
+          <a:p>
+            <a:r>
+              <a:rPr lang="zh-TW" altLang="en-US" dirty="0">
+                <a:latin typeface="Times New Roman" panose="02020603050405020304" pitchFamily="18" charset="0"/>
+                <a:ea typeface="微軟正黑體" panose="020B0604030504040204" pitchFamily="34" charset="-120"/>
+                <a:cs typeface="Times New Roman" panose="02020603050405020304" pitchFamily="18" charset="0"/>
+              </a:rPr>
+              <a:t>就此題簡單斜拋運動</a:t>
+            </a:r>
+            <a:endParaRPr lang="zh-TW" altLang="en-US" dirty="0"/>
+          </a:p>
+        </p:txBody>
+      </p:sp>
+      <p:sp>
+        <p:nvSpPr>
+          <p:cNvPr id="11" name="文字方塊 10">
+            <a:extLst>
+              <a:ext uri="{FF2B5EF4-FFF2-40B4-BE49-F238E27FC236}">
+                <a16:creationId xmlns:a16="http://schemas.microsoft.com/office/drawing/2014/main" id="{9FF68A2D-C6A2-3D4D-CC00-49C5B72866C9}"/>
+              </a:ext>
+            </a:extLst>
+          </p:cNvPr>
+          <p:cNvSpPr txBox="1"/>
+          <p:nvPr/>
+        </p:nvSpPr>
+        <p:spPr>
+          <a:xfrm>
+            <a:off x="979335" y="2743498"/>
+            <a:ext cx="10383989" cy="369332"/>
+          </a:xfrm>
+          <a:prstGeom prst="rect">
+            <a:avLst/>
+          </a:prstGeom>
+          <a:noFill/>
+        </p:spPr>
+        <p:txBody>
+          <a:bodyPr wrap="square" rtlCol="0">
+            <a:spAutoFit/>
+          </a:bodyPr>
+          <a:lstStyle/>
+          <a:p>
+            <a:r>
+              <a:rPr lang="en-US" altLang="zh-TW" dirty="0">
+                <a:latin typeface="Times New Roman" panose="02020603050405020304" pitchFamily="18" charset="0"/>
+                <a:ea typeface="微軟正黑體" panose="020B0604030504040204" pitchFamily="34" charset="-120"/>
+                <a:cs typeface="Times New Roman" panose="02020603050405020304" pitchFamily="18" charset="0"/>
+              </a:rPr>
+              <a:t>2.</a:t>
+            </a:r>
+            <a:r>
+              <a:rPr lang="zh-TW" altLang="en-US" sz="1800" dirty="0">
+                <a:solidFill>
+                  <a:schemeClr val="accent2">
+                    <a:lumMod val="75000"/>
+                  </a:schemeClr>
+                </a:solidFill>
+                <a:latin typeface="Times New Roman" panose="02020603050405020304" pitchFamily="18" charset="0"/>
+                <a:ea typeface="微軟正黑體" panose="020B0604030504040204" pitchFamily="34" charset="-120"/>
+                <a:cs typeface="Times New Roman" panose="02020603050405020304" pitchFamily="18" charset="0"/>
+              </a:rPr>
+              <a:t>常態分佈</a:t>
+            </a:r>
+            <a:r>
+              <a:rPr lang="zh-TW" altLang="en-US" dirty="0">
+                <a:latin typeface="Times New Roman" panose="02020603050405020304" pitchFamily="18" charset="0"/>
+                <a:ea typeface="微軟正黑體" panose="020B0604030504040204" pitchFamily="34" charset="-120"/>
+                <a:cs typeface="Times New Roman" panose="02020603050405020304" pitchFamily="18" charset="0"/>
+              </a:rPr>
+              <a:t>比起</a:t>
+            </a:r>
+            <a:r>
+              <a:rPr lang="zh-TW" altLang="en-US" sz="1800" dirty="0">
+                <a:solidFill>
+                  <a:schemeClr val="accent1">
+                    <a:lumMod val="75000"/>
+                  </a:schemeClr>
+                </a:solidFill>
+                <a:latin typeface="Times New Roman" panose="02020603050405020304" pitchFamily="18" charset="0"/>
+                <a:ea typeface="微軟正黑體" panose="020B0604030504040204" pitchFamily="34" charset="-120"/>
+                <a:cs typeface="Times New Roman" panose="02020603050405020304" pitchFamily="18" charset="0"/>
+              </a:rPr>
+              <a:t>均值分布</a:t>
+            </a:r>
+            <a:r>
+              <a:rPr lang="zh-TW" altLang="en-US" dirty="0">
+                <a:latin typeface="Times New Roman" panose="02020603050405020304" pitchFamily="18" charset="0"/>
+                <a:ea typeface="微軟正黑體" panose="020B0604030504040204" pitchFamily="34" charset="-120"/>
+                <a:cs typeface="Times New Roman" panose="02020603050405020304" pitchFamily="18" charset="0"/>
+              </a:rPr>
+              <a:t>的訓練資料有著更好的表現，給定集中範圍的資料也有助於提升準確度。</a:t>
+            </a:r>
+          </a:p>
+        </p:txBody>
+      </p:sp>
+      <p:sp>
+        <p:nvSpPr>
+          <p:cNvPr id="12" name="文字方塊 11">
+            <a:extLst>
+              <a:ext uri="{FF2B5EF4-FFF2-40B4-BE49-F238E27FC236}">
+                <a16:creationId xmlns:a16="http://schemas.microsoft.com/office/drawing/2014/main" id="{BF1A0740-9333-4BFC-782B-75938D07F832}"/>
+              </a:ext>
+            </a:extLst>
+          </p:cNvPr>
+          <p:cNvSpPr txBox="1"/>
+          <p:nvPr/>
+        </p:nvSpPr>
+        <p:spPr>
+          <a:xfrm>
+            <a:off x="979335" y="3333750"/>
+            <a:ext cx="10383989" cy="369332"/>
+          </a:xfrm>
+          <a:prstGeom prst="rect">
+            <a:avLst/>
+          </a:prstGeom>
+          <a:noFill/>
+        </p:spPr>
+        <p:txBody>
+          <a:bodyPr wrap="square" rtlCol="0">
+            <a:spAutoFit/>
+          </a:bodyPr>
+          <a:lstStyle/>
+          <a:p>
+            <a:r>
+              <a:rPr lang="en-US" altLang="zh-TW" dirty="0">
+                <a:latin typeface="Times New Roman" panose="02020603050405020304" pitchFamily="18" charset="0"/>
+                <a:ea typeface="微軟正黑體" panose="020B0604030504040204" pitchFamily="34" charset="-120"/>
+                <a:cs typeface="Times New Roman" panose="02020603050405020304" pitchFamily="18" charset="0"/>
+              </a:rPr>
+              <a:t>3.</a:t>
+            </a:r>
+            <a:r>
+              <a:rPr lang="zh-TW" altLang="en-US" sz="1800" dirty="0">
+                <a:solidFill>
+                  <a:schemeClr val="accent2">
+                    <a:lumMod val="75000"/>
+                  </a:schemeClr>
+                </a:solidFill>
+                <a:latin typeface="Times New Roman" panose="02020603050405020304" pitchFamily="18" charset="0"/>
+                <a:ea typeface="微軟正黑體" panose="020B0604030504040204" pitchFamily="34" charset="-120"/>
+                <a:cs typeface="Times New Roman" panose="02020603050405020304" pitchFamily="18" charset="0"/>
+              </a:rPr>
+              <a:t> </a:t>
+            </a:r>
+            <a:r>
+              <a:rPr lang="en-US" altLang="zh-TW" dirty="0">
+                <a:latin typeface="Times New Roman" panose="02020603050405020304" pitchFamily="18" charset="0"/>
+                <a:ea typeface="微軟正黑體" panose="020B0604030504040204" pitchFamily="34" charset="-120"/>
+                <a:cs typeface="Times New Roman" panose="02020603050405020304" pitchFamily="18" charset="0"/>
+              </a:rPr>
+              <a:t>Loss (Residual) </a:t>
+            </a:r>
+            <a:r>
+              <a:rPr lang="zh-TW" altLang="en-US" dirty="0">
+                <a:latin typeface="Times New Roman" panose="02020603050405020304" pitchFamily="18" charset="0"/>
+                <a:ea typeface="微軟正黑體" panose="020B0604030504040204" pitchFamily="34" charset="-120"/>
+                <a:cs typeface="Times New Roman" panose="02020603050405020304" pitchFamily="18" charset="0"/>
+              </a:rPr>
+              <a:t>的絕對值不能一個模型的表現好壞，只能由相對值看出訓練是否完善。</a:t>
+            </a:r>
+          </a:p>
+        </p:txBody>
+      </p:sp>
+      <p:sp>
+        <p:nvSpPr>
+          <p:cNvPr id="13" name="文字方塊 12">
+            <a:extLst>
+              <a:ext uri="{FF2B5EF4-FFF2-40B4-BE49-F238E27FC236}">
+                <a16:creationId xmlns:a16="http://schemas.microsoft.com/office/drawing/2014/main" id="{6D0A8229-9799-0A30-45EE-4073C9C4144B}"/>
+              </a:ext>
+            </a:extLst>
+          </p:cNvPr>
+          <p:cNvSpPr txBox="1"/>
+          <p:nvPr/>
+        </p:nvSpPr>
+        <p:spPr>
+          <a:xfrm>
+            <a:off x="979335" y="3924002"/>
+            <a:ext cx="10383989" cy="369332"/>
+          </a:xfrm>
+          <a:prstGeom prst="rect">
+            <a:avLst/>
+          </a:prstGeom>
+          <a:noFill/>
+        </p:spPr>
+        <p:txBody>
+          <a:bodyPr wrap="square" rtlCol="0">
+            <a:spAutoFit/>
+          </a:bodyPr>
+          <a:lstStyle/>
+          <a:p>
+            <a:r>
+              <a:rPr lang="en-US" altLang="zh-TW" dirty="0">
+                <a:latin typeface="Times New Roman" panose="02020603050405020304" pitchFamily="18" charset="0"/>
+                <a:ea typeface="微軟正黑體" panose="020B0604030504040204" pitchFamily="34" charset="-120"/>
+                <a:cs typeface="Times New Roman" panose="02020603050405020304" pitchFamily="18" charset="0"/>
+              </a:rPr>
+              <a:t>4.</a:t>
+            </a:r>
+            <a:r>
+              <a:rPr lang="zh-TW" altLang="en-US" sz="1800" dirty="0">
+                <a:latin typeface="Times New Roman" panose="02020603050405020304" pitchFamily="18" charset="0"/>
+                <a:ea typeface="微軟正黑體" panose="020B0604030504040204" pitchFamily="34" charset="-120"/>
+                <a:cs typeface="Times New Roman" panose="02020603050405020304" pitchFamily="18" charset="0"/>
+              </a:rPr>
+              <a:t> </a:t>
+            </a:r>
+            <a:r>
+              <a:rPr lang="en-US" altLang="zh-TW" dirty="0">
+                <a:latin typeface="Times New Roman" panose="02020603050405020304" pitchFamily="18" charset="0"/>
+                <a:ea typeface="微軟正黑體" panose="020B0604030504040204" pitchFamily="34" charset="-120"/>
+                <a:cs typeface="Times New Roman" panose="02020603050405020304" pitchFamily="18" charset="0"/>
+              </a:rPr>
+              <a:t>A</a:t>
+            </a:r>
+            <a:r>
+              <a:rPr lang="en-US" altLang="zh-TW" sz="1800" dirty="0">
+                <a:latin typeface="Times New Roman" panose="02020603050405020304" pitchFamily="18" charset="0"/>
+                <a:ea typeface="微軟正黑體" panose="020B0604030504040204" pitchFamily="34" charset="-120"/>
+                <a:cs typeface="Times New Roman" panose="02020603050405020304" pitchFamily="18" charset="0"/>
+              </a:rPr>
+              <a:t>ccuracy </a:t>
+            </a:r>
+            <a:r>
+              <a:rPr lang="zh-TW" altLang="en-US" sz="1800" dirty="0">
+                <a:latin typeface="Times New Roman" panose="02020603050405020304" pitchFamily="18" charset="0"/>
+                <a:ea typeface="微軟正黑體" panose="020B0604030504040204" pitchFamily="34" charset="-120"/>
+                <a:cs typeface="Times New Roman" panose="02020603050405020304" pitchFamily="18" charset="0"/>
+              </a:rPr>
+              <a:t>及 </a:t>
+            </a:r>
+            <a:r>
+              <a:rPr lang="en-US" altLang="zh-TW" sz="1800" dirty="0">
+                <a:latin typeface="Times New Roman" panose="02020603050405020304" pitchFamily="18" charset="0"/>
+                <a:ea typeface="微軟正黑體" panose="020B0604030504040204" pitchFamily="34" charset="-120"/>
+                <a:cs typeface="Times New Roman" panose="02020603050405020304" pitchFamily="18" charset="0"/>
+              </a:rPr>
+              <a:t>Pearson correlation </a:t>
+            </a:r>
+            <a:r>
+              <a:rPr lang="zh-TW" altLang="en-US" sz="1800" dirty="0">
+                <a:latin typeface="Times New Roman" panose="02020603050405020304" pitchFamily="18" charset="0"/>
+                <a:ea typeface="微軟正黑體" panose="020B0604030504040204" pitchFamily="34" charset="-120"/>
+                <a:cs typeface="Times New Roman" panose="02020603050405020304" pitchFamily="18" charset="0"/>
+              </a:rPr>
+              <a:t>有著完全的相依性，兩者皆能夠作為訓練好壞指標</a:t>
+            </a:r>
+            <a:r>
+              <a:rPr lang="zh-TW" altLang="en-US" dirty="0">
+                <a:latin typeface="Times New Roman" panose="02020603050405020304" pitchFamily="18" charset="0"/>
+                <a:ea typeface="微軟正黑體" panose="020B0604030504040204" pitchFamily="34" charset="-120"/>
+                <a:cs typeface="Times New Roman" panose="02020603050405020304" pitchFamily="18" charset="0"/>
+              </a:rPr>
+              <a:t>。</a:t>
+            </a:r>
+          </a:p>
+        </p:txBody>
+      </p:sp>
+      <p:sp>
+        <p:nvSpPr>
+          <p:cNvPr id="14" name="文字方塊 13">
+            <a:extLst>
+              <a:ext uri="{FF2B5EF4-FFF2-40B4-BE49-F238E27FC236}">
+                <a16:creationId xmlns:a16="http://schemas.microsoft.com/office/drawing/2014/main" id="{224D4E3C-0B8C-5A57-4A11-1222EE1A4455}"/>
+              </a:ext>
+            </a:extLst>
+          </p:cNvPr>
+          <p:cNvSpPr txBox="1"/>
+          <p:nvPr/>
+        </p:nvSpPr>
+        <p:spPr>
+          <a:xfrm>
+            <a:off x="979335" y="4514254"/>
+            <a:ext cx="11041215" cy="369332"/>
+          </a:xfrm>
+          <a:prstGeom prst="rect">
+            <a:avLst/>
+          </a:prstGeom>
+          <a:noFill/>
+        </p:spPr>
+        <p:txBody>
+          <a:bodyPr wrap="square" rtlCol="0">
+            <a:spAutoFit/>
+          </a:bodyPr>
+          <a:lstStyle/>
+          <a:p>
+            <a:r>
+              <a:rPr lang="en-US" altLang="zh-TW" dirty="0">
+                <a:latin typeface="Times New Roman" panose="02020603050405020304" pitchFamily="18" charset="0"/>
+                <a:ea typeface="微軟正黑體" panose="020B0604030504040204" pitchFamily="34" charset="-120"/>
+                <a:cs typeface="Times New Roman" panose="02020603050405020304" pitchFamily="18" charset="0"/>
+              </a:rPr>
+              <a:t>5.</a:t>
+            </a:r>
+            <a:r>
+              <a:rPr lang="zh-TW" altLang="en-US" sz="1800" dirty="0">
+                <a:latin typeface="Times New Roman" panose="02020603050405020304" pitchFamily="18" charset="0"/>
+                <a:ea typeface="微軟正黑體" panose="020B0604030504040204" pitchFamily="34" charset="-120"/>
+                <a:cs typeface="Times New Roman" panose="02020603050405020304" pitchFamily="18" charset="0"/>
+              </a:rPr>
+              <a:t> 將速度及角度分開對距離及高度作圖毫無意義，兩者皆預設在範圍內隨機生成，若要進行單一變數分別對</a:t>
+            </a:r>
             <a:endParaRPr lang="zh-TW" altLang="en-US" dirty="0">
-              <a:ln>
-                <a:solidFill>
-                  <a:srgbClr val="FF0000"/>
-                </a:solidFill>
-              </a:ln>
-              <a:solidFill>
-                <a:schemeClr val="tx1"/>
-              </a:solidFill>
+              <a:latin typeface="Times New Roman" panose="02020603050405020304" pitchFamily="18" charset="0"/>
+              <a:ea typeface="微軟正黑體" panose="020B0604030504040204" pitchFamily="34" charset="-120"/>
+              <a:cs typeface="Times New Roman" panose="02020603050405020304" pitchFamily="18" charset="0"/>
             </a:endParaRPr>
+          </a:p>
+        </p:txBody>
+      </p:sp>
+      <p:sp>
+        <p:nvSpPr>
+          <p:cNvPr id="15" name="文字方塊 14">
+            <a:extLst>
+              <a:ext uri="{FF2B5EF4-FFF2-40B4-BE49-F238E27FC236}">
+                <a16:creationId xmlns:a16="http://schemas.microsoft.com/office/drawing/2014/main" id="{301DF3F7-0778-90A0-17BD-AE1BE22A1950}"/>
+              </a:ext>
+            </a:extLst>
+          </p:cNvPr>
+          <p:cNvSpPr txBox="1"/>
+          <p:nvPr/>
+        </p:nvSpPr>
+        <p:spPr>
+          <a:xfrm>
+            <a:off x="1084110" y="5104506"/>
+            <a:ext cx="11041215" cy="369332"/>
+          </a:xfrm>
+          <a:prstGeom prst="rect">
+            <a:avLst/>
+          </a:prstGeom>
+          <a:noFill/>
+        </p:spPr>
+        <p:txBody>
+          <a:bodyPr wrap="square" rtlCol="0">
+            <a:spAutoFit/>
+          </a:bodyPr>
+          <a:lstStyle/>
+          <a:p>
+            <a:r>
+              <a:rPr lang="zh-TW" altLang="en-US" sz="1800" dirty="0">
+                <a:latin typeface="Times New Roman" panose="02020603050405020304" pitchFamily="18" charset="0"/>
+                <a:ea typeface="微軟正黑體" panose="020B0604030504040204" pitchFamily="34" charset="-120"/>
+                <a:cs typeface="Times New Roman" panose="02020603050405020304" pitchFamily="18" charset="0"/>
+              </a:rPr>
+              <a:t>距離及高度比較，需要將分別固定另外一個變數為定值再進行比較，</a:t>
+            </a:r>
+            <a:r>
+              <a:rPr lang="en-US" altLang="zh-TW" sz="1800" dirty="0">
+                <a:latin typeface="Times New Roman" panose="02020603050405020304" pitchFamily="18" charset="0"/>
+                <a:ea typeface="微軟正黑體" panose="020B0604030504040204" pitchFamily="34" charset="-120"/>
+                <a:cs typeface="Times New Roman" panose="02020603050405020304" pitchFamily="18" charset="0"/>
+              </a:rPr>
+              <a:t>3D</a:t>
+            </a:r>
+            <a:r>
+              <a:rPr lang="zh-TW" altLang="en-US" sz="1800" dirty="0">
+                <a:latin typeface="Times New Roman" panose="02020603050405020304" pitchFamily="18" charset="0"/>
+                <a:ea typeface="微軟正黑體" panose="020B0604030504040204" pitchFamily="34" charset="-120"/>
+                <a:cs typeface="Times New Roman" panose="02020603050405020304" pitchFamily="18" charset="0"/>
+              </a:rPr>
+              <a:t>圖更能直接看出趨勢。</a:t>
+            </a:r>
+            <a:endParaRPr lang="zh-TW" altLang="en-US" dirty="0">
+              <a:latin typeface="Times New Roman" panose="02020603050405020304" pitchFamily="18" charset="0"/>
+              <a:ea typeface="微軟正黑體" panose="020B0604030504040204" pitchFamily="34" charset="-120"/>
+              <a:cs typeface="Times New Roman" panose="02020603050405020304" pitchFamily="18" charset="0"/>
+            </a:endParaRPr>
+          </a:p>
+        </p:txBody>
+      </p:sp>
+      <p:sp>
+        <p:nvSpPr>
+          <p:cNvPr id="16" name="投影片編號版面配置區 15">
+            <a:extLst>
+              <a:ext uri="{FF2B5EF4-FFF2-40B4-BE49-F238E27FC236}">
+                <a16:creationId xmlns:a16="http://schemas.microsoft.com/office/drawing/2014/main" id="{95E36FD4-8A8B-F2FB-E30F-FFB68D694B45}"/>
+              </a:ext>
+            </a:extLst>
+          </p:cNvPr>
+          <p:cNvSpPr>
+            <a:spLocks noGrp="1"/>
+          </p:cNvSpPr>
+          <p:nvPr>
+            <p:ph type="sldNum" sz="quarter" idx="12"/>
+          </p:nvPr>
+        </p:nvSpPr>
+        <p:spPr/>
+        <p:txBody>
+          <a:bodyPr/>
+          <a:lstStyle/>
+          <a:p>
+            <a:fld id="{2F24418D-D767-43C9-AF77-C5266DB70D21}" type="slidenum">
+              <a:rPr lang="zh-TW" altLang="en-US" smtClean="0"/>
+              <a:t>12</a:t>
+            </a:fld>
+            <a:endParaRPr lang="zh-TW" altLang="en-US"/>
           </a:p>
         </p:txBody>
       </p:sp>
     </p:spTree>
     <p:extLst>
       <p:ext uri="{BB962C8B-B14F-4D97-AF65-F5344CB8AC3E}">
-        <p14:creationId xmlns:p14="http://schemas.microsoft.com/office/powerpoint/2010/main" val="2872913017"/>
+        <p14:creationId xmlns:p14="http://schemas.microsoft.com/office/powerpoint/2010/main" val="2115953367"/>
       </p:ext>
     </p:extLst>
   </p:cSld>
@@ -5556,7 +7314,7 @@
         </p:nvSpPr>
         <p:spPr>
           <a:xfrm>
-            <a:off x="4529286" y="3105834"/>
+            <a:off x="4604861" y="1943800"/>
             <a:ext cx="2982278" cy="646331"/>
           </a:xfrm>
           <a:prstGeom prst="rect">
@@ -5625,6 +7383,65 @@
               </a:rPr>
               <a:t>期中報告主題</a:t>
             </a:r>
+          </a:p>
+        </p:txBody>
+      </p:sp>
+      <p:pic>
+        <p:nvPicPr>
+          <p:cNvPr id="7" name="圖片 6">
+            <a:extLst>
+              <a:ext uri="{FF2B5EF4-FFF2-40B4-BE49-F238E27FC236}">
+                <a16:creationId xmlns:a16="http://schemas.microsoft.com/office/drawing/2014/main" id="{1847E246-5A87-C54D-2FE4-5A78D16506AF}"/>
+              </a:ext>
+            </a:extLst>
+          </p:cNvPr>
+          <p:cNvPicPr>
+            <a:picLocks noChangeAspect="1"/>
+          </p:cNvPicPr>
+          <p:nvPr/>
+        </p:nvPicPr>
+        <p:blipFill>
+          <a:blip r:embed="rId3"/>
+          <a:stretch>
+            <a:fillRect/>
+          </a:stretch>
+        </p:blipFill>
+        <p:spPr>
+          <a:xfrm>
+            <a:off x="2611610" y="3429000"/>
+            <a:ext cx="7420120" cy="1952663"/>
+          </a:xfrm>
+          <a:prstGeom prst="rect">
+            <a:avLst/>
+          </a:prstGeom>
+        </p:spPr>
+      </p:pic>
+      <p:sp>
+        <p:nvSpPr>
+          <p:cNvPr id="2" name="投影片編號版面配置區 1">
+            <a:extLst>
+              <a:ext uri="{FF2B5EF4-FFF2-40B4-BE49-F238E27FC236}">
+                <a16:creationId xmlns:a16="http://schemas.microsoft.com/office/drawing/2014/main" id="{52870756-CA80-ADAD-EB12-DCFB31C87ECC}"/>
+              </a:ext>
+            </a:extLst>
+          </p:cNvPr>
+          <p:cNvSpPr>
+            <a:spLocks noGrp="1"/>
+          </p:cNvSpPr>
+          <p:nvPr>
+            <p:ph type="sldNum" sz="quarter" idx="12"/>
+          </p:nvPr>
+        </p:nvSpPr>
+        <p:spPr/>
+        <p:txBody>
+          <a:bodyPr/>
+          <a:lstStyle/>
+          <a:p>
+            <a:fld id="{2F24418D-D767-43C9-AF77-C5266DB70D21}" type="slidenum">
+              <a:rPr lang="zh-TW" altLang="en-US" smtClean="0"/>
+              <a:t>2</a:t>
+            </a:fld>
+            <a:endParaRPr lang="zh-TW" altLang="en-US"/>
           </a:p>
         </p:txBody>
       </p:sp>
@@ -5680,8 +7497,8 @@
         </p:nvSpPr>
         <p:spPr>
           <a:xfrm>
-            <a:off x="721298" y="762497"/>
-            <a:ext cx="3635932" cy="338554"/>
+            <a:off x="654623" y="731719"/>
+            <a:ext cx="3496470" cy="400110"/>
           </a:xfrm>
           <a:prstGeom prst="rect">
             <a:avLst/>
@@ -5700,7 +7517,7 @@
           <a:lstStyle/>
           <a:p>
             <a:r>
-              <a:rPr lang="zh-TW" altLang="en-US" sz="1600" dirty="0">
+              <a:rPr lang="zh-TW" altLang="en-US" sz="2000" dirty="0">
                 <a:latin typeface="Times New Roman" panose="02020603050405020304" pitchFamily="18" charset="0"/>
                 <a:ea typeface="微軟正黑體" panose="020B0604030504040204" pitchFamily="34" charset="-120"/>
                 <a:cs typeface="Times New Roman" panose="02020603050405020304" pitchFamily="18" charset="0"/>
@@ -5708,15 +7525,15 @@
               <a:t>均值分布的訓練資料 </a:t>
             </a:r>
             <a:r>
-              <a:rPr lang="en-US" altLang="zh-TW" sz="1600" dirty="0">
+              <a:rPr lang="en-US" altLang="zh-TW" sz="2000" dirty="0">
                 <a:latin typeface="Times New Roman" panose="02020603050405020304" pitchFamily="18" charset="0"/>
                 <a:ea typeface="微軟正黑體" panose="020B0604030504040204" pitchFamily="34" charset="-120"/>
                 <a:cs typeface="Times New Roman" panose="02020603050405020304" pitchFamily="18" charset="0"/>
               </a:rPr>
-              <a:t>(946</a:t>
-            </a:r>
-            <a:r>
-              <a:rPr lang="zh-TW" altLang="en-US" sz="1600" dirty="0">
+              <a:t>(1890</a:t>
+            </a:r>
+            <a:r>
+              <a:rPr lang="zh-TW" altLang="en-US" sz="2000" dirty="0">
                 <a:latin typeface="Times New Roman" panose="02020603050405020304" pitchFamily="18" charset="0"/>
                 <a:ea typeface="微軟正黑體" panose="020B0604030504040204" pitchFamily="34" charset="-120"/>
                 <a:cs typeface="Times New Roman" panose="02020603050405020304" pitchFamily="18" charset="0"/>
@@ -5724,30 +7541,14 @@
               <a:t>筆</a:t>
             </a:r>
             <a:r>
-              <a:rPr lang="en-US" altLang="zh-TW" sz="1600" dirty="0">
+              <a:rPr lang="en-US" altLang="zh-TW" sz="2000" dirty="0">
                 <a:latin typeface="Times New Roman" panose="02020603050405020304" pitchFamily="18" charset="0"/>
                 <a:ea typeface="微軟正黑體" panose="020B0604030504040204" pitchFamily="34" charset="-120"/>
                 <a:cs typeface="Times New Roman" panose="02020603050405020304" pitchFamily="18" charset="0"/>
               </a:rPr>
-              <a:t>):</a:t>
-            </a:r>
-            <a:r>
-              <a:rPr lang="zh-TW" altLang="en-US" sz="1600" dirty="0">
-                <a:latin typeface="Times New Roman" panose="02020603050405020304" pitchFamily="18" charset="0"/>
-                <a:ea typeface="微軟正黑體" panose="020B0604030504040204" pitchFamily="34" charset="-120"/>
-                <a:cs typeface="Times New Roman" panose="02020603050405020304" pitchFamily="18" charset="0"/>
-              </a:rPr>
-              <a:t> </a:t>
-            </a:r>
-            <a:r>
-              <a:rPr lang="en-US" altLang="zh-TW" sz="1600" dirty="0">
-                <a:latin typeface="Times New Roman" panose="02020603050405020304" pitchFamily="18" charset="0"/>
-                <a:ea typeface="微軟正黑體" panose="020B0604030504040204" pitchFamily="34" charset="-120"/>
-                <a:cs typeface="Times New Roman" panose="02020603050405020304" pitchFamily="18" charset="0"/>
-              </a:rPr>
-              <a:t>Model_1 </a:t>
-            </a:r>
-            <a:endParaRPr lang="zh-TW" altLang="en-US" sz="1600" dirty="0">
+              <a:t>)</a:t>
+            </a:r>
+            <a:endParaRPr lang="zh-TW" altLang="en-US" sz="2000" dirty="0">
               <a:latin typeface="Times New Roman" panose="02020603050405020304" pitchFamily="18" charset="0"/>
               <a:ea typeface="微軟正黑體" panose="020B0604030504040204" pitchFamily="34" charset="-120"/>
               <a:cs typeface="Times New Roman" panose="02020603050405020304" pitchFamily="18" charset="0"/>
@@ -5769,8 +7570,8 @@
         </p:nvSpPr>
         <p:spPr>
           <a:xfrm>
-            <a:off x="6587976" y="790603"/>
-            <a:ext cx="3584636" cy="338554"/>
+            <a:off x="6587977" y="762497"/>
+            <a:ext cx="3496469" cy="400110"/>
           </a:xfrm>
           <a:prstGeom prst="rect">
             <a:avLst/>
@@ -5783,13 +7584,13 @@
           </a:solidFill>
         </p:spPr>
         <p:txBody>
-          <a:bodyPr wrap="none" rtlCol="0">
+          <a:bodyPr wrap="square" rtlCol="0">
             <a:spAutoFit/>
           </a:bodyPr>
           <a:lstStyle/>
           <a:p>
             <a:r>
-              <a:rPr lang="zh-TW" altLang="en-US" sz="1600" dirty="0">
+              <a:rPr lang="zh-TW" altLang="en-US" sz="2000" dirty="0">
                 <a:latin typeface="Times New Roman" panose="02020603050405020304" pitchFamily="18" charset="0"/>
                 <a:ea typeface="微軟正黑體" panose="020B0604030504040204" pitchFamily="34" charset="-120"/>
                 <a:cs typeface="Times New Roman" panose="02020603050405020304" pitchFamily="18" charset="0"/>
@@ -5797,15 +7598,15 @@
               <a:t>常態分佈的訓練資料 </a:t>
             </a:r>
             <a:r>
-              <a:rPr lang="en-US" altLang="zh-TW" sz="1600" dirty="0">
+              <a:rPr lang="en-US" altLang="zh-TW" sz="2000" dirty="0">
                 <a:latin typeface="Times New Roman" panose="02020603050405020304" pitchFamily="18" charset="0"/>
                 <a:ea typeface="微軟正黑體" panose="020B0604030504040204" pitchFamily="34" charset="-120"/>
                 <a:cs typeface="Times New Roman" panose="02020603050405020304" pitchFamily="18" charset="0"/>
               </a:rPr>
-              <a:t>(200</a:t>
-            </a:r>
-            <a:r>
-              <a:rPr lang="zh-TW" altLang="en-US" sz="1600" dirty="0">
+              <a:t>(2000</a:t>
+            </a:r>
+            <a:r>
+              <a:rPr lang="zh-TW" altLang="en-US" sz="2000" dirty="0">
                 <a:latin typeface="Times New Roman" panose="02020603050405020304" pitchFamily="18" charset="0"/>
                 <a:ea typeface="微軟正黑體" panose="020B0604030504040204" pitchFamily="34" charset="-120"/>
                 <a:cs typeface="Times New Roman" panose="02020603050405020304" pitchFamily="18" charset="0"/>
@@ -5813,30 +7614,14 @@
               <a:t>筆</a:t>
             </a:r>
             <a:r>
-              <a:rPr lang="en-US" altLang="zh-TW" sz="1600" dirty="0">
+              <a:rPr lang="en-US" altLang="zh-TW" sz="2000" dirty="0">
                 <a:latin typeface="Times New Roman" panose="02020603050405020304" pitchFamily="18" charset="0"/>
                 <a:ea typeface="微軟正黑體" panose="020B0604030504040204" pitchFamily="34" charset="-120"/>
                 <a:cs typeface="Times New Roman" panose="02020603050405020304" pitchFamily="18" charset="0"/>
               </a:rPr>
-              <a:t>):</a:t>
-            </a:r>
-            <a:r>
-              <a:rPr lang="zh-TW" altLang="en-US" sz="1600" dirty="0">
-                <a:latin typeface="Times New Roman" panose="02020603050405020304" pitchFamily="18" charset="0"/>
-                <a:ea typeface="微軟正黑體" panose="020B0604030504040204" pitchFamily="34" charset="-120"/>
-                <a:cs typeface="Times New Roman" panose="02020603050405020304" pitchFamily="18" charset="0"/>
-              </a:rPr>
-              <a:t> </a:t>
-            </a:r>
-            <a:r>
-              <a:rPr lang="en-US" altLang="zh-TW" sz="1600" dirty="0">
-                <a:latin typeface="Times New Roman" panose="02020603050405020304" pitchFamily="18" charset="0"/>
-                <a:ea typeface="微軟正黑體" panose="020B0604030504040204" pitchFamily="34" charset="-120"/>
-                <a:cs typeface="Times New Roman" panose="02020603050405020304" pitchFamily="18" charset="0"/>
-              </a:rPr>
-              <a:t>Model_2</a:t>
-            </a:r>
-            <a:endParaRPr lang="zh-TW" altLang="en-US" sz="1600" dirty="0">
+              <a:t>)</a:t>
+            </a:r>
+            <a:endParaRPr lang="zh-TW" altLang="en-US" sz="2000" dirty="0">
               <a:latin typeface="Times New Roman" panose="02020603050405020304" pitchFamily="18" charset="0"/>
               <a:ea typeface="微軟正黑體" panose="020B0604030504040204" pitchFamily="34" charset="-120"/>
               <a:cs typeface="Times New Roman" panose="02020603050405020304" pitchFamily="18" charset="0"/>
@@ -6061,6 +7846,35 @@
               <a:latin typeface="Times New Roman" panose="02020603050405020304" pitchFamily="18" charset="0"/>
               <a:cs typeface="Times New Roman" panose="02020603050405020304" pitchFamily="18" charset="0"/>
             </a:endParaRPr>
+          </a:p>
+        </p:txBody>
+      </p:sp>
+      <p:sp>
+        <p:nvSpPr>
+          <p:cNvPr id="7" name="投影片編號版面配置區 6">
+            <a:extLst>
+              <a:ext uri="{FF2B5EF4-FFF2-40B4-BE49-F238E27FC236}">
+                <a16:creationId xmlns:a16="http://schemas.microsoft.com/office/drawing/2014/main" id="{577A2F9E-171A-CC64-8595-1B7AD61828D4}"/>
+              </a:ext>
+            </a:extLst>
+          </p:cNvPr>
+          <p:cNvSpPr>
+            <a:spLocks noGrp="1"/>
+          </p:cNvSpPr>
+          <p:nvPr>
+            <p:ph type="sldNum" sz="quarter" idx="12"/>
+          </p:nvPr>
+        </p:nvSpPr>
+        <p:spPr/>
+        <p:txBody>
+          <a:bodyPr/>
+          <a:lstStyle/>
+          <a:p>
+            <a:fld id="{2F24418D-D767-43C9-AF77-C5266DB70D21}" type="slidenum">
+              <a:rPr lang="zh-TW" altLang="en-US" smtClean="0"/>
+              <a:t>3</a:t>
+            </a:fld>
+            <a:endParaRPr lang="zh-TW" altLang="en-US"/>
           </a:p>
         </p:txBody>
       </p:sp>
@@ -6168,7 +7982,7 @@
                 <a:ea typeface="微軟正黑體" panose="020B0604030504040204" pitchFamily="34" charset="-120"/>
                 <a:cs typeface="Times New Roman" panose="02020603050405020304" pitchFamily="18" charset="0"/>
               </a:rPr>
-              <a:t>Model_1 (6,6,2):</a:t>
+              <a:t>Model_1 (6,6,2)</a:t>
             </a:r>
             <a:endParaRPr lang="zh-TW" altLang="en-US" sz="2000" dirty="0">
               <a:latin typeface="Times New Roman" panose="02020603050405020304" pitchFamily="18" charset="0"/>
@@ -6375,6 +8189,35 @@
           </a:p>
         </p:txBody>
       </p:sp>
+      <p:sp>
+        <p:nvSpPr>
+          <p:cNvPr id="2" name="投影片編號版面配置區 1">
+            <a:extLst>
+              <a:ext uri="{FF2B5EF4-FFF2-40B4-BE49-F238E27FC236}">
+                <a16:creationId xmlns:a16="http://schemas.microsoft.com/office/drawing/2014/main" id="{B8716F58-3D1F-DD54-2212-EF86EA9D5144}"/>
+              </a:ext>
+            </a:extLst>
+          </p:cNvPr>
+          <p:cNvSpPr>
+            <a:spLocks noGrp="1"/>
+          </p:cNvSpPr>
+          <p:nvPr>
+            <p:ph type="sldNum" sz="quarter" idx="12"/>
+          </p:nvPr>
+        </p:nvSpPr>
+        <p:spPr/>
+        <p:txBody>
+          <a:bodyPr/>
+          <a:lstStyle/>
+          <a:p>
+            <a:fld id="{2F24418D-D767-43C9-AF77-C5266DB70D21}" type="slidenum">
+              <a:rPr lang="zh-TW" altLang="en-US" smtClean="0"/>
+              <a:t>4</a:t>
+            </a:fld>
+            <a:endParaRPr lang="zh-TW" altLang="en-US"/>
+          </a:p>
+        </p:txBody>
+      </p:sp>
     </p:spTree>
     <p:extLst>
       <p:ext uri="{BB962C8B-B14F-4D97-AF65-F5344CB8AC3E}">
@@ -6687,6 +8530,35 @@
           </p:txBody>
         </p:sp>
       </p:grpSp>
+      <p:sp>
+        <p:nvSpPr>
+          <p:cNvPr id="2" name="投影片編號版面配置區 1">
+            <a:extLst>
+              <a:ext uri="{FF2B5EF4-FFF2-40B4-BE49-F238E27FC236}">
+                <a16:creationId xmlns:a16="http://schemas.microsoft.com/office/drawing/2014/main" id="{D95E7687-6188-3647-384A-B1D251525397}"/>
+              </a:ext>
+            </a:extLst>
+          </p:cNvPr>
+          <p:cNvSpPr>
+            <a:spLocks noGrp="1"/>
+          </p:cNvSpPr>
+          <p:nvPr>
+            <p:ph type="sldNum" sz="quarter" idx="12"/>
+          </p:nvPr>
+        </p:nvSpPr>
+        <p:spPr/>
+        <p:txBody>
+          <a:bodyPr/>
+          <a:lstStyle/>
+          <a:p>
+            <a:fld id="{2F24418D-D767-43C9-AF77-C5266DB70D21}" type="slidenum">
+              <a:rPr lang="zh-TW" altLang="en-US" smtClean="0"/>
+              <a:t>5</a:t>
+            </a:fld>
+            <a:endParaRPr lang="zh-TW" altLang="en-US"/>
+          </a:p>
+        </p:txBody>
+      </p:sp>
     </p:spTree>
     <p:extLst>
       <p:ext uri="{BB962C8B-B14F-4D97-AF65-F5344CB8AC3E}">
@@ -6719,10 +8591,10 @@
       </p:grpSpPr>
       <p:sp>
         <p:nvSpPr>
-          <p:cNvPr id="4" name="文字方塊 3">
-            <a:extLst>
-              <a:ext uri="{FF2B5EF4-FFF2-40B4-BE49-F238E27FC236}">
-                <a16:creationId xmlns:a16="http://schemas.microsoft.com/office/drawing/2014/main" id="{B4E9F746-9A09-4A26-A1DE-B02570371CEC}"/>
+          <p:cNvPr id="6" name="文字方塊 5">
+            <a:extLst>
+              <a:ext uri="{FF2B5EF4-FFF2-40B4-BE49-F238E27FC236}">
+                <a16:creationId xmlns:a16="http://schemas.microsoft.com/office/drawing/2014/main" id="{B7F2B3E0-53B9-C5F8-340A-68FF2EC7BDF9}"/>
               </a:ext>
             </a:extLst>
           </p:cNvPr>
@@ -6731,8 +8603,8 @@
         </p:nvSpPr>
         <p:spPr>
           <a:xfrm>
-            <a:off x="2900993" y="562883"/>
-            <a:ext cx="1018227" cy="369332"/>
+            <a:off x="3914775" y="323318"/>
+            <a:ext cx="1295547" cy="461665"/>
           </a:xfrm>
           <a:prstGeom prst="rect">
             <a:avLst/>
@@ -6751,12 +8623,56 @@
           <a:lstStyle/>
           <a:p>
             <a:r>
+              <a:rPr lang="en-US" altLang="zh-TW" sz="2400" dirty="0">
+                <a:latin typeface="Times New Roman" panose="02020603050405020304" pitchFamily="18" charset="0"/>
+                <a:ea typeface="微軟正黑體" panose="020B0604030504040204" pitchFamily="34" charset="-120"/>
+                <a:cs typeface="Times New Roman" panose="02020603050405020304" pitchFamily="18" charset="0"/>
+              </a:rPr>
+              <a:t>Model_1</a:t>
+            </a:r>
+            <a:endParaRPr lang="zh-TW" altLang="en-US" sz="2400" dirty="0">
+              <a:latin typeface="Times New Roman" panose="02020603050405020304" pitchFamily="18" charset="0"/>
+              <a:ea typeface="微軟正黑體" panose="020B0604030504040204" pitchFamily="34" charset="-120"/>
+              <a:cs typeface="Times New Roman" panose="02020603050405020304" pitchFamily="18" charset="0"/>
+            </a:endParaRPr>
+          </a:p>
+        </p:txBody>
+      </p:sp>
+      <p:sp>
+        <p:nvSpPr>
+          <p:cNvPr id="7" name="文字方塊 6">
+            <a:extLst>
+              <a:ext uri="{FF2B5EF4-FFF2-40B4-BE49-F238E27FC236}">
+                <a16:creationId xmlns:a16="http://schemas.microsoft.com/office/drawing/2014/main" id="{458B2279-7780-E1B1-A652-DD96DEC48D27}"/>
+              </a:ext>
+            </a:extLst>
+          </p:cNvPr>
+          <p:cNvSpPr txBox="1"/>
+          <p:nvPr/>
+        </p:nvSpPr>
+        <p:spPr>
+          <a:xfrm>
+            <a:off x="2461267" y="5224692"/>
+            <a:ext cx="1717137" cy="369332"/>
+          </a:xfrm>
+          <a:prstGeom prst="rect">
+            <a:avLst/>
+          </a:prstGeom>
+          <a:noFill/>
+        </p:spPr>
+        <p:txBody>
+          <a:bodyPr wrap="none" rtlCol="0">
+            <a:spAutoFit/>
+          </a:bodyPr>
+          <a:lstStyle/>
+          <a:p>
+            <a:r>
               <a:rPr lang="en-US" altLang="zh-TW" dirty="0">
                 <a:latin typeface="Times New Roman" panose="02020603050405020304" pitchFamily="18" charset="0"/>
                 <a:ea typeface="微軟正黑體" panose="020B0604030504040204" pitchFamily="34" charset="-120"/>
                 <a:cs typeface="Times New Roman" panose="02020603050405020304" pitchFamily="18" charset="0"/>
               </a:rPr>
-              <a:t>Model_1</a:t>
+              <a:t>Maximum range</a:t>
             </a:r>
             <a:endParaRPr lang="zh-TW" altLang="en-US" dirty="0">
               <a:latin typeface="Times New Roman" panose="02020603050405020304" pitchFamily="18" charset="0"/>
@@ -6766,148 +8682,12 @@
           </a:p>
         </p:txBody>
       </p:sp>
-      <p:pic>
-        <p:nvPicPr>
-          <p:cNvPr id="6" name="圖片 5">
-            <a:extLst>
-              <a:ext uri="{FF2B5EF4-FFF2-40B4-BE49-F238E27FC236}">
-                <a16:creationId xmlns:a16="http://schemas.microsoft.com/office/drawing/2014/main" id="{1EFDD55D-E74C-33F6-AB8A-8A6F68CF58E5}"/>
-              </a:ext>
-            </a:extLst>
-          </p:cNvPr>
-          <p:cNvPicPr>
-            <a:picLocks noChangeAspect="1"/>
-          </p:cNvPicPr>
-          <p:nvPr/>
-        </p:nvPicPr>
-        <p:blipFill rotWithShape="1">
-          <a:blip r:embed="rId2"/>
-          <a:srcRect t="5042"/>
-          <a:stretch/>
-        </p:blipFill>
-        <p:spPr>
-          <a:xfrm>
-            <a:off x="1020239" y="1507413"/>
-            <a:ext cx="4779741" cy="3190876"/>
-          </a:xfrm>
-          <a:prstGeom prst="rect">
-            <a:avLst/>
-          </a:prstGeom>
-          <a:ln>
-            <a:solidFill>
-              <a:schemeClr val="tx1"/>
-            </a:solidFill>
-          </a:ln>
-        </p:spPr>
-      </p:pic>
-      <p:pic>
-        <p:nvPicPr>
-          <p:cNvPr id="8" name="圖片 7">
-            <a:extLst>
-              <a:ext uri="{FF2B5EF4-FFF2-40B4-BE49-F238E27FC236}">
-                <a16:creationId xmlns:a16="http://schemas.microsoft.com/office/drawing/2014/main" id="{5D392EDF-A0AB-57CE-FE4C-FA1D357A05D2}"/>
-              </a:ext>
-            </a:extLst>
-          </p:cNvPr>
-          <p:cNvPicPr>
-            <a:picLocks noChangeAspect="1"/>
-          </p:cNvPicPr>
-          <p:nvPr/>
-        </p:nvPicPr>
-        <p:blipFill rotWithShape="1">
-          <a:blip r:embed="rId2"/>
-          <a:srcRect l="58868" b="95829"/>
-          <a:stretch/>
-        </p:blipFill>
-        <p:spPr>
-          <a:xfrm>
-            <a:off x="1245794" y="5028491"/>
-            <a:ext cx="4328624" cy="300775"/>
-          </a:xfrm>
-          <a:prstGeom prst="rect">
-            <a:avLst/>
-          </a:prstGeom>
-          <a:ln>
-            <a:solidFill>
-              <a:schemeClr val="tx1"/>
-            </a:solidFill>
-          </a:ln>
-        </p:spPr>
-      </p:pic>
-      <p:pic>
-        <p:nvPicPr>
-          <p:cNvPr id="10" name="圖片 9">
-            <a:extLst>
-              <a:ext uri="{FF2B5EF4-FFF2-40B4-BE49-F238E27FC236}">
-                <a16:creationId xmlns:a16="http://schemas.microsoft.com/office/drawing/2014/main" id="{1C8827DA-6CD7-2430-8A96-8C1EA95AFE62}"/>
-              </a:ext>
-            </a:extLst>
-          </p:cNvPr>
-          <p:cNvPicPr>
-            <a:picLocks noChangeAspect="1"/>
-          </p:cNvPicPr>
-          <p:nvPr/>
-        </p:nvPicPr>
-        <p:blipFill rotWithShape="1">
-          <a:blip r:embed="rId3"/>
-          <a:srcRect t="6035"/>
-          <a:stretch/>
-        </p:blipFill>
-        <p:spPr>
-          <a:xfrm>
-            <a:off x="6818207" y="1507413"/>
-            <a:ext cx="4903566" cy="3190876"/>
-          </a:xfrm>
-          <a:prstGeom prst="rect">
-            <a:avLst/>
-          </a:prstGeom>
-          <a:ln>
-            <a:solidFill>
-              <a:schemeClr val="tx1"/>
-            </a:solidFill>
-          </a:ln>
-        </p:spPr>
-      </p:pic>
-      <p:pic>
-        <p:nvPicPr>
-          <p:cNvPr id="12" name="圖片 11">
-            <a:extLst>
-              <a:ext uri="{FF2B5EF4-FFF2-40B4-BE49-F238E27FC236}">
-                <a16:creationId xmlns:a16="http://schemas.microsoft.com/office/drawing/2014/main" id="{D1BDD67D-CE54-356D-F7E5-4946603F5ED8}"/>
-              </a:ext>
-            </a:extLst>
-          </p:cNvPr>
-          <p:cNvPicPr>
-            <a:picLocks noChangeAspect="1"/>
-          </p:cNvPicPr>
-          <p:nvPr/>
-        </p:nvPicPr>
-        <p:blipFill rotWithShape="1">
-          <a:blip r:embed="rId3"/>
-          <a:srcRect l="60555" t="50" b="95806"/>
-          <a:stretch/>
-        </p:blipFill>
-        <p:spPr>
-          <a:xfrm>
-            <a:off x="7480512" y="5009363"/>
-            <a:ext cx="3805681" cy="286381"/>
-          </a:xfrm>
-          <a:prstGeom prst="rect">
-            <a:avLst/>
-          </a:prstGeom>
-          <a:ln>
-            <a:solidFill>
-              <a:schemeClr val="tx1"/>
-            </a:solidFill>
-          </a:ln>
-        </p:spPr>
-      </p:pic>
-      <p:sp>
-        <p:nvSpPr>
-          <p:cNvPr id="13" name="文字方塊 12">
-            <a:extLst>
-              <a:ext uri="{FF2B5EF4-FFF2-40B4-BE49-F238E27FC236}">
-                <a16:creationId xmlns:a16="http://schemas.microsoft.com/office/drawing/2014/main" id="{C0DD1E64-C81C-F1F4-A635-3677B9DF3A36}"/>
+      <p:sp>
+        <p:nvSpPr>
+          <p:cNvPr id="10" name="文字方塊 9">
+            <a:extLst>
+              <a:ext uri="{FF2B5EF4-FFF2-40B4-BE49-F238E27FC236}">
+                <a16:creationId xmlns:a16="http://schemas.microsoft.com/office/drawing/2014/main" id="{E7F52DD2-1DA4-7877-EE32-BDA8A3D05CBD}"/>
               </a:ext>
             </a:extLst>
           </p:cNvPr>
@@ -6916,18 +8696,13 @@
         </p:nvSpPr>
         <p:spPr>
           <a:xfrm>
-            <a:off x="8760875" y="562883"/>
-            <a:ext cx="1018227" cy="369332"/>
-          </a:xfrm>
-          <a:prstGeom prst="rect">
-            <a:avLst/>
-          </a:prstGeom>
-          <a:solidFill>
-            <a:schemeClr val="accent2">
-              <a:lumMod val="20000"/>
-              <a:lumOff val="80000"/>
-            </a:schemeClr>
-          </a:solidFill>
+            <a:off x="8004697" y="5224692"/>
+            <a:ext cx="1781257" cy="369332"/>
+          </a:xfrm>
+          <a:prstGeom prst="rect">
+            <a:avLst/>
+          </a:prstGeom>
+          <a:noFill/>
         </p:spPr>
         <p:txBody>
           <a:bodyPr wrap="none" rtlCol="0">
@@ -6941,7 +8716,7 @@
                 <a:ea typeface="微軟正黑體" panose="020B0604030504040204" pitchFamily="34" charset="-120"/>
                 <a:cs typeface="Times New Roman" panose="02020603050405020304" pitchFamily="18" charset="0"/>
               </a:rPr>
-              <a:t>Model_2</a:t>
+              <a:t>Maximum height</a:t>
             </a:r>
             <a:endParaRPr lang="zh-TW" altLang="en-US" dirty="0">
               <a:latin typeface="Times New Roman" panose="02020603050405020304" pitchFamily="18" charset="0"/>
@@ -6956,7 +8731,7 @@
           <p:cNvPr id="2" name="文字方塊 1">
             <a:extLst>
               <a:ext uri="{FF2B5EF4-FFF2-40B4-BE49-F238E27FC236}">
-                <a16:creationId xmlns:a16="http://schemas.microsoft.com/office/drawing/2014/main" id="{F6C6A743-F09A-4F64-1F2E-46C70DCAA15A}"/>
+                <a16:creationId xmlns:a16="http://schemas.microsoft.com/office/drawing/2014/main" id="{2EA56618-5545-8F4C-C797-CDF5AEF68384}"/>
               </a:ext>
             </a:extLst>
           </p:cNvPr>
@@ -6965,8 +8740,8 @@
         </p:nvSpPr>
         <p:spPr>
           <a:xfrm>
-            <a:off x="607807" y="5563902"/>
-            <a:ext cx="11485870" cy="738664"/>
+            <a:off x="476250" y="5857067"/>
+            <a:ext cx="11715750" cy="523220"/>
           </a:xfrm>
           <a:prstGeom prst="rect">
             <a:avLst/>
@@ -6998,400 +8773,8 @@
                 <a:latin typeface="Times New Roman" panose="02020603050405020304" pitchFamily="18" charset="0"/>
                 <a:cs typeface="Times New Roman" panose="02020603050405020304" pitchFamily="18" charset="0"/>
               </a:rPr>
-              <a:t>igure 3. Diagrams for recording the training and validation residual (loss) and the average accuracy during the entire training history. Record for (a) Model_1 (b) Model_2</a:t>
-            </a:r>
-          </a:p>
-          <a:p>
-            <a:endParaRPr lang="zh-TW" altLang="en-US" sz="1400" dirty="0">
-              <a:latin typeface="Times New Roman" panose="02020603050405020304" pitchFamily="18" charset="0"/>
-              <a:cs typeface="Times New Roman" panose="02020603050405020304" pitchFamily="18" charset="0"/>
-            </a:endParaRPr>
-          </a:p>
-        </p:txBody>
-      </p:sp>
-      <p:grpSp>
-        <p:nvGrpSpPr>
-          <p:cNvPr id="9" name="群組 8">
-            <a:extLst>
-              <a:ext uri="{FF2B5EF4-FFF2-40B4-BE49-F238E27FC236}">
-                <a16:creationId xmlns:a16="http://schemas.microsoft.com/office/drawing/2014/main" id="{82297B26-A805-8675-A961-FE4BCB687BA3}"/>
-              </a:ext>
-            </a:extLst>
-          </p:cNvPr>
-          <p:cNvGrpSpPr/>
-          <p:nvPr/>
-        </p:nvGrpSpPr>
-        <p:grpSpPr>
-          <a:xfrm>
-            <a:off x="607807" y="927168"/>
-            <a:ext cx="6191350" cy="369332"/>
-            <a:chOff x="613362" y="1173277"/>
-            <a:chExt cx="6191350" cy="369332"/>
-          </a:xfrm>
-        </p:grpSpPr>
-        <p:sp>
-          <p:nvSpPr>
-            <p:cNvPr id="11" name="文字方塊 10">
-              <a:extLst>
-                <a:ext uri="{FF2B5EF4-FFF2-40B4-BE49-F238E27FC236}">
-                  <a16:creationId xmlns:a16="http://schemas.microsoft.com/office/drawing/2014/main" id="{BEA212D0-36D1-0170-0471-686FEC302D48}"/>
-                </a:ext>
-              </a:extLst>
-            </p:cNvPr>
-            <p:cNvSpPr txBox="1"/>
-            <p:nvPr/>
-          </p:nvSpPr>
-          <p:spPr>
-            <a:xfrm>
-              <a:off x="613362" y="1173277"/>
-              <a:ext cx="441146" cy="369332"/>
-            </a:xfrm>
-            <a:prstGeom prst="rect">
-              <a:avLst/>
-            </a:prstGeom>
-            <a:noFill/>
-          </p:spPr>
-          <p:txBody>
-            <a:bodyPr wrap="none" rtlCol="0">
-              <a:spAutoFit/>
-            </a:bodyPr>
-            <a:lstStyle/>
-            <a:p>
-              <a:r>
-                <a:rPr lang="en-US" altLang="zh-TW" dirty="0">
-                  <a:latin typeface="Times New Roman" panose="02020603050405020304" pitchFamily="18" charset="0"/>
-                  <a:cs typeface="Times New Roman" panose="02020603050405020304" pitchFamily="18" charset="0"/>
-                </a:rPr>
-                <a:t>(a)</a:t>
-              </a:r>
-              <a:endParaRPr lang="zh-TW" altLang="en-US" dirty="0">
-                <a:latin typeface="Times New Roman" panose="02020603050405020304" pitchFamily="18" charset="0"/>
-                <a:cs typeface="Times New Roman" panose="02020603050405020304" pitchFamily="18" charset="0"/>
-              </a:endParaRPr>
-            </a:p>
-          </p:txBody>
-        </p:sp>
-        <p:sp>
-          <p:nvSpPr>
-            <p:cNvPr id="14" name="文字方塊 13">
-              <a:extLst>
-                <a:ext uri="{FF2B5EF4-FFF2-40B4-BE49-F238E27FC236}">
-                  <a16:creationId xmlns:a16="http://schemas.microsoft.com/office/drawing/2014/main" id="{510167E5-99DC-64E5-52D4-D44971D00501}"/>
-                </a:ext>
-              </a:extLst>
-            </p:cNvPr>
-            <p:cNvSpPr txBox="1"/>
-            <p:nvPr/>
-          </p:nvSpPr>
-          <p:spPr>
-            <a:xfrm>
-              <a:off x="6350742" y="1173277"/>
-              <a:ext cx="453970" cy="369332"/>
-            </a:xfrm>
-            <a:prstGeom prst="rect">
-              <a:avLst/>
-            </a:prstGeom>
-            <a:noFill/>
-          </p:spPr>
-          <p:txBody>
-            <a:bodyPr wrap="none" rtlCol="0">
-              <a:spAutoFit/>
-            </a:bodyPr>
-            <a:lstStyle/>
-            <a:p>
-              <a:r>
-                <a:rPr lang="en-US" altLang="zh-TW" dirty="0">
-                  <a:latin typeface="Times New Roman" panose="02020603050405020304" pitchFamily="18" charset="0"/>
-                  <a:cs typeface="Times New Roman" panose="02020603050405020304" pitchFamily="18" charset="0"/>
-                </a:rPr>
-                <a:t>(b)</a:t>
-              </a:r>
-              <a:endParaRPr lang="zh-TW" altLang="en-US" dirty="0">
-                <a:latin typeface="Times New Roman" panose="02020603050405020304" pitchFamily="18" charset="0"/>
-                <a:cs typeface="Times New Roman" panose="02020603050405020304" pitchFamily="18" charset="0"/>
-              </a:endParaRPr>
-            </a:p>
-          </p:txBody>
-        </p:sp>
-      </p:grpSp>
-    </p:spTree>
-    <p:extLst>
-      <p:ext uri="{BB962C8B-B14F-4D97-AF65-F5344CB8AC3E}">
-        <p14:creationId xmlns:p14="http://schemas.microsoft.com/office/powerpoint/2010/main" val="3873292029"/>
-      </p:ext>
-    </p:extLst>
-  </p:cSld>
-  <p:clrMapOvr>
-    <a:masterClrMapping/>
-  </p:clrMapOvr>
-</p:sld>
-</file>
-
-<file path=ppt/slides/slide7.xml><?xml version="1.0" encoding="utf-8"?>
-<p:sld xmlns:a="http://schemas.openxmlformats.org/drawingml/2006/main" xmlns:r="http://schemas.openxmlformats.org/officeDocument/2006/relationships" xmlns:p="http://schemas.openxmlformats.org/presentationml/2006/main">
-  <p:cSld>
-    <p:spTree>
-      <p:nvGrpSpPr>
-        <p:cNvPr id="1" name=""/>
-        <p:cNvGrpSpPr/>
-        <p:nvPr/>
-      </p:nvGrpSpPr>
-      <p:grpSpPr>
-        <a:xfrm>
-          <a:off x="0" y="0"/>
-          <a:ext cx="0" cy="0"/>
-          <a:chOff x="0" y="0"/>
-          <a:chExt cx="0" cy="0"/>
-        </a:xfrm>
-      </p:grpSpPr>
-      <p:pic>
-        <p:nvPicPr>
-          <p:cNvPr id="5" name="圖片 4">
-            <a:extLst>
-              <a:ext uri="{FF2B5EF4-FFF2-40B4-BE49-F238E27FC236}">
-                <a16:creationId xmlns:a16="http://schemas.microsoft.com/office/drawing/2014/main" id="{A2990AD2-B790-DD3C-24F8-08B87ACB9D83}"/>
-              </a:ext>
-            </a:extLst>
-          </p:cNvPr>
-          <p:cNvPicPr>
-            <a:picLocks noChangeAspect="1"/>
-          </p:cNvPicPr>
-          <p:nvPr/>
-        </p:nvPicPr>
-        <p:blipFill>
-          <a:blip r:embed="rId2"/>
-          <a:stretch>
-            <a:fillRect/>
-          </a:stretch>
-        </p:blipFill>
-        <p:spPr>
-          <a:xfrm>
-            <a:off x="1249629" y="962900"/>
-            <a:ext cx="4384068" cy="3998749"/>
-          </a:xfrm>
-          <a:prstGeom prst="rect">
-            <a:avLst/>
-          </a:prstGeom>
-        </p:spPr>
-      </p:pic>
-      <p:sp>
-        <p:nvSpPr>
-          <p:cNvPr id="6" name="文字方塊 5">
-            <a:extLst>
-              <a:ext uri="{FF2B5EF4-FFF2-40B4-BE49-F238E27FC236}">
-                <a16:creationId xmlns:a16="http://schemas.microsoft.com/office/drawing/2014/main" id="{B7F2B3E0-53B9-C5F8-340A-68FF2EC7BDF9}"/>
-              </a:ext>
-            </a:extLst>
-          </p:cNvPr>
-          <p:cNvSpPr txBox="1"/>
-          <p:nvPr/>
-        </p:nvSpPr>
-        <p:spPr>
-          <a:xfrm>
-            <a:off x="474251" y="358326"/>
-            <a:ext cx="1380506" cy="461665"/>
-          </a:xfrm>
-          <a:prstGeom prst="rect">
-            <a:avLst/>
-          </a:prstGeom>
-          <a:solidFill>
-            <a:schemeClr val="accent1">
-              <a:lumMod val="20000"/>
-              <a:lumOff val="80000"/>
-            </a:schemeClr>
-          </a:solidFill>
-        </p:spPr>
-        <p:txBody>
-          <a:bodyPr wrap="none" rtlCol="0">
-            <a:spAutoFit/>
-          </a:bodyPr>
-          <a:lstStyle/>
-          <a:p>
-            <a:r>
-              <a:rPr lang="en-US" altLang="zh-TW" sz="2400" dirty="0">
-                <a:latin typeface="Times New Roman" panose="02020603050405020304" pitchFamily="18" charset="0"/>
-                <a:ea typeface="微軟正黑體" panose="020B0604030504040204" pitchFamily="34" charset="-120"/>
-                <a:cs typeface="Times New Roman" panose="02020603050405020304" pitchFamily="18" charset="0"/>
-              </a:rPr>
-              <a:t>Model_1:</a:t>
-            </a:r>
-            <a:endParaRPr lang="zh-TW" altLang="en-US" sz="2400" dirty="0">
-              <a:latin typeface="Times New Roman" panose="02020603050405020304" pitchFamily="18" charset="0"/>
-              <a:ea typeface="微軟正黑體" panose="020B0604030504040204" pitchFamily="34" charset="-120"/>
-              <a:cs typeface="Times New Roman" panose="02020603050405020304" pitchFamily="18" charset="0"/>
-            </a:endParaRPr>
-          </a:p>
-        </p:txBody>
-      </p:sp>
-      <p:sp>
-        <p:nvSpPr>
-          <p:cNvPr id="7" name="文字方塊 6">
-            <a:extLst>
-              <a:ext uri="{FF2B5EF4-FFF2-40B4-BE49-F238E27FC236}">
-                <a16:creationId xmlns:a16="http://schemas.microsoft.com/office/drawing/2014/main" id="{458B2279-7780-E1B1-A652-DD96DEC48D27}"/>
-              </a:ext>
-            </a:extLst>
-          </p:cNvPr>
-          <p:cNvSpPr txBox="1"/>
-          <p:nvPr/>
-        </p:nvSpPr>
-        <p:spPr>
-          <a:xfrm>
-            <a:off x="2461267" y="5224692"/>
-            <a:ext cx="1717137" cy="369332"/>
-          </a:xfrm>
-          <a:prstGeom prst="rect">
-            <a:avLst/>
-          </a:prstGeom>
-          <a:noFill/>
-        </p:spPr>
-        <p:txBody>
-          <a:bodyPr wrap="none" rtlCol="0">
-            <a:spAutoFit/>
-          </a:bodyPr>
-          <a:lstStyle/>
-          <a:p>
-            <a:r>
-              <a:rPr lang="en-US" altLang="zh-TW" dirty="0">
-                <a:latin typeface="Times New Roman" panose="02020603050405020304" pitchFamily="18" charset="0"/>
-                <a:ea typeface="微軟正黑體" panose="020B0604030504040204" pitchFamily="34" charset="-120"/>
-                <a:cs typeface="Times New Roman" panose="02020603050405020304" pitchFamily="18" charset="0"/>
-              </a:rPr>
-              <a:t>Maximum range</a:t>
-            </a:r>
-            <a:endParaRPr lang="zh-TW" altLang="en-US" dirty="0">
-              <a:latin typeface="Times New Roman" panose="02020603050405020304" pitchFamily="18" charset="0"/>
-              <a:ea typeface="微軟正黑體" panose="020B0604030504040204" pitchFamily="34" charset="-120"/>
-              <a:cs typeface="Times New Roman" panose="02020603050405020304" pitchFamily="18" charset="0"/>
-            </a:endParaRPr>
-          </a:p>
-        </p:txBody>
-      </p:sp>
-      <p:pic>
-        <p:nvPicPr>
-          <p:cNvPr id="9" name="圖片 8">
-            <a:extLst>
-              <a:ext uri="{FF2B5EF4-FFF2-40B4-BE49-F238E27FC236}">
-                <a16:creationId xmlns:a16="http://schemas.microsoft.com/office/drawing/2014/main" id="{EFE663D4-12C1-2DCB-965F-EA594989CFB4}"/>
-              </a:ext>
-            </a:extLst>
-          </p:cNvPr>
-          <p:cNvPicPr>
-            <a:picLocks noChangeAspect="1"/>
-          </p:cNvPicPr>
-          <p:nvPr/>
-        </p:nvPicPr>
-        <p:blipFill>
-          <a:blip r:embed="rId3"/>
-          <a:stretch>
-            <a:fillRect/>
-          </a:stretch>
-        </p:blipFill>
-        <p:spPr>
-          <a:xfrm>
-            <a:off x="6782810" y="962900"/>
-            <a:ext cx="4227447" cy="3998749"/>
-          </a:xfrm>
-          <a:prstGeom prst="rect">
-            <a:avLst/>
-          </a:prstGeom>
-        </p:spPr>
-      </p:pic>
-      <p:sp>
-        <p:nvSpPr>
-          <p:cNvPr id="10" name="文字方塊 9">
-            <a:extLst>
-              <a:ext uri="{FF2B5EF4-FFF2-40B4-BE49-F238E27FC236}">
-                <a16:creationId xmlns:a16="http://schemas.microsoft.com/office/drawing/2014/main" id="{E7F52DD2-1DA4-7877-EE32-BDA8A3D05CBD}"/>
-              </a:ext>
-            </a:extLst>
-          </p:cNvPr>
-          <p:cNvSpPr txBox="1"/>
-          <p:nvPr/>
-        </p:nvSpPr>
-        <p:spPr>
-          <a:xfrm>
-            <a:off x="8004697" y="5224692"/>
-            <a:ext cx="1781257" cy="369332"/>
-          </a:xfrm>
-          <a:prstGeom prst="rect">
-            <a:avLst/>
-          </a:prstGeom>
-          <a:noFill/>
-        </p:spPr>
-        <p:txBody>
-          <a:bodyPr wrap="none" rtlCol="0">
-            <a:spAutoFit/>
-          </a:bodyPr>
-          <a:lstStyle/>
-          <a:p>
-            <a:r>
-              <a:rPr lang="en-US" altLang="zh-TW" dirty="0">
-                <a:latin typeface="Times New Roman" panose="02020603050405020304" pitchFamily="18" charset="0"/>
-                <a:ea typeface="微軟正黑體" panose="020B0604030504040204" pitchFamily="34" charset="-120"/>
-                <a:cs typeface="Times New Roman" panose="02020603050405020304" pitchFamily="18" charset="0"/>
-              </a:rPr>
-              <a:t>Maximum height</a:t>
-            </a:r>
-            <a:endParaRPr lang="zh-TW" altLang="en-US" dirty="0">
-              <a:latin typeface="Times New Roman" panose="02020603050405020304" pitchFamily="18" charset="0"/>
-              <a:ea typeface="微軟正黑體" panose="020B0604030504040204" pitchFamily="34" charset="-120"/>
-              <a:cs typeface="Times New Roman" panose="02020603050405020304" pitchFamily="18" charset="0"/>
-            </a:endParaRPr>
-          </a:p>
-        </p:txBody>
-      </p:sp>
-      <p:sp>
-        <p:nvSpPr>
-          <p:cNvPr id="2" name="文字方塊 1">
-            <a:extLst>
-              <a:ext uri="{FF2B5EF4-FFF2-40B4-BE49-F238E27FC236}">
-                <a16:creationId xmlns:a16="http://schemas.microsoft.com/office/drawing/2014/main" id="{2EA56618-5545-8F4C-C797-CDF5AEF68384}"/>
-              </a:ext>
-            </a:extLst>
-          </p:cNvPr>
-          <p:cNvSpPr txBox="1"/>
-          <p:nvPr/>
-        </p:nvSpPr>
-        <p:spPr>
-          <a:xfrm>
-            <a:off x="868002" y="5857067"/>
-            <a:ext cx="10455996" cy="738664"/>
-          </a:xfrm>
-          <a:prstGeom prst="rect">
-            <a:avLst/>
-          </a:prstGeom>
-          <a:noFill/>
-        </p:spPr>
-        <p:txBody>
-          <a:bodyPr wrap="square">
-            <a:spAutoFit/>
-          </a:bodyPr>
-          <a:lstStyle/>
-          <a:p>
-            <a:r>
-              <a:rPr lang="en-US" altLang="zh-TW" sz="1400" b="0" i="0" dirty="0">
-                <a:solidFill>
-                  <a:srgbClr val="222222"/>
-                </a:solidFill>
-                <a:effectLst/>
-                <a:latin typeface="Times New Roman" panose="02020603050405020304" pitchFamily="18" charset="0"/>
-                <a:cs typeface="Times New Roman" panose="02020603050405020304" pitchFamily="18" charset="0"/>
-              </a:rPr>
-              <a:t>F</a:t>
-            </a:r>
-            <a:r>
-              <a:rPr lang="en-US" altLang="zh-TW" sz="1400" dirty="0">
-                <a:solidFill>
-                  <a:srgbClr val="222222"/>
-                </a:solidFill>
-                <a:latin typeface="Times New Roman" panose="02020603050405020304" pitchFamily="18" charset="0"/>
-                <a:cs typeface="Times New Roman" panose="02020603050405020304" pitchFamily="18" charset="0"/>
-              </a:rPr>
-              <a:t>igure 4. The distribution of consequences after training procedure, displaying the calculating (a) maximum range and (b) height in Model_1 and (c) maximum range and (d) height in Model_2 </a:t>
-            </a:r>
-          </a:p>
-          <a:p>
+              <a:t>igure 3. The distribution of consequences after training procedure, displaying the calculating (a) maximum range and (b) height with uniform distribution and Model_1</a:t>
+            </a:r>
             <a:endParaRPr lang="zh-TW" altLang="en-US" sz="1400" dirty="0">
               <a:latin typeface="Times New Roman" panose="02020603050405020304" pitchFamily="18" charset="0"/>
               <a:cs typeface="Times New Roman" panose="02020603050405020304" pitchFamily="18" charset="0"/>
@@ -7504,10 +8887,744 @@
           </p:txBody>
         </p:sp>
       </p:grpSp>
+      <p:sp>
+        <p:nvSpPr>
+          <p:cNvPr id="9" name="文字方塊 8">
+            <a:extLst>
+              <a:ext uri="{FF2B5EF4-FFF2-40B4-BE49-F238E27FC236}">
+                <a16:creationId xmlns:a16="http://schemas.microsoft.com/office/drawing/2014/main" id="{6A89D620-362C-B9CB-E9E6-97657C6499AD}"/>
+              </a:ext>
+            </a:extLst>
+          </p:cNvPr>
+          <p:cNvSpPr txBox="1"/>
+          <p:nvPr/>
+        </p:nvSpPr>
+        <p:spPr>
+          <a:xfrm>
+            <a:off x="206726" y="326115"/>
+            <a:ext cx="2656654" cy="461665"/>
+          </a:xfrm>
+          <a:prstGeom prst="rect">
+            <a:avLst/>
+          </a:prstGeom>
+          <a:solidFill>
+            <a:schemeClr val="accent1">
+              <a:lumMod val="20000"/>
+              <a:lumOff val="80000"/>
+            </a:schemeClr>
+          </a:solidFill>
+        </p:spPr>
+        <p:txBody>
+          <a:bodyPr wrap="square" rtlCol="0">
+            <a:spAutoFit/>
+          </a:bodyPr>
+          <a:lstStyle/>
+          <a:p>
+            <a:r>
+              <a:rPr lang="zh-TW" altLang="en-US" sz="2400" dirty="0">
+                <a:latin typeface="Times New Roman" panose="02020603050405020304" pitchFamily="18" charset="0"/>
+                <a:ea typeface="微軟正黑體" panose="020B0604030504040204" pitchFamily="34" charset="-120"/>
+                <a:cs typeface="Times New Roman" panose="02020603050405020304" pitchFamily="18" charset="0"/>
+              </a:rPr>
+              <a:t>均值分布 </a:t>
+            </a:r>
+            <a:r>
+              <a:rPr lang="en-US" altLang="zh-TW" sz="2400" dirty="0">
+                <a:latin typeface="Times New Roman" panose="02020603050405020304" pitchFamily="18" charset="0"/>
+                <a:ea typeface="微軟正黑體" panose="020B0604030504040204" pitchFamily="34" charset="-120"/>
+                <a:cs typeface="Times New Roman" panose="02020603050405020304" pitchFamily="18" charset="0"/>
+              </a:rPr>
+              <a:t>(1890</a:t>
+            </a:r>
+            <a:r>
+              <a:rPr lang="zh-TW" altLang="en-US" sz="2400" dirty="0">
+                <a:latin typeface="Times New Roman" panose="02020603050405020304" pitchFamily="18" charset="0"/>
+                <a:ea typeface="微軟正黑體" panose="020B0604030504040204" pitchFamily="34" charset="-120"/>
+                <a:cs typeface="Times New Roman" panose="02020603050405020304" pitchFamily="18" charset="0"/>
+              </a:rPr>
+              <a:t>筆</a:t>
+            </a:r>
+            <a:r>
+              <a:rPr lang="en-US" altLang="zh-TW" sz="2400" dirty="0">
+                <a:latin typeface="Times New Roman" panose="02020603050405020304" pitchFamily="18" charset="0"/>
+                <a:ea typeface="微軟正黑體" panose="020B0604030504040204" pitchFamily="34" charset="-120"/>
+                <a:cs typeface="Times New Roman" panose="02020603050405020304" pitchFamily="18" charset="0"/>
+              </a:rPr>
+              <a:t>)</a:t>
+            </a:r>
+            <a:endParaRPr lang="zh-TW" altLang="en-US" sz="2400" dirty="0">
+              <a:latin typeface="Times New Roman" panose="02020603050405020304" pitchFamily="18" charset="0"/>
+              <a:ea typeface="微軟正黑體" panose="020B0604030504040204" pitchFamily="34" charset="-120"/>
+              <a:cs typeface="Times New Roman" panose="02020603050405020304" pitchFamily="18" charset="0"/>
+            </a:endParaRPr>
+          </a:p>
+        </p:txBody>
+      </p:sp>
+      <p:sp>
+        <p:nvSpPr>
+          <p:cNvPr id="11" name="文字方塊 10">
+            <a:extLst>
+              <a:ext uri="{FF2B5EF4-FFF2-40B4-BE49-F238E27FC236}">
+                <a16:creationId xmlns:a16="http://schemas.microsoft.com/office/drawing/2014/main" id="{ACC11A2E-D82E-F40C-648D-9575917C190D}"/>
+              </a:ext>
+            </a:extLst>
+          </p:cNvPr>
+          <p:cNvSpPr txBox="1"/>
+          <p:nvPr/>
+        </p:nvSpPr>
+        <p:spPr>
+          <a:xfrm>
+            <a:off x="3019425" y="326114"/>
+            <a:ext cx="739305" cy="461665"/>
+          </a:xfrm>
+          <a:prstGeom prst="rect">
+            <a:avLst/>
+          </a:prstGeom>
+          <a:noFill/>
+        </p:spPr>
+        <p:txBody>
+          <a:bodyPr wrap="none" rtlCol="0">
+            <a:spAutoFit/>
+          </a:bodyPr>
+          <a:lstStyle/>
+          <a:p>
+            <a:r>
+              <a:rPr lang="en-US" altLang="zh-TW" sz="2400" dirty="0">
+                <a:latin typeface="Times New Roman" panose="02020603050405020304" pitchFamily="18" charset="0"/>
+                <a:cs typeface="Times New Roman" panose="02020603050405020304" pitchFamily="18" charset="0"/>
+              </a:rPr>
+              <a:t>with</a:t>
+            </a:r>
+            <a:endParaRPr lang="zh-TW" altLang="en-US" sz="2400" dirty="0">
+              <a:latin typeface="Times New Roman" panose="02020603050405020304" pitchFamily="18" charset="0"/>
+              <a:cs typeface="Times New Roman" panose="02020603050405020304" pitchFamily="18" charset="0"/>
+            </a:endParaRPr>
+          </a:p>
+        </p:txBody>
+      </p:sp>
+      <p:pic>
+        <p:nvPicPr>
+          <p:cNvPr id="15" name="圖片 14">
+            <a:extLst>
+              <a:ext uri="{FF2B5EF4-FFF2-40B4-BE49-F238E27FC236}">
+                <a16:creationId xmlns:a16="http://schemas.microsoft.com/office/drawing/2014/main" id="{DF7B95DD-B32F-34FE-6CA8-49794200E218}"/>
+              </a:ext>
+            </a:extLst>
+          </p:cNvPr>
+          <p:cNvPicPr>
+            <a:picLocks noChangeAspect="1"/>
+          </p:cNvPicPr>
+          <p:nvPr/>
+        </p:nvPicPr>
+        <p:blipFill rotWithShape="1">
+          <a:blip r:embed="rId2"/>
+          <a:srcRect l="3024" b="2260"/>
+          <a:stretch/>
+        </p:blipFill>
+        <p:spPr>
+          <a:xfrm>
+            <a:off x="1480020" y="1257915"/>
+            <a:ext cx="3730302" cy="3702389"/>
+          </a:xfrm>
+          <a:prstGeom prst="rect">
+            <a:avLst/>
+          </a:prstGeom>
+        </p:spPr>
+      </p:pic>
+      <p:pic>
+        <p:nvPicPr>
+          <p:cNvPr id="17" name="圖片 16">
+            <a:extLst>
+              <a:ext uri="{FF2B5EF4-FFF2-40B4-BE49-F238E27FC236}">
+                <a16:creationId xmlns:a16="http://schemas.microsoft.com/office/drawing/2014/main" id="{82B7FCBA-0747-40FD-5EFF-EE4F7E64349C}"/>
+              </a:ext>
+            </a:extLst>
+          </p:cNvPr>
+          <p:cNvPicPr>
+            <a:picLocks noChangeAspect="1"/>
+          </p:cNvPicPr>
+          <p:nvPr/>
+        </p:nvPicPr>
+        <p:blipFill>
+          <a:blip r:embed="rId3"/>
+          <a:stretch>
+            <a:fillRect/>
+          </a:stretch>
+        </p:blipFill>
+        <p:spPr>
+          <a:xfrm>
+            <a:off x="6963753" y="1245419"/>
+            <a:ext cx="3863143" cy="3847752"/>
+          </a:xfrm>
+          <a:prstGeom prst="rect">
+            <a:avLst/>
+          </a:prstGeom>
+        </p:spPr>
+      </p:pic>
+      <p:sp>
+        <p:nvSpPr>
+          <p:cNvPr id="5" name="投影片編號版面配置區 4">
+            <a:extLst>
+              <a:ext uri="{FF2B5EF4-FFF2-40B4-BE49-F238E27FC236}">
+                <a16:creationId xmlns:a16="http://schemas.microsoft.com/office/drawing/2014/main" id="{B50A994B-5DB7-6306-4DA9-7802AE25F01F}"/>
+              </a:ext>
+            </a:extLst>
+          </p:cNvPr>
+          <p:cNvSpPr>
+            <a:spLocks noGrp="1"/>
+          </p:cNvSpPr>
+          <p:nvPr>
+            <p:ph type="sldNum" sz="quarter" idx="12"/>
+          </p:nvPr>
+        </p:nvSpPr>
+        <p:spPr/>
+        <p:txBody>
+          <a:bodyPr/>
+          <a:lstStyle/>
+          <a:p>
+            <a:fld id="{2F24418D-D767-43C9-AF77-C5266DB70D21}" type="slidenum">
+              <a:rPr lang="zh-TW" altLang="en-US" smtClean="0"/>
+              <a:t>6</a:t>
+            </a:fld>
+            <a:endParaRPr lang="zh-TW" altLang="en-US"/>
+          </a:p>
+        </p:txBody>
+      </p:sp>
     </p:spTree>
     <p:extLst>
       <p:ext uri="{BB962C8B-B14F-4D97-AF65-F5344CB8AC3E}">
         <p14:creationId xmlns:p14="http://schemas.microsoft.com/office/powerpoint/2010/main" val="1166762286"/>
+      </p:ext>
+    </p:extLst>
+  </p:cSld>
+  <p:clrMapOvr>
+    <a:masterClrMapping/>
+  </p:clrMapOvr>
+</p:sld>
+</file>
+
+<file path=ppt/slides/slide7.xml><?xml version="1.0" encoding="utf-8"?>
+<p:sld xmlns:a="http://schemas.openxmlformats.org/drawingml/2006/main" xmlns:r="http://schemas.openxmlformats.org/officeDocument/2006/relationships" xmlns:p="http://schemas.openxmlformats.org/presentationml/2006/main">
+  <p:cSld>
+    <p:spTree>
+      <p:nvGrpSpPr>
+        <p:cNvPr id="1" name=""/>
+        <p:cNvGrpSpPr/>
+        <p:nvPr/>
+      </p:nvGrpSpPr>
+      <p:grpSpPr>
+        <a:xfrm>
+          <a:off x="0" y="0"/>
+          <a:ext cx="0" cy="0"/>
+          <a:chOff x="0" y="0"/>
+          <a:chExt cx="0" cy="0"/>
+        </a:xfrm>
+      </p:grpSpPr>
+      <p:sp>
+        <p:nvSpPr>
+          <p:cNvPr id="14" name="文字方塊 13">
+            <a:extLst>
+              <a:ext uri="{FF2B5EF4-FFF2-40B4-BE49-F238E27FC236}">
+                <a16:creationId xmlns:a16="http://schemas.microsoft.com/office/drawing/2014/main" id="{A74EE0C4-3969-39B5-577B-1C17641E3DB4}"/>
+              </a:ext>
+            </a:extLst>
+          </p:cNvPr>
+          <p:cNvSpPr txBox="1"/>
+          <p:nvPr/>
+        </p:nvSpPr>
+        <p:spPr>
+          <a:xfrm>
+            <a:off x="2461267" y="5224692"/>
+            <a:ext cx="1717137" cy="369332"/>
+          </a:xfrm>
+          <a:prstGeom prst="rect">
+            <a:avLst/>
+          </a:prstGeom>
+          <a:noFill/>
+        </p:spPr>
+        <p:txBody>
+          <a:bodyPr wrap="none" rtlCol="0">
+            <a:spAutoFit/>
+          </a:bodyPr>
+          <a:lstStyle/>
+          <a:p>
+            <a:r>
+              <a:rPr lang="en-US" altLang="zh-TW" dirty="0">
+                <a:latin typeface="Times New Roman" panose="02020603050405020304" pitchFamily="18" charset="0"/>
+                <a:ea typeface="微軟正黑體" panose="020B0604030504040204" pitchFamily="34" charset="-120"/>
+                <a:cs typeface="Times New Roman" panose="02020603050405020304" pitchFamily="18" charset="0"/>
+              </a:rPr>
+              <a:t>Maximum range</a:t>
+            </a:r>
+            <a:endParaRPr lang="zh-TW" altLang="en-US" dirty="0">
+              <a:latin typeface="Times New Roman" panose="02020603050405020304" pitchFamily="18" charset="0"/>
+              <a:ea typeface="微軟正黑體" panose="020B0604030504040204" pitchFamily="34" charset="-120"/>
+              <a:cs typeface="Times New Roman" panose="02020603050405020304" pitchFamily="18" charset="0"/>
+            </a:endParaRPr>
+          </a:p>
+        </p:txBody>
+      </p:sp>
+      <p:sp>
+        <p:nvSpPr>
+          <p:cNvPr id="15" name="文字方塊 14">
+            <a:extLst>
+              <a:ext uri="{FF2B5EF4-FFF2-40B4-BE49-F238E27FC236}">
+                <a16:creationId xmlns:a16="http://schemas.microsoft.com/office/drawing/2014/main" id="{57306504-095F-B6E9-7A3C-A741DBF6F57C}"/>
+              </a:ext>
+            </a:extLst>
+          </p:cNvPr>
+          <p:cNvSpPr txBox="1"/>
+          <p:nvPr/>
+        </p:nvSpPr>
+        <p:spPr>
+          <a:xfrm>
+            <a:off x="8004697" y="5224692"/>
+            <a:ext cx="1781257" cy="369332"/>
+          </a:xfrm>
+          <a:prstGeom prst="rect">
+            <a:avLst/>
+          </a:prstGeom>
+          <a:noFill/>
+        </p:spPr>
+        <p:txBody>
+          <a:bodyPr wrap="none" rtlCol="0">
+            <a:spAutoFit/>
+          </a:bodyPr>
+          <a:lstStyle/>
+          <a:p>
+            <a:r>
+              <a:rPr lang="en-US" altLang="zh-TW" dirty="0">
+                <a:latin typeface="Times New Roman" panose="02020603050405020304" pitchFamily="18" charset="0"/>
+                <a:ea typeface="微軟正黑體" panose="020B0604030504040204" pitchFamily="34" charset="-120"/>
+                <a:cs typeface="Times New Roman" panose="02020603050405020304" pitchFamily="18" charset="0"/>
+              </a:rPr>
+              <a:t>Maximum height</a:t>
+            </a:r>
+            <a:endParaRPr lang="zh-TW" altLang="en-US" dirty="0">
+              <a:latin typeface="Times New Roman" panose="02020603050405020304" pitchFamily="18" charset="0"/>
+              <a:ea typeface="微軟正黑體" panose="020B0604030504040204" pitchFamily="34" charset="-120"/>
+              <a:cs typeface="Times New Roman" panose="02020603050405020304" pitchFamily="18" charset="0"/>
+            </a:endParaRPr>
+          </a:p>
+        </p:txBody>
+      </p:sp>
+      <p:grpSp>
+        <p:nvGrpSpPr>
+          <p:cNvPr id="17" name="群組 16">
+            <a:extLst>
+              <a:ext uri="{FF2B5EF4-FFF2-40B4-BE49-F238E27FC236}">
+                <a16:creationId xmlns:a16="http://schemas.microsoft.com/office/drawing/2014/main" id="{A7BB02F0-F7D8-8A80-7DD9-DA417858CFB1}"/>
+              </a:ext>
+            </a:extLst>
+          </p:cNvPr>
+          <p:cNvGrpSpPr/>
+          <p:nvPr/>
+        </p:nvGrpSpPr>
+        <p:grpSpPr>
+          <a:xfrm>
+            <a:off x="591460" y="1079310"/>
+            <a:ext cx="6191350" cy="369332"/>
+            <a:chOff x="613362" y="1173277"/>
+            <a:chExt cx="6191350" cy="369332"/>
+          </a:xfrm>
+        </p:grpSpPr>
+        <p:sp>
+          <p:nvSpPr>
+            <p:cNvPr id="18" name="文字方塊 17">
+              <a:extLst>
+                <a:ext uri="{FF2B5EF4-FFF2-40B4-BE49-F238E27FC236}">
+                  <a16:creationId xmlns:a16="http://schemas.microsoft.com/office/drawing/2014/main" id="{C57CBB45-5D30-C2C7-8A26-EDF08AF9727F}"/>
+                </a:ext>
+              </a:extLst>
+            </p:cNvPr>
+            <p:cNvSpPr txBox="1"/>
+            <p:nvPr/>
+          </p:nvSpPr>
+          <p:spPr>
+            <a:xfrm>
+              <a:off x="613362" y="1173277"/>
+              <a:ext cx="441146" cy="369332"/>
+            </a:xfrm>
+            <a:prstGeom prst="rect">
+              <a:avLst/>
+            </a:prstGeom>
+            <a:noFill/>
+          </p:spPr>
+          <p:txBody>
+            <a:bodyPr wrap="none" rtlCol="0">
+              <a:spAutoFit/>
+            </a:bodyPr>
+            <a:lstStyle/>
+            <a:p>
+              <a:r>
+                <a:rPr lang="en-US" altLang="zh-TW" dirty="0">
+                  <a:latin typeface="Times New Roman" panose="02020603050405020304" pitchFamily="18" charset="0"/>
+                  <a:cs typeface="Times New Roman" panose="02020603050405020304" pitchFamily="18" charset="0"/>
+                </a:rPr>
+                <a:t>(a)</a:t>
+              </a:r>
+              <a:endParaRPr lang="zh-TW" altLang="en-US" dirty="0">
+                <a:latin typeface="Times New Roman" panose="02020603050405020304" pitchFamily="18" charset="0"/>
+                <a:cs typeface="Times New Roman" panose="02020603050405020304" pitchFamily="18" charset="0"/>
+              </a:endParaRPr>
+            </a:p>
+          </p:txBody>
+        </p:sp>
+        <p:sp>
+          <p:nvSpPr>
+            <p:cNvPr id="19" name="文字方塊 18">
+              <a:extLst>
+                <a:ext uri="{FF2B5EF4-FFF2-40B4-BE49-F238E27FC236}">
+                  <a16:creationId xmlns:a16="http://schemas.microsoft.com/office/drawing/2014/main" id="{D5DF95DF-0CB2-DE8D-5F0F-D8567A036B97}"/>
+                </a:ext>
+              </a:extLst>
+            </p:cNvPr>
+            <p:cNvSpPr txBox="1"/>
+            <p:nvPr/>
+          </p:nvSpPr>
+          <p:spPr>
+            <a:xfrm>
+              <a:off x="6350742" y="1173277"/>
+              <a:ext cx="453970" cy="369332"/>
+            </a:xfrm>
+            <a:prstGeom prst="rect">
+              <a:avLst/>
+            </a:prstGeom>
+            <a:noFill/>
+          </p:spPr>
+          <p:txBody>
+            <a:bodyPr wrap="none" rtlCol="0">
+              <a:spAutoFit/>
+            </a:bodyPr>
+            <a:lstStyle/>
+            <a:p>
+              <a:r>
+                <a:rPr lang="en-US" altLang="zh-TW" dirty="0">
+                  <a:latin typeface="Times New Roman" panose="02020603050405020304" pitchFamily="18" charset="0"/>
+                  <a:cs typeface="Times New Roman" panose="02020603050405020304" pitchFamily="18" charset="0"/>
+                </a:rPr>
+                <a:t>(b)</a:t>
+              </a:r>
+              <a:endParaRPr lang="zh-TW" altLang="en-US" dirty="0">
+                <a:latin typeface="Times New Roman" panose="02020603050405020304" pitchFamily="18" charset="0"/>
+                <a:cs typeface="Times New Roman" panose="02020603050405020304" pitchFamily="18" charset="0"/>
+              </a:endParaRPr>
+            </a:p>
+          </p:txBody>
+        </p:sp>
+      </p:grpSp>
+      <p:sp>
+        <p:nvSpPr>
+          <p:cNvPr id="20" name="文字方塊 19">
+            <a:extLst>
+              <a:ext uri="{FF2B5EF4-FFF2-40B4-BE49-F238E27FC236}">
+                <a16:creationId xmlns:a16="http://schemas.microsoft.com/office/drawing/2014/main" id="{4F7B4512-BC7F-DC28-C96D-BEB1DEBA0083}"/>
+              </a:ext>
+            </a:extLst>
+          </p:cNvPr>
+          <p:cNvSpPr txBox="1"/>
+          <p:nvPr/>
+        </p:nvSpPr>
+        <p:spPr>
+          <a:xfrm>
+            <a:off x="206726" y="326115"/>
+            <a:ext cx="2656654" cy="461665"/>
+          </a:xfrm>
+          <a:prstGeom prst="rect">
+            <a:avLst/>
+          </a:prstGeom>
+          <a:solidFill>
+            <a:schemeClr val="accent1">
+              <a:lumMod val="20000"/>
+              <a:lumOff val="80000"/>
+            </a:schemeClr>
+          </a:solidFill>
+        </p:spPr>
+        <p:txBody>
+          <a:bodyPr wrap="square" rtlCol="0">
+            <a:spAutoFit/>
+          </a:bodyPr>
+          <a:lstStyle/>
+          <a:p>
+            <a:r>
+              <a:rPr lang="zh-TW" altLang="en-US" sz="2400" dirty="0">
+                <a:latin typeface="Times New Roman" panose="02020603050405020304" pitchFamily="18" charset="0"/>
+                <a:ea typeface="微軟正黑體" panose="020B0604030504040204" pitchFamily="34" charset="-120"/>
+                <a:cs typeface="Times New Roman" panose="02020603050405020304" pitchFamily="18" charset="0"/>
+              </a:rPr>
+              <a:t>均值分布 </a:t>
+            </a:r>
+            <a:r>
+              <a:rPr lang="en-US" altLang="zh-TW" sz="2400" dirty="0">
+                <a:latin typeface="Times New Roman" panose="02020603050405020304" pitchFamily="18" charset="0"/>
+                <a:ea typeface="微軟正黑體" panose="020B0604030504040204" pitchFamily="34" charset="-120"/>
+                <a:cs typeface="Times New Roman" panose="02020603050405020304" pitchFamily="18" charset="0"/>
+              </a:rPr>
+              <a:t>(1890</a:t>
+            </a:r>
+            <a:r>
+              <a:rPr lang="zh-TW" altLang="en-US" sz="2400" dirty="0">
+                <a:latin typeface="Times New Roman" panose="02020603050405020304" pitchFamily="18" charset="0"/>
+                <a:ea typeface="微軟正黑體" panose="020B0604030504040204" pitchFamily="34" charset="-120"/>
+                <a:cs typeface="Times New Roman" panose="02020603050405020304" pitchFamily="18" charset="0"/>
+              </a:rPr>
+              <a:t>筆</a:t>
+            </a:r>
+            <a:r>
+              <a:rPr lang="en-US" altLang="zh-TW" sz="2400" dirty="0">
+                <a:latin typeface="Times New Roman" panose="02020603050405020304" pitchFamily="18" charset="0"/>
+                <a:ea typeface="微軟正黑體" panose="020B0604030504040204" pitchFamily="34" charset="-120"/>
+                <a:cs typeface="Times New Roman" panose="02020603050405020304" pitchFamily="18" charset="0"/>
+              </a:rPr>
+              <a:t>)</a:t>
+            </a:r>
+            <a:endParaRPr lang="zh-TW" altLang="en-US" sz="2400" dirty="0">
+              <a:latin typeface="Times New Roman" panose="02020603050405020304" pitchFamily="18" charset="0"/>
+              <a:ea typeface="微軟正黑體" panose="020B0604030504040204" pitchFamily="34" charset="-120"/>
+              <a:cs typeface="Times New Roman" panose="02020603050405020304" pitchFamily="18" charset="0"/>
+            </a:endParaRPr>
+          </a:p>
+        </p:txBody>
+      </p:sp>
+      <p:sp>
+        <p:nvSpPr>
+          <p:cNvPr id="21" name="文字方塊 20">
+            <a:extLst>
+              <a:ext uri="{FF2B5EF4-FFF2-40B4-BE49-F238E27FC236}">
+                <a16:creationId xmlns:a16="http://schemas.microsoft.com/office/drawing/2014/main" id="{565E05DE-93DD-5090-2E5F-7DF3F114BAB4}"/>
+              </a:ext>
+            </a:extLst>
+          </p:cNvPr>
+          <p:cNvSpPr txBox="1"/>
+          <p:nvPr/>
+        </p:nvSpPr>
+        <p:spPr>
+          <a:xfrm>
+            <a:off x="3019425" y="326114"/>
+            <a:ext cx="739305" cy="461665"/>
+          </a:xfrm>
+          <a:prstGeom prst="rect">
+            <a:avLst/>
+          </a:prstGeom>
+          <a:noFill/>
+        </p:spPr>
+        <p:txBody>
+          <a:bodyPr wrap="none" rtlCol="0">
+            <a:spAutoFit/>
+          </a:bodyPr>
+          <a:lstStyle/>
+          <a:p>
+            <a:r>
+              <a:rPr lang="en-US" altLang="zh-TW" sz="2400" dirty="0">
+                <a:latin typeface="Times New Roman" panose="02020603050405020304" pitchFamily="18" charset="0"/>
+                <a:cs typeface="Times New Roman" panose="02020603050405020304" pitchFamily="18" charset="0"/>
+              </a:rPr>
+              <a:t>with</a:t>
+            </a:r>
+            <a:endParaRPr lang="zh-TW" altLang="en-US" sz="2400" dirty="0">
+              <a:latin typeface="Times New Roman" panose="02020603050405020304" pitchFamily="18" charset="0"/>
+              <a:cs typeface="Times New Roman" panose="02020603050405020304" pitchFamily="18" charset="0"/>
+            </a:endParaRPr>
+          </a:p>
+        </p:txBody>
+      </p:sp>
+      <p:sp>
+        <p:nvSpPr>
+          <p:cNvPr id="23" name="文字方塊 22">
+            <a:extLst>
+              <a:ext uri="{FF2B5EF4-FFF2-40B4-BE49-F238E27FC236}">
+                <a16:creationId xmlns:a16="http://schemas.microsoft.com/office/drawing/2014/main" id="{33299AF1-0CB5-9EC1-B8CE-321CB0D6B1CC}"/>
+              </a:ext>
+            </a:extLst>
+          </p:cNvPr>
+          <p:cNvSpPr txBox="1"/>
+          <p:nvPr/>
+        </p:nvSpPr>
+        <p:spPr>
+          <a:xfrm>
+            <a:off x="3914775" y="326114"/>
+            <a:ext cx="1295547" cy="461665"/>
+          </a:xfrm>
+          <a:prstGeom prst="rect">
+            <a:avLst/>
+          </a:prstGeom>
+          <a:solidFill>
+            <a:schemeClr val="accent2">
+              <a:lumMod val="20000"/>
+              <a:lumOff val="80000"/>
+            </a:schemeClr>
+          </a:solidFill>
+        </p:spPr>
+        <p:txBody>
+          <a:bodyPr wrap="none" rtlCol="0">
+            <a:spAutoFit/>
+          </a:bodyPr>
+          <a:lstStyle/>
+          <a:p>
+            <a:r>
+              <a:rPr lang="en-US" altLang="zh-TW" sz="2400" dirty="0">
+                <a:latin typeface="Times New Roman" panose="02020603050405020304" pitchFamily="18" charset="0"/>
+                <a:ea typeface="微軟正黑體" panose="020B0604030504040204" pitchFamily="34" charset="-120"/>
+                <a:cs typeface="Times New Roman" panose="02020603050405020304" pitchFamily="18" charset="0"/>
+              </a:rPr>
+              <a:t>Model_2</a:t>
+            </a:r>
+            <a:endParaRPr lang="zh-TW" altLang="en-US" sz="2400" dirty="0">
+              <a:latin typeface="Times New Roman" panose="02020603050405020304" pitchFamily="18" charset="0"/>
+              <a:ea typeface="微軟正黑體" panose="020B0604030504040204" pitchFamily="34" charset="-120"/>
+              <a:cs typeface="Times New Roman" panose="02020603050405020304" pitchFamily="18" charset="0"/>
+            </a:endParaRPr>
+          </a:p>
+        </p:txBody>
+      </p:sp>
+      <p:sp>
+        <p:nvSpPr>
+          <p:cNvPr id="25" name="文字方塊 24">
+            <a:extLst>
+              <a:ext uri="{FF2B5EF4-FFF2-40B4-BE49-F238E27FC236}">
+                <a16:creationId xmlns:a16="http://schemas.microsoft.com/office/drawing/2014/main" id="{71CB34A7-35F5-9438-A6D0-FA3D3BDBBFF7}"/>
+              </a:ext>
+            </a:extLst>
+          </p:cNvPr>
+          <p:cNvSpPr txBox="1"/>
+          <p:nvPr/>
+        </p:nvSpPr>
+        <p:spPr>
+          <a:xfrm>
+            <a:off x="476250" y="5857067"/>
+            <a:ext cx="11715750" cy="523220"/>
+          </a:xfrm>
+          <a:prstGeom prst="rect">
+            <a:avLst/>
+          </a:prstGeom>
+          <a:noFill/>
+        </p:spPr>
+        <p:txBody>
+          <a:bodyPr wrap="square">
+            <a:spAutoFit/>
+          </a:bodyPr>
+          <a:lstStyle/>
+          <a:p>
+            <a:r>
+              <a:rPr lang="en-US" altLang="zh-TW" sz="1400" b="0" i="0" dirty="0">
+                <a:solidFill>
+                  <a:srgbClr val="222222"/>
+                </a:solidFill>
+                <a:effectLst/>
+                <a:latin typeface="Times New Roman" panose="02020603050405020304" pitchFamily="18" charset="0"/>
+                <a:cs typeface="Times New Roman" panose="02020603050405020304" pitchFamily="18" charset="0"/>
+              </a:rPr>
+              <a:t>F</a:t>
+            </a:r>
+            <a:r>
+              <a:rPr lang="en-US" altLang="zh-TW" sz="1400" dirty="0">
+                <a:solidFill>
+                  <a:srgbClr val="222222"/>
+                </a:solidFill>
+                <a:latin typeface="Times New Roman" panose="02020603050405020304" pitchFamily="18" charset="0"/>
+                <a:cs typeface="Times New Roman" panose="02020603050405020304" pitchFamily="18" charset="0"/>
+              </a:rPr>
+              <a:t>igure 4. The distribution of consequences after training procedure, displaying the calculating (a) maximum range and (b) height with uniform distribution and Model_2</a:t>
+            </a:r>
+            <a:endParaRPr lang="zh-TW" altLang="en-US" sz="1400" dirty="0">
+              <a:latin typeface="Times New Roman" panose="02020603050405020304" pitchFamily="18" charset="0"/>
+              <a:cs typeface="Times New Roman" panose="02020603050405020304" pitchFamily="18" charset="0"/>
+            </a:endParaRPr>
+          </a:p>
+        </p:txBody>
+      </p:sp>
+      <p:pic>
+        <p:nvPicPr>
+          <p:cNvPr id="27" name="圖片 26">
+            <a:extLst>
+              <a:ext uri="{FF2B5EF4-FFF2-40B4-BE49-F238E27FC236}">
+                <a16:creationId xmlns:a16="http://schemas.microsoft.com/office/drawing/2014/main" id="{EDD97EEA-1F13-BCA1-1E4D-AEE9F7C4DF88}"/>
+              </a:ext>
+            </a:extLst>
+          </p:cNvPr>
+          <p:cNvPicPr>
+            <a:picLocks noChangeAspect="1"/>
+          </p:cNvPicPr>
+          <p:nvPr/>
+        </p:nvPicPr>
+        <p:blipFill rotWithShape="1">
+          <a:blip r:embed="rId2"/>
+          <a:srcRect l="2347" b="740"/>
+          <a:stretch/>
+        </p:blipFill>
+        <p:spPr>
+          <a:xfrm>
+            <a:off x="1501815" y="1263976"/>
+            <a:ext cx="3657886" cy="3869685"/>
+          </a:xfrm>
+          <a:prstGeom prst="rect">
+            <a:avLst/>
+          </a:prstGeom>
+        </p:spPr>
+      </p:pic>
+      <p:pic>
+        <p:nvPicPr>
+          <p:cNvPr id="29" name="圖片 28">
+            <a:extLst>
+              <a:ext uri="{FF2B5EF4-FFF2-40B4-BE49-F238E27FC236}">
+                <a16:creationId xmlns:a16="http://schemas.microsoft.com/office/drawing/2014/main" id="{1FA787DC-8F94-E699-6AB8-368D82AF722A}"/>
+              </a:ext>
+            </a:extLst>
+          </p:cNvPr>
+          <p:cNvPicPr>
+            <a:picLocks noChangeAspect="1"/>
+          </p:cNvPicPr>
+          <p:nvPr/>
+        </p:nvPicPr>
+        <p:blipFill>
+          <a:blip r:embed="rId3"/>
+          <a:stretch>
+            <a:fillRect/>
+          </a:stretch>
+        </p:blipFill>
+        <p:spPr>
+          <a:xfrm>
+            <a:off x="7022258" y="1415703"/>
+            <a:ext cx="3746134" cy="3677468"/>
+          </a:xfrm>
+          <a:prstGeom prst="rect">
+            <a:avLst/>
+          </a:prstGeom>
+        </p:spPr>
+      </p:pic>
+      <p:sp>
+        <p:nvSpPr>
+          <p:cNvPr id="2" name="投影片編號版面配置區 1">
+            <a:extLst>
+              <a:ext uri="{FF2B5EF4-FFF2-40B4-BE49-F238E27FC236}">
+                <a16:creationId xmlns:a16="http://schemas.microsoft.com/office/drawing/2014/main" id="{854CFA82-62C4-2CEE-2A4C-8665F2F1DCF9}"/>
+              </a:ext>
+            </a:extLst>
+          </p:cNvPr>
+          <p:cNvSpPr>
+            <a:spLocks noGrp="1"/>
+          </p:cNvSpPr>
+          <p:nvPr>
+            <p:ph type="sldNum" sz="quarter" idx="12"/>
+          </p:nvPr>
+        </p:nvSpPr>
+        <p:spPr/>
+        <p:txBody>
+          <a:bodyPr/>
+          <a:lstStyle/>
+          <a:p>
+            <a:fld id="{2F24418D-D767-43C9-AF77-C5266DB70D21}" type="slidenum">
+              <a:rPr lang="zh-TW" altLang="en-US" smtClean="0"/>
+              <a:t>7</a:t>
+            </a:fld>
+            <a:endParaRPr lang="zh-TW" altLang="en-US"/>
+          </a:p>
+        </p:txBody>
+      </p:sp>
+    </p:spTree>
+    <p:extLst>
+      <p:ext uri="{BB962C8B-B14F-4D97-AF65-F5344CB8AC3E}">
+        <p14:creationId xmlns:p14="http://schemas.microsoft.com/office/powerpoint/2010/main" val="3069557801"/>
       </p:ext>
     </p:extLst>
   </p:cSld>
@@ -7536,10 +9653,103 @@
       </p:grpSpPr>
       <p:sp>
         <p:nvSpPr>
+          <p:cNvPr id="4" name="文字方塊 3">
+            <a:extLst>
+              <a:ext uri="{FF2B5EF4-FFF2-40B4-BE49-F238E27FC236}">
+                <a16:creationId xmlns:a16="http://schemas.microsoft.com/office/drawing/2014/main" id="{607FCF76-7639-362D-AC0E-87C2D0636688}"/>
+              </a:ext>
+            </a:extLst>
+          </p:cNvPr>
+          <p:cNvSpPr txBox="1"/>
+          <p:nvPr/>
+        </p:nvSpPr>
+        <p:spPr>
+          <a:xfrm>
+            <a:off x="3914775" y="323318"/>
+            <a:ext cx="1295547" cy="461665"/>
+          </a:xfrm>
+          <a:prstGeom prst="rect">
+            <a:avLst/>
+          </a:prstGeom>
+          <a:solidFill>
+            <a:schemeClr val="accent1">
+              <a:lumMod val="20000"/>
+              <a:lumOff val="80000"/>
+            </a:schemeClr>
+          </a:solidFill>
+        </p:spPr>
+        <p:txBody>
+          <a:bodyPr wrap="none" rtlCol="0">
+            <a:spAutoFit/>
+          </a:bodyPr>
+          <a:lstStyle/>
+          <a:p>
+            <a:r>
+              <a:rPr lang="en-US" altLang="zh-TW" sz="2400" dirty="0">
+                <a:latin typeface="Times New Roman" panose="02020603050405020304" pitchFamily="18" charset="0"/>
+                <a:ea typeface="微軟正黑體" panose="020B0604030504040204" pitchFamily="34" charset="-120"/>
+                <a:cs typeface="Times New Roman" panose="02020603050405020304" pitchFamily="18" charset="0"/>
+              </a:rPr>
+              <a:t>Model_1</a:t>
+            </a:r>
+            <a:endParaRPr lang="zh-TW" altLang="en-US" sz="2400" dirty="0">
+              <a:latin typeface="Times New Roman" panose="02020603050405020304" pitchFamily="18" charset="0"/>
+              <a:ea typeface="微軟正黑體" panose="020B0604030504040204" pitchFamily="34" charset="-120"/>
+              <a:cs typeface="Times New Roman" panose="02020603050405020304" pitchFamily="18" charset="0"/>
+            </a:endParaRPr>
+          </a:p>
+        </p:txBody>
+      </p:sp>
+      <p:sp>
+        <p:nvSpPr>
+          <p:cNvPr id="5" name="文字方塊 4">
+            <a:extLst>
+              <a:ext uri="{FF2B5EF4-FFF2-40B4-BE49-F238E27FC236}">
+                <a16:creationId xmlns:a16="http://schemas.microsoft.com/office/drawing/2014/main" id="{AFF7B9DF-F8F9-86EA-4A01-81A49FBFEFC0}"/>
+              </a:ext>
+            </a:extLst>
+          </p:cNvPr>
+          <p:cNvSpPr txBox="1"/>
+          <p:nvPr/>
+        </p:nvSpPr>
+        <p:spPr>
+          <a:xfrm>
+            <a:off x="2461267" y="5224692"/>
+            <a:ext cx="1717137" cy="369332"/>
+          </a:xfrm>
+          <a:prstGeom prst="rect">
+            <a:avLst/>
+          </a:prstGeom>
+          <a:noFill/>
+        </p:spPr>
+        <p:txBody>
+          <a:bodyPr wrap="none" rtlCol="0">
+            <a:spAutoFit/>
+          </a:bodyPr>
+          <a:lstStyle/>
+          <a:p>
+            <a:r>
+              <a:rPr lang="en-US" altLang="zh-TW" dirty="0">
+                <a:latin typeface="Times New Roman" panose="02020603050405020304" pitchFamily="18" charset="0"/>
+                <a:ea typeface="微軟正黑體" panose="020B0604030504040204" pitchFamily="34" charset="-120"/>
+                <a:cs typeface="Times New Roman" panose="02020603050405020304" pitchFamily="18" charset="0"/>
+              </a:rPr>
+              <a:t>Maximum range</a:t>
+            </a:r>
+            <a:endParaRPr lang="zh-TW" altLang="en-US" dirty="0">
+              <a:latin typeface="Times New Roman" panose="02020603050405020304" pitchFamily="18" charset="0"/>
+              <a:ea typeface="微軟正黑體" panose="020B0604030504040204" pitchFamily="34" charset="-120"/>
+              <a:cs typeface="Times New Roman" panose="02020603050405020304" pitchFamily="18" charset="0"/>
+            </a:endParaRPr>
+          </a:p>
+        </p:txBody>
+      </p:sp>
+      <p:sp>
+        <p:nvSpPr>
           <p:cNvPr id="6" name="文字方塊 5">
             <a:extLst>
               <a:ext uri="{FF2B5EF4-FFF2-40B4-BE49-F238E27FC236}">
-                <a16:creationId xmlns:a16="http://schemas.microsoft.com/office/drawing/2014/main" id="{B7F2B3E0-53B9-C5F8-340A-68FF2EC7BDF9}"/>
+                <a16:creationId xmlns:a16="http://schemas.microsoft.com/office/drawing/2014/main" id="{AF37CE18-55A1-17D7-69C4-24BD28255727}"/>
               </a:ext>
             </a:extLst>
           </p:cNvPr>
@@ -7548,8 +9758,199 @@
         </p:nvSpPr>
         <p:spPr>
           <a:xfrm>
-            <a:off x="474251" y="385390"/>
-            <a:ext cx="1380506" cy="461665"/>
+            <a:off x="8004697" y="5224692"/>
+            <a:ext cx="1781257" cy="369332"/>
+          </a:xfrm>
+          <a:prstGeom prst="rect">
+            <a:avLst/>
+          </a:prstGeom>
+          <a:noFill/>
+        </p:spPr>
+        <p:txBody>
+          <a:bodyPr wrap="none" rtlCol="0">
+            <a:spAutoFit/>
+          </a:bodyPr>
+          <a:lstStyle/>
+          <a:p>
+            <a:r>
+              <a:rPr lang="en-US" altLang="zh-TW" dirty="0">
+                <a:latin typeface="Times New Roman" panose="02020603050405020304" pitchFamily="18" charset="0"/>
+                <a:ea typeface="微軟正黑體" panose="020B0604030504040204" pitchFamily="34" charset="-120"/>
+                <a:cs typeface="Times New Roman" panose="02020603050405020304" pitchFamily="18" charset="0"/>
+              </a:rPr>
+              <a:t>Maximum height</a:t>
+            </a:r>
+            <a:endParaRPr lang="zh-TW" altLang="en-US" dirty="0">
+              <a:latin typeface="Times New Roman" panose="02020603050405020304" pitchFamily="18" charset="0"/>
+              <a:ea typeface="微軟正黑體" panose="020B0604030504040204" pitchFamily="34" charset="-120"/>
+              <a:cs typeface="Times New Roman" panose="02020603050405020304" pitchFamily="18" charset="0"/>
+            </a:endParaRPr>
+          </a:p>
+        </p:txBody>
+      </p:sp>
+      <p:grpSp>
+        <p:nvGrpSpPr>
+          <p:cNvPr id="8" name="群組 7">
+            <a:extLst>
+              <a:ext uri="{FF2B5EF4-FFF2-40B4-BE49-F238E27FC236}">
+                <a16:creationId xmlns:a16="http://schemas.microsoft.com/office/drawing/2014/main" id="{AF09C479-D994-61AD-7345-4ED8C0D40842}"/>
+              </a:ext>
+            </a:extLst>
+          </p:cNvPr>
+          <p:cNvGrpSpPr/>
+          <p:nvPr/>
+        </p:nvGrpSpPr>
+        <p:grpSpPr>
+          <a:xfrm>
+            <a:off x="591460" y="1079310"/>
+            <a:ext cx="6191350" cy="369332"/>
+            <a:chOff x="613362" y="1173277"/>
+            <a:chExt cx="6191350" cy="369332"/>
+          </a:xfrm>
+        </p:grpSpPr>
+        <p:sp>
+          <p:nvSpPr>
+            <p:cNvPr id="9" name="文字方塊 8">
+              <a:extLst>
+                <a:ext uri="{FF2B5EF4-FFF2-40B4-BE49-F238E27FC236}">
+                  <a16:creationId xmlns:a16="http://schemas.microsoft.com/office/drawing/2014/main" id="{FA8A8B3E-1E48-29C6-75DB-E4CC55CD0CC7}"/>
+                </a:ext>
+              </a:extLst>
+            </p:cNvPr>
+            <p:cNvSpPr txBox="1"/>
+            <p:nvPr/>
+          </p:nvSpPr>
+          <p:spPr>
+            <a:xfrm>
+              <a:off x="613362" y="1173277"/>
+              <a:ext cx="441146" cy="369332"/>
+            </a:xfrm>
+            <a:prstGeom prst="rect">
+              <a:avLst/>
+            </a:prstGeom>
+            <a:noFill/>
+          </p:spPr>
+          <p:txBody>
+            <a:bodyPr wrap="none" rtlCol="0">
+              <a:spAutoFit/>
+            </a:bodyPr>
+            <a:lstStyle/>
+            <a:p>
+              <a:r>
+                <a:rPr lang="en-US" altLang="zh-TW" dirty="0">
+                  <a:latin typeface="Times New Roman" panose="02020603050405020304" pitchFamily="18" charset="0"/>
+                  <a:cs typeface="Times New Roman" panose="02020603050405020304" pitchFamily="18" charset="0"/>
+                </a:rPr>
+                <a:t>(a)</a:t>
+              </a:r>
+              <a:endParaRPr lang="zh-TW" altLang="en-US" dirty="0">
+                <a:latin typeface="Times New Roman" panose="02020603050405020304" pitchFamily="18" charset="0"/>
+                <a:cs typeface="Times New Roman" panose="02020603050405020304" pitchFamily="18" charset="0"/>
+              </a:endParaRPr>
+            </a:p>
+          </p:txBody>
+        </p:sp>
+        <p:sp>
+          <p:nvSpPr>
+            <p:cNvPr id="10" name="文字方塊 9">
+              <a:extLst>
+                <a:ext uri="{FF2B5EF4-FFF2-40B4-BE49-F238E27FC236}">
+                  <a16:creationId xmlns:a16="http://schemas.microsoft.com/office/drawing/2014/main" id="{AF6AFF27-EF92-09DF-5FCC-794125E6557A}"/>
+                </a:ext>
+              </a:extLst>
+            </p:cNvPr>
+            <p:cNvSpPr txBox="1"/>
+            <p:nvPr/>
+          </p:nvSpPr>
+          <p:spPr>
+            <a:xfrm>
+              <a:off x="6350742" y="1173277"/>
+              <a:ext cx="453970" cy="369332"/>
+            </a:xfrm>
+            <a:prstGeom prst="rect">
+              <a:avLst/>
+            </a:prstGeom>
+            <a:noFill/>
+          </p:spPr>
+          <p:txBody>
+            <a:bodyPr wrap="none" rtlCol="0">
+              <a:spAutoFit/>
+            </a:bodyPr>
+            <a:lstStyle/>
+            <a:p>
+              <a:r>
+                <a:rPr lang="en-US" altLang="zh-TW" dirty="0">
+                  <a:latin typeface="Times New Roman" panose="02020603050405020304" pitchFamily="18" charset="0"/>
+                  <a:cs typeface="Times New Roman" panose="02020603050405020304" pitchFamily="18" charset="0"/>
+                </a:rPr>
+                <a:t>(b)</a:t>
+              </a:r>
+              <a:endParaRPr lang="zh-TW" altLang="en-US" dirty="0">
+                <a:latin typeface="Times New Roman" panose="02020603050405020304" pitchFamily="18" charset="0"/>
+                <a:cs typeface="Times New Roman" panose="02020603050405020304" pitchFamily="18" charset="0"/>
+              </a:endParaRPr>
+            </a:p>
+          </p:txBody>
+        </p:sp>
+      </p:grpSp>
+      <p:sp>
+        <p:nvSpPr>
+          <p:cNvPr id="12" name="文字方塊 11">
+            <a:extLst>
+              <a:ext uri="{FF2B5EF4-FFF2-40B4-BE49-F238E27FC236}">
+                <a16:creationId xmlns:a16="http://schemas.microsoft.com/office/drawing/2014/main" id="{36F658B6-BC0D-EEA9-E51C-97D6FAA11897}"/>
+              </a:ext>
+            </a:extLst>
+          </p:cNvPr>
+          <p:cNvSpPr txBox="1"/>
+          <p:nvPr/>
+        </p:nvSpPr>
+        <p:spPr>
+          <a:xfrm>
+            <a:off x="3019425" y="326114"/>
+            <a:ext cx="739305" cy="461665"/>
+          </a:xfrm>
+          <a:prstGeom prst="rect">
+            <a:avLst/>
+          </a:prstGeom>
+          <a:noFill/>
+        </p:spPr>
+        <p:txBody>
+          <a:bodyPr wrap="none" rtlCol="0">
+            <a:spAutoFit/>
+          </a:bodyPr>
+          <a:lstStyle/>
+          <a:p>
+            <a:r>
+              <a:rPr lang="en-US" altLang="zh-TW" sz="2400" dirty="0">
+                <a:latin typeface="Times New Roman" panose="02020603050405020304" pitchFamily="18" charset="0"/>
+                <a:cs typeface="Times New Roman" panose="02020603050405020304" pitchFamily="18" charset="0"/>
+              </a:rPr>
+              <a:t>with</a:t>
+            </a:r>
+            <a:endParaRPr lang="zh-TW" altLang="en-US" sz="2400" dirty="0">
+              <a:latin typeface="Times New Roman" panose="02020603050405020304" pitchFamily="18" charset="0"/>
+              <a:cs typeface="Times New Roman" panose="02020603050405020304" pitchFamily="18" charset="0"/>
+            </a:endParaRPr>
+          </a:p>
+        </p:txBody>
+      </p:sp>
+      <p:sp>
+        <p:nvSpPr>
+          <p:cNvPr id="14" name="文字方塊 13">
+            <a:extLst>
+              <a:ext uri="{FF2B5EF4-FFF2-40B4-BE49-F238E27FC236}">
+                <a16:creationId xmlns:a16="http://schemas.microsoft.com/office/drawing/2014/main" id="{001F60DA-ACC3-A904-A7F4-74BD0CBB8006}"/>
+              </a:ext>
+            </a:extLst>
+          </p:cNvPr>
+          <p:cNvSpPr txBox="1"/>
+          <p:nvPr/>
+        </p:nvSpPr>
+        <p:spPr>
+          <a:xfrm>
+            <a:off x="247721" y="323317"/>
+            <a:ext cx="2609951" cy="461665"/>
           </a:xfrm>
           <a:prstGeom prst="rect">
             <a:avLst/>
@@ -7562,18 +9963,42 @@
           </a:solidFill>
         </p:spPr>
         <p:txBody>
-          <a:bodyPr wrap="none" rtlCol="0">
+          <a:bodyPr wrap="square" rtlCol="0">
             <a:spAutoFit/>
           </a:bodyPr>
           <a:lstStyle/>
           <a:p>
             <a:r>
+              <a:rPr lang="zh-TW" altLang="en-US" sz="2400" dirty="0">
+                <a:latin typeface="Times New Roman" panose="02020603050405020304" pitchFamily="18" charset="0"/>
+                <a:ea typeface="微軟正黑體" panose="020B0604030504040204" pitchFamily="34" charset="-120"/>
+                <a:cs typeface="Times New Roman" panose="02020603050405020304" pitchFamily="18" charset="0"/>
+              </a:rPr>
+              <a:t>常態分佈 </a:t>
+            </a:r>
+            <a:r>
               <a:rPr lang="en-US" altLang="zh-TW" sz="2400" dirty="0">
                 <a:latin typeface="Times New Roman" panose="02020603050405020304" pitchFamily="18" charset="0"/>
                 <a:ea typeface="微軟正黑體" panose="020B0604030504040204" pitchFamily="34" charset="-120"/>
                 <a:cs typeface="Times New Roman" panose="02020603050405020304" pitchFamily="18" charset="0"/>
               </a:rPr>
-              <a:t>Model_2:</a:t>
+              <a:t>(2000</a:t>
+            </a:r>
+            <a:r>
+              <a:rPr lang="zh-TW" altLang="en-US" sz="2400" dirty="0">
+                <a:latin typeface="Times New Roman" panose="02020603050405020304" pitchFamily="18" charset="0"/>
+                <a:ea typeface="微軟正黑體" panose="020B0604030504040204" pitchFamily="34" charset="-120"/>
+                <a:cs typeface="Times New Roman" panose="02020603050405020304" pitchFamily="18" charset="0"/>
+              </a:rPr>
+              <a:t>筆</a:t>
+            </a:r>
+            <a:r>
+              <a:rPr lang="en-US" altLang="zh-TW" sz="2400" dirty="0">
+                <a:latin typeface="Times New Roman" panose="02020603050405020304" pitchFamily="18" charset="0"/>
+                <a:ea typeface="微軟正黑體" panose="020B0604030504040204" pitchFamily="34" charset="-120"/>
+                <a:cs typeface="Times New Roman" panose="02020603050405020304" pitchFamily="18" charset="0"/>
+              </a:rPr>
+              <a:t>) </a:t>
             </a:r>
             <a:endParaRPr lang="zh-TW" altLang="en-US" sz="2400" dirty="0">
               <a:latin typeface="Times New Roman" panose="02020603050405020304" pitchFamily="18" charset="0"/>
@@ -7585,10 +10010,10 @@
       </p:sp>
       <p:sp>
         <p:nvSpPr>
-          <p:cNvPr id="7" name="文字方塊 6">
-            <a:extLst>
-              <a:ext uri="{FF2B5EF4-FFF2-40B4-BE49-F238E27FC236}">
-                <a16:creationId xmlns:a16="http://schemas.microsoft.com/office/drawing/2014/main" id="{458B2279-7780-E1B1-A652-DD96DEC48D27}"/>
+          <p:cNvPr id="15" name="文字方塊 14">
+            <a:extLst>
+              <a:ext uri="{FF2B5EF4-FFF2-40B4-BE49-F238E27FC236}">
+                <a16:creationId xmlns:a16="http://schemas.microsoft.com/office/drawing/2014/main" id="{65267CAD-F788-02DB-439F-1EFCE5ED19EF}"/>
               </a:ext>
             </a:extLst>
           </p:cNvPr>
@@ -7597,8 +10022,8 @@
         </p:nvSpPr>
         <p:spPr>
           <a:xfrm>
-            <a:off x="2719795" y="5156109"/>
-            <a:ext cx="1717137" cy="369332"/>
+            <a:off x="476250" y="5857067"/>
+            <a:ext cx="11715750" cy="523220"/>
           </a:xfrm>
           <a:prstGeom prst="rect">
             <a:avLst/>
@@ -7606,77 +10031,45 @@
           <a:noFill/>
         </p:spPr>
         <p:txBody>
-          <a:bodyPr wrap="none" rtlCol="0">
+          <a:bodyPr wrap="square">
             <a:spAutoFit/>
           </a:bodyPr>
           <a:lstStyle/>
           <a:p>
             <a:r>
-              <a:rPr lang="en-US" altLang="zh-TW" dirty="0">
-                <a:latin typeface="Times New Roman" panose="02020603050405020304" pitchFamily="18" charset="0"/>
-                <a:ea typeface="微軟正黑體" panose="020B0604030504040204" pitchFamily="34" charset="-120"/>
-                <a:cs typeface="Times New Roman" panose="02020603050405020304" pitchFamily="18" charset="0"/>
-              </a:rPr>
-              <a:t>Maximum range</a:t>
-            </a:r>
-            <a:endParaRPr lang="zh-TW" altLang="en-US" dirty="0">
+              <a:rPr lang="en-US" altLang="zh-TW" sz="1400" b="0" i="0" dirty="0">
+                <a:solidFill>
+                  <a:srgbClr val="222222"/>
+                </a:solidFill>
+                <a:effectLst/>
+                <a:latin typeface="Times New Roman" panose="02020603050405020304" pitchFamily="18" charset="0"/>
+                <a:cs typeface="Times New Roman" panose="02020603050405020304" pitchFamily="18" charset="0"/>
+              </a:rPr>
+              <a:t>F</a:t>
+            </a:r>
+            <a:r>
+              <a:rPr lang="en-US" altLang="zh-TW" sz="1400" dirty="0">
+                <a:solidFill>
+                  <a:srgbClr val="222222"/>
+                </a:solidFill>
+                <a:latin typeface="Times New Roman" panose="02020603050405020304" pitchFamily="18" charset="0"/>
+                <a:cs typeface="Times New Roman" panose="02020603050405020304" pitchFamily="18" charset="0"/>
+              </a:rPr>
+              <a:t>igure 5. The distribution of consequences after training procedure, displaying the calculating (a) maximum range and (b) height with normal distribution and Model_1</a:t>
+            </a:r>
+            <a:endParaRPr lang="zh-TW" altLang="en-US" sz="1400" dirty="0">
               <a:latin typeface="Times New Roman" panose="02020603050405020304" pitchFamily="18" charset="0"/>
-              <a:ea typeface="微軟正黑體" panose="020B0604030504040204" pitchFamily="34" charset="-120"/>
               <a:cs typeface="Times New Roman" panose="02020603050405020304" pitchFamily="18" charset="0"/>
             </a:endParaRPr>
           </a:p>
         </p:txBody>
       </p:sp>
-      <p:sp>
-        <p:nvSpPr>
-          <p:cNvPr id="10" name="文字方塊 9">
-            <a:extLst>
-              <a:ext uri="{FF2B5EF4-FFF2-40B4-BE49-F238E27FC236}">
-                <a16:creationId xmlns:a16="http://schemas.microsoft.com/office/drawing/2014/main" id="{E7F52DD2-1DA4-7877-EE32-BDA8A3D05CBD}"/>
-              </a:ext>
-            </a:extLst>
-          </p:cNvPr>
-          <p:cNvSpPr txBox="1"/>
-          <p:nvPr/>
-        </p:nvSpPr>
-        <p:spPr>
-          <a:xfrm>
-            <a:off x="8109472" y="5119288"/>
-            <a:ext cx="1781257" cy="369332"/>
-          </a:xfrm>
-          <a:prstGeom prst="rect">
-            <a:avLst/>
-          </a:prstGeom>
-          <a:noFill/>
-        </p:spPr>
-        <p:txBody>
-          <a:bodyPr wrap="none" rtlCol="0">
-            <a:spAutoFit/>
-          </a:bodyPr>
-          <a:lstStyle/>
-          <a:p>
-            <a:r>
-              <a:rPr lang="en-US" altLang="zh-TW" dirty="0">
-                <a:latin typeface="Times New Roman" panose="02020603050405020304" pitchFamily="18" charset="0"/>
-                <a:ea typeface="微軟正黑體" panose="020B0604030504040204" pitchFamily="34" charset="-120"/>
-                <a:cs typeface="Times New Roman" panose="02020603050405020304" pitchFamily="18" charset="0"/>
-              </a:rPr>
-              <a:t>Maximum height</a:t>
-            </a:r>
-            <a:endParaRPr lang="zh-TW" altLang="en-US" dirty="0">
-              <a:latin typeface="Times New Roman" panose="02020603050405020304" pitchFamily="18" charset="0"/>
-              <a:ea typeface="微軟正黑體" panose="020B0604030504040204" pitchFamily="34" charset="-120"/>
-              <a:cs typeface="Times New Roman" panose="02020603050405020304" pitchFamily="18" charset="0"/>
-            </a:endParaRPr>
-          </a:p>
-        </p:txBody>
-      </p:sp>
       <p:pic>
         <p:nvPicPr>
-          <p:cNvPr id="3" name="圖片 2">
-            <a:extLst>
-              <a:ext uri="{FF2B5EF4-FFF2-40B4-BE49-F238E27FC236}">
-                <a16:creationId xmlns:a16="http://schemas.microsoft.com/office/drawing/2014/main" id="{0BEA9EE0-C6C8-37D1-4746-0B53EB83DA90}"/>
+          <p:cNvPr id="17" name="圖片 16">
+            <a:extLst>
+              <a:ext uri="{FF2B5EF4-FFF2-40B4-BE49-F238E27FC236}">
+                <a16:creationId xmlns:a16="http://schemas.microsoft.com/office/drawing/2014/main" id="{F6F15E33-A245-2389-525C-1FC926A11207}"/>
               </a:ext>
             </a:extLst>
           </p:cNvPr>
@@ -7693,8 +10086,539 @@
         </p:blipFill>
         <p:spPr>
           <a:xfrm>
-            <a:off x="1737266" y="1241235"/>
-            <a:ext cx="3682196" cy="3818855"/>
+            <a:off x="1422870" y="1405955"/>
+            <a:ext cx="3787452" cy="3787452"/>
+          </a:xfrm>
+          <a:prstGeom prst="rect">
+            <a:avLst/>
+          </a:prstGeom>
+        </p:spPr>
+      </p:pic>
+      <p:sp>
+        <p:nvSpPr>
+          <p:cNvPr id="18" name="矩形 17">
+            <a:extLst>
+              <a:ext uri="{FF2B5EF4-FFF2-40B4-BE49-F238E27FC236}">
+                <a16:creationId xmlns:a16="http://schemas.microsoft.com/office/drawing/2014/main" id="{28BA4A73-4726-2ECF-6498-EA44BD3AEF65}"/>
+              </a:ext>
+            </a:extLst>
+          </p:cNvPr>
+          <p:cNvSpPr/>
+          <p:nvPr/>
+        </p:nvSpPr>
+        <p:spPr>
+          <a:xfrm>
+            <a:off x="5000625" y="2085975"/>
+            <a:ext cx="209697" cy="1800225"/>
+          </a:xfrm>
+          <a:prstGeom prst="rect">
+            <a:avLst/>
+          </a:prstGeom>
+          <a:solidFill>
+            <a:schemeClr val="bg1"/>
+          </a:solidFill>
+          <a:ln>
+            <a:noFill/>
+          </a:ln>
+        </p:spPr>
+        <p:style>
+          <a:lnRef idx="2">
+            <a:schemeClr val="accent1">
+              <a:shade val="15000"/>
+            </a:schemeClr>
+          </a:lnRef>
+          <a:fillRef idx="1">
+            <a:schemeClr val="accent1"/>
+          </a:fillRef>
+          <a:effectRef idx="0">
+            <a:schemeClr val="accent1"/>
+          </a:effectRef>
+          <a:fontRef idx="minor">
+            <a:schemeClr val="lt1"/>
+          </a:fontRef>
+        </p:style>
+        <p:txBody>
+          <a:bodyPr rtlCol="0" anchor="ctr"/>
+          <a:lstStyle/>
+          <a:p>
+            <a:pPr algn="ctr"/>
+            <a:endParaRPr lang="zh-TW" altLang="en-US">
+              <a:ln>
+                <a:solidFill>
+                  <a:schemeClr val="bg1"/>
+                </a:solidFill>
+              </a:ln>
+              <a:noFill/>
+            </a:endParaRPr>
+          </a:p>
+        </p:txBody>
+      </p:sp>
+      <p:sp>
+        <p:nvSpPr>
+          <p:cNvPr id="19" name="矩形 18">
+            <a:extLst>
+              <a:ext uri="{FF2B5EF4-FFF2-40B4-BE49-F238E27FC236}">
+                <a16:creationId xmlns:a16="http://schemas.microsoft.com/office/drawing/2014/main" id="{0DE03D31-F105-26D3-D705-47224A7F665A}"/>
+              </a:ext>
+            </a:extLst>
+          </p:cNvPr>
+          <p:cNvSpPr/>
+          <p:nvPr/>
+        </p:nvSpPr>
+        <p:spPr>
+          <a:xfrm>
+            <a:off x="3891914" y="4811303"/>
+            <a:ext cx="323851" cy="115253"/>
+          </a:xfrm>
+          <a:prstGeom prst="rect">
+            <a:avLst/>
+          </a:prstGeom>
+          <a:solidFill>
+            <a:schemeClr val="bg1"/>
+          </a:solidFill>
+          <a:ln>
+            <a:noFill/>
+          </a:ln>
+        </p:spPr>
+        <p:style>
+          <a:lnRef idx="2">
+            <a:schemeClr val="accent1">
+              <a:shade val="15000"/>
+            </a:schemeClr>
+          </a:lnRef>
+          <a:fillRef idx="1">
+            <a:schemeClr val="accent1"/>
+          </a:fillRef>
+          <a:effectRef idx="0">
+            <a:schemeClr val="accent1"/>
+          </a:effectRef>
+          <a:fontRef idx="minor">
+            <a:schemeClr val="lt1"/>
+          </a:fontRef>
+        </p:style>
+        <p:txBody>
+          <a:bodyPr rtlCol="0" anchor="ctr"/>
+          <a:lstStyle/>
+          <a:p>
+            <a:pPr algn="ctr"/>
+            <a:endParaRPr lang="zh-TW" altLang="en-US">
+              <a:ln>
+                <a:solidFill>
+                  <a:schemeClr val="bg1"/>
+                </a:solidFill>
+              </a:ln>
+              <a:noFill/>
+            </a:endParaRPr>
+          </a:p>
+        </p:txBody>
+      </p:sp>
+      <p:pic>
+        <p:nvPicPr>
+          <p:cNvPr id="21" name="圖片 20">
+            <a:extLst>
+              <a:ext uri="{FF2B5EF4-FFF2-40B4-BE49-F238E27FC236}">
+                <a16:creationId xmlns:a16="http://schemas.microsoft.com/office/drawing/2014/main" id="{B5149925-9F85-B124-4DB7-CF0141F92AAB}"/>
+              </a:ext>
+            </a:extLst>
+          </p:cNvPr>
+          <p:cNvPicPr>
+            <a:picLocks noChangeAspect="1"/>
+          </p:cNvPicPr>
+          <p:nvPr/>
+        </p:nvPicPr>
+        <p:blipFill rotWithShape="1">
+          <a:blip r:embed="rId3"/>
+          <a:srcRect r="6685"/>
+          <a:stretch/>
+        </p:blipFill>
+        <p:spPr>
+          <a:xfrm>
+            <a:off x="6945829" y="1340464"/>
+            <a:ext cx="3638352" cy="3758422"/>
+          </a:xfrm>
+          <a:prstGeom prst="rect">
+            <a:avLst/>
+          </a:prstGeom>
+        </p:spPr>
+      </p:pic>
+      <p:sp>
+        <p:nvSpPr>
+          <p:cNvPr id="22" name="矩形 21">
+            <a:extLst>
+              <a:ext uri="{FF2B5EF4-FFF2-40B4-BE49-F238E27FC236}">
+                <a16:creationId xmlns:a16="http://schemas.microsoft.com/office/drawing/2014/main" id="{E98B090B-750A-7387-8CC9-75BA34FEF732}"/>
+              </a:ext>
+            </a:extLst>
+          </p:cNvPr>
+          <p:cNvSpPr/>
+          <p:nvPr/>
+        </p:nvSpPr>
+        <p:spPr>
+          <a:xfrm>
+            <a:off x="3555611" y="4823686"/>
+            <a:ext cx="183904" cy="102870"/>
+          </a:xfrm>
+          <a:prstGeom prst="rect">
+            <a:avLst/>
+          </a:prstGeom>
+          <a:solidFill>
+            <a:schemeClr val="bg1"/>
+          </a:solidFill>
+          <a:ln>
+            <a:noFill/>
+          </a:ln>
+        </p:spPr>
+        <p:style>
+          <a:lnRef idx="2">
+            <a:schemeClr val="accent1">
+              <a:shade val="15000"/>
+            </a:schemeClr>
+          </a:lnRef>
+          <a:fillRef idx="1">
+            <a:schemeClr val="accent1"/>
+          </a:fillRef>
+          <a:effectRef idx="0">
+            <a:schemeClr val="accent1"/>
+          </a:effectRef>
+          <a:fontRef idx="minor">
+            <a:schemeClr val="lt1"/>
+          </a:fontRef>
+        </p:style>
+        <p:txBody>
+          <a:bodyPr rtlCol="0" anchor="ctr"/>
+          <a:lstStyle/>
+          <a:p>
+            <a:pPr algn="ctr"/>
+            <a:endParaRPr lang="zh-TW" altLang="en-US">
+              <a:ln>
+                <a:solidFill>
+                  <a:schemeClr val="bg1"/>
+                </a:solidFill>
+              </a:ln>
+              <a:noFill/>
+            </a:endParaRPr>
+          </a:p>
+        </p:txBody>
+      </p:sp>
+      <p:sp>
+        <p:nvSpPr>
+          <p:cNvPr id="23" name="矩形 22">
+            <a:extLst>
+              <a:ext uri="{FF2B5EF4-FFF2-40B4-BE49-F238E27FC236}">
+                <a16:creationId xmlns:a16="http://schemas.microsoft.com/office/drawing/2014/main" id="{5F7622AB-0BB5-591F-13A8-C18D4C454D48}"/>
+              </a:ext>
+            </a:extLst>
+          </p:cNvPr>
+          <p:cNvSpPr/>
+          <p:nvPr/>
+        </p:nvSpPr>
+        <p:spPr>
+          <a:xfrm>
+            <a:off x="3574826" y="4850153"/>
+            <a:ext cx="183904" cy="102870"/>
+          </a:xfrm>
+          <a:prstGeom prst="rect">
+            <a:avLst/>
+          </a:prstGeom>
+          <a:solidFill>
+            <a:schemeClr val="bg1"/>
+          </a:solidFill>
+          <a:ln>
+            <a:noFill/>
+          </a:ln>
+        </p:spPr>
+        <p:style>
+          <a:lnRef idx="2">
+            <a:schemeClr val="accent1">
+              <a:shade val="15000"/>
+            </a:schemeClr>
+          </a:lnRef>
+          <a:fillRef idx="1">
+            <a:schemeClr val="accent1"/>
+          </a:fillRef>
+          <a:effectRef idx="0">
+            <a:schemeClr val="accent1"/>
+          </a:effectRef>
+          <a:fontRef idx="minor">
+            <a:schemeClr val="lt1"/>
+          </a:fontRef>
+        </p:style>
+        <p:txBody>
+          <a:bodyPr rtlCol="0" anchor="ctr"/>
+          <a:lstStyle/>
+          <a:p>
+            <a:pPr algn="ctr"/>
+            <a:endParaRPr lang="zh-TW" altLang="en-US">
+              <a:ln>
+                <a:solidFill>
+                  <a:schemeClr val="bg1"/>
+                </a:solidFill>
+              </a:ln>
+              <a:noFill/>
+            </a:endParaRPr>
+          </a:p>
+        </p:txBody>
+      </p:sp>
+      <p:sp>
+        <p:nvSpPr>
+          <p:cNvPr id="24" name="矩形 23">
+            <a:extLst>
+              <a:ext uri="{FF2B5EF4-FFF2-40B4-BE49-F238E27FC236}">
+                <a16:creationId xmlns:a16="http://schemas.microsoft.com/office/drawing/2014/main" id="{D92664A8-89B4-4209-CC00-3F06D2160ADB}"/>
+              </a:ext>
+            </a:extLst>
+          </p:cNvPr>
+          <p:cNvSpPr/>
+          <p:nvPr/>
+        </p:nvSpPr>
+        <p:spPr>
+          <a:xfrm>
+            <a:off x="9466190" y="4766059"/>
+            <a:ext cx="195969" cy="102870"/>
+          </a:xfrm>
+          <a:prstGeom prst="rect">
+            <a:avLst/>
+          </a:prstGeom>
+          <a:solidFill>
+            <a:schemeClr val="bg1"/>
+          </a:solidFill>
+          <a:ln>
+            <a:noFill/>
+          </a:ln>
+        </p:spPr>
+        <p:style>
+          <a:lnRef idx="2">
+            <a:schemeClr val="accent1">
+              <a:shade val="15000"/>
+            </a:schemeClr>
+          </a:lnRef>
+          <a:fillRef idx="1">
+            <a:schemeClr val="accent1"/>
+          </a:fillRef>
+          <a:effectRef idx="0">
+            <a:schemeClr val="accent1"/>
+          </a:effectRef>
+          <a:fontRef idx="minor">
+            <a:schemeClr val="lt1"/>
+          </a:fontRef>
+        </p:style>
+        <p:txBody>
+          <a:bodyPr rtlCol="0" anchor="ctr"/>
+          <a:lstStyle/>
+          <a:p>
+            <a:pPr algn="ctr"/>
+            <a:endParaRPr lang="zh-TW" altLang="en-US">
+              <a:ln>
+                <a:solidFill>
+                  <a:schemeClr val="bg1"/>
+                </a:solidFill>
+              </a:ln>
+              <a:noFill/>
+            </a:endParaRPr>
+          </a:p>
+        </p:txBody>
+      </p:sp>
+      <p:sp>
+        <p:nvSpPr>
+          <p:cNvPr id="25" name="矩形 24">
+            <a:extLst>
+              <a:ext uri="{FF2B5EF4-FFF2-40B4-BE49-F238E27FC236}">
+                <a16:creationId xmlns:a16="http://schemas.microsoft.com/office/drawing/2014/main" id="{CDDA24A2-CF86-C687-292B-4FEEC0E0C390}"/>
+              </a:ext>
+            </a:extLst>
+          </p:cNvPr>
+          <p:cNvSpPr/>
+          <p:nvPr/>
+        </p:nvSpPr>
+        <p:spPr>
+          <a:xfrm>
+            <a:off x="9108824" y="4770691"/>
+            <a:ext cx="210435" cy="130874"/>
+          </a:xfrm>
+          <a:prstGeom prst="rect">
+            <a:avLst/>
+          </a:prstGeom>
+          <a:solidFill>
+            <a:schemeClr val="bg1"/>
+          </a:solidFill>
+          <a:ln>
+            <a:noFill/>
+          </a:ln>
+        </p:spPr>
+        <p:style>
+          <a:lnRef idx="2">
+            <a:schemeClr val="accent1">
+              <a:shade val="15000"/>
+            </a:schemeClr>
+          </a:lnRef>
+          <a:fillRef idx="1">
+            <a:schemeClr val="accent1"/>
+          </a:fillRef>
+          <a:effectRef idx="0">
+            <a:schemeClr val="accent1"/>
+          </a:effectRef>
+          <a:fontRef idx="minor">
+            <a:schemeClr val="lt1"/>
+          </a:fontRef>
+        </p:style>
+        <p:txBody>
+          <a:bodyPr rtlCol="0" anchor="ctr"/>
+          <a:lstStyle/>
+          <a:p>
+            <a:pPr algn="ctr"/>
+            <a:endParaRPr lang="zh-TW" altLang="en-US">
+              <a:ln>
+                <a:solidFill>
+                  <a:schemeClr val="bg1"/>
+                </a:solidFill>
+              </a:ln>
+              <a:noFill/>
+            </a:endParaRPr>
+          </a:p>
+        </p:txBody>
+      </p:sp>
+      <p:sp>
+        <p:nvSpPr>
+          <p:cNvPr id="26" name="矩形 25">
+            <a:extLst>
+              <a:ext uri="{FF2B5EF4-FFF2-40B4-BE49-F238E27FC236}">
+                <a16:creationId xmlns:a16="http://schemas.microsoft.com/office/drawing/2014/main" id="{A29E4960-2FF6-5206-58FC-30577A8795BA}"/>
+              </a:ext>
+            </a:extLst>
+          </p:cNvPr>
+          <p:cNvSpPr/>
+          <p:nvPr/>
+        </p:nvSpPr>
+        <p:spPr>
+          <a:xfrm>
+            <a:off x="9137400" y="4806197"/>
+            <a:ext cx="195968" cy="130874"/>
+          </a:xfrm>
+          <a:prstGeom prst="rect">
+            <a:avLst/>
+          </a:prstGeom>
+          <a:solidFill>
+            <a:schemeClr val="bg1"/>
+          </a:solidFill>
+          <a:ln>
+            <a:noFill/>
+          </a:ln>
+        </p:spPr>
+        <p:style>
+          <a:lnRef idx="2">
+            <a:schemeClr val="accent1">
+              <a:shade val="15000"/>
+            </a:schemeClr>
+          </a:lnRef>
+          <a:fillRef idx="1">
+            <a:schemeClr val="accent1"/>
+          </a:fillRef>
+          <a:effectRef idx="0">
+            <a:schemeClr val="accent1"/>
+          </a:effectRef>
+          <a:fontRef idx="minor">
+            <a:schemeClr val="lt1"/>
+          </a:fontRef>
+        </p:style>
+        <p:txBody>
+          <a:bodyPr rtlCol="0" anchor="ctr"/>
+          <a:lstStyle/>
+          <a:p>
+            <a:pPr algn="ctr"/>
+            <a:endParaRPr lang="zh-TW" altLang="en-US">
+              <a:ln>
+                <a:solidFill>
+                  <a:schemeClr val="bg1"/>
+                </a:solidFill>
+              </a:ln>
+              <a:noFill/>
+            </a:endParaRPr>
+          </a:p>
+        </p:txBody>
+      </p:sp>
+      <p:sp>
+        <p:nvSpPr>
+          <p:cNvPr id="2" name="投影片編號版面配置區 1">
+            <a:extLst>
+              <a:ext uri="{FF2B5EF4-FFF2-40B4-BE49-F238E27FC236}">
+                <a16:creationId xmlns:a16="http://schemas.microsoft.com/office/drawing/2014/main" id="{508E9446-2E62-9723-3DE4-180182EB44DC}"/>
+              </a:ext>
+            </a:extLst>
+          </p:cNvPr>
+          <p:cNvSpPr>
+            <a:spLocks noGrp="1"/>
+          </p:cNvSpPr>
+          <p:nvPr>
+            <p:ph type="sldNum" sz="quarter" idx="12"/>
+          </p:nvPr>
+        </p:nvSpPr>
+        <p:spPr/>
+        <p:txBody>
+          <a:bodyPr/>
+          <a:lstStyle/>
+          <a:p>
+            <a:fld id="{2F24418D-D767-43C9-AF77-C5266DB70D21}" type="slidenum">
+              <a:rPr lang="zh-TW" altLang="en-US" smtClean="0"/>
+              <a:t>8</a:t>
+            </a:fld>
+            <a:endParaRPr lang="zh-TW" altLang="en-US"/>
+          </a:p>
+        </p:txBody>
+      </p:sp>
+    </p:spTree>
+    <p:extLst>
+      <p:ext uri="{BB962C8B-B14F-4D97-AF65-F5344CB8AC3E}">
+        <p14:creationId xmlns:p14="http://schemas.microsoft.com/office/powerpoint/2010/main" val="3437057855"/>
+      </p:ext>
+    </p:extLst>
+  </p:cSld>
+  <p:clrMapOvr>
+    <a:masterClrMapping/>
+  </p:clrMapOvr>
+</p:sld>
+</file>
+
+<file path=ppt/slides/slide9.xml><?xml version="1.0" encoding="utf-8"?>
+<p:sld xmlns:a="http://schemas.openxmlformats.org/drawingml/2006/main" xmlns:r="http://schemas.openxmlformats.org/officeDocument/2006/relationships" xmlns:p="http://schemas.openxmlformats.org/presentationml/2006/main">
+  <p:cSld>
+    <p:spTree>
+      <p:nvGrpSpPr>
+        <p:cNvPr id="1" name=""/>
+        <p:cNvGrpSpPr/>
+        <p:nvPr/>
+      </p:nvGrpSpPr>
+      <p:grpSpPr>
+        <a:xfrm>
+          <a:off x="0" y="0"/>
+          <a:ext cx="0" cy="0"/>
+          <a:chOff x="0" y="0"/>
+          <a:chExt cx="0" cy="0"/>
+        </a:xfrm>
+      </p:grpSpPr>
+      <p:pic>
+        <p:nvPicPr>
+          <p:cNvPr id="13" name="圖片 12">
+            <a:extLst>
+              <a:ext uri="{FF2B5EF4-FFF2-40B4-BE49-F238E27FC236}">
+                <a16:creationId xmlns:a16="http://schemas.microsoft.com/office/drawing/2014/main" id="{DDBF68C5-2F7B-C4E6-F962-A62BC14A61D6}"/>
+              </a:ext>
+            </a:extLst>
+          </p:cNvPr>
+          <p:cNvPicPr>
+            <a:picLocks noChangeAspect="1"/>
+          </p:cNvPicPr>
+          <p:nvPr/>
+        </p:nvPicPr>
+        <p:blipFill>
+          <a:blip r:embed="rId2"/>
+          <a:stretch>
+            <a:fillRect/>
+          </a:stretch>
+        </p:blipFill>
+        <p:spPr>
+          <a:xfrm>
+            <a:off x="1460384" y="1539076"/>
+            <a:ext cx="3557866" cy="3631074"/>
           </a:xfrm>
           <a:prstGeom prst="rect">
             <a:avLst/>
@@ -7703,10 +10627,10 @@
       </p:pic>
       <p:pic>
         <p:nvPicPr>
-          <p:cNvPr id="8" name="圖片 7">
-            <a:extLst>
-              <a:ext uri="{FF2B5EF4-FFF2-40B4-BE49-F238E27FC236}">
-                <a16:creationId xmlns:a16="http://schemas.microsoft.com/office/drawing/2014/main" id="{53FB2610-AB7D-1029-03AC-C48A7231EBCD}"/>
+          <p:cNvPr id="17" name="圖片 16">
+            <a:extLst>
+              <a:ext uri="{FF2B5EF4-FFF2-40B4-BE49-F238E27FC236}">
+                <a16:creationId xmlns:a16="http://schemas.microsoft.com/office/drawing/2014/main" id="{D9768A17-0493-296D-39E2-A503382F93A3}"/>
               </a:ext>
             </a:extLst>
           </p:cNvPr>
@@ -7723,8 +10647,8 @@
         </p:blipFill>
         <p:spPr>
           <a:xfrm>
-            <a:off x="6753489" y="1177769"/>
-            <a:ext cx="3682195" cy="3831878"/>
+            <a:off x="6789632" y="1454830"/>
+            <a:ext cx="3711262" cy="3825572"/>
           </a:xfrm>
           <a:prstGeom prst="rect">
             <a:avLst/>
@@ -7733,10 +10657,10 @@
       </p:pic>
       <p:grpSp>
         <p:nvGrpSpPr>
-          <p:cNvPr id="15" name="群組 14">
-            <a:extLst>
-              <a:ext uri="{FF2B5EF4-FFF2-40B4-BE49-F238E27FC236}">
-                <a16:creationId xmlns:a16="http://schemas.microsoft.com/office/drawing/2014/main" id="{723FFEE5-8E5B-DE9C-8A79-1512CDA456A8}"/>
+          <p:cNvPr id="2" name="群組 1">
+            <a:extLst>
+              <a:ext uri="{FF2B5EF4-FFF2-40B4-BE49-F238E27FC236}">
+                <a16:creationId xmlns:a16="http://schemas.microsoft.com/office/drawing/2014/main" id="{FDCA092A-3644-E1C7-9184-ED91DF029F71}"/>
               </a:ext>
             </a:extLst>
           </p:cNvPr>
@@ -7745,88 +10669,7 @@
         </p:nvGrpSpPr>
         <p:grpSpPr>
           <a:xfrm>
-            <a:off x="1737266" y="1218824"/>
-            <a:ext cx="8925183" cy="3863675"/>
-            <a:chOff x="1746791" y="1056899"/>
-            <a:chExt cx="8925183" cy="3863675"/>
-          </a:xfrm>
-        </p:grpSpPr>
-        <p:pic>
-          <p:nvPicPr>
-            <p:cNvPr id="12" name="圖片 11">
-              <a:extLst>
-                <a:ext uri="{FF2B5EF4-FFF2-40B4-BE49-F238E27FC236}">
-                  <a16:creationId xmlns:a16="http://schemas.microsoft.com/office/drawing/2014/main" id="{D3DCDD06-27A8-E838-1991-08455956954E}"/>
-                </a:ext>
-              </a:extLst>
-            </p:cNvPr>
-            <p:cNvPicPr>
-              <a:picLocks noChangeAspect="1"/>
-            </p:cNvPicPr>
-            <p:nvPr/>
-          </p:nvPicPr>
-          <p:blipFill>
-            <a:blip r:embed="rId4"/>
-            <a:stretch>
-              <a:fillRect/>
-            </a:stretch>
-          </p:blipFill>
-          <p:spPr>
-            <a:xfrm>
-              <a:off x="1746791" y="1056899"/>
-              <a:ext cx="3856054" cy="3863675"/>
-            </a:xfrm>
-            <a:prstGeom prst="rect">
-              <a:avLst/>
-            </a:prstGeom>
-          </p:spPr>
-        </p:pic>
-        <p:pic>
-          <p:nvPicPr>
-            <p:cNvPr id="14" name="圖片 13">
-              <a:extLst>
-                <a:ext uri="{FF2B5EF4-FFF2-40B4-BE49-F238E27FC236}">
-                  <a16:creationId xmlns:a16="http://schemas.microsoft.com/office/drawing/2014/main" id="{2574919E-86A4-A928-0FFA-DC133033DD88}"/>
-                </a:ext>
-              </a:extLst>
-            </p:cNvPr>
-            <p:cNvPicPr>
-              <a:picLocks noChangeAspect="1"/>
-            </p:cNvPicPr>
-            <p:nvPr/>
-          </p:nvPicPr>
-          <p:blipFill>
-            <a:blip r:embed="rId5"/>
-            <a:stretch>
-              <a:fillRect/>
-            </a:stretch>
-          </p:blipFill>
-          <p:spPr>
-            <a:xfrm>
-              <a:off x="6892126" y="1125485"/>
-              <a:ext cx="3779848" cy="3795089"/>
-            </a:xfrm>
-            <a:prstGeom prst="rect">
-              <a:avLst/>
-            </a:prstGeom>
-          </p:spPr>
-        </p:pic>
-      </p:grpSp>
-      <p:grpSp>
-        <p:nvGrpSpPr>
-          <p:cNvPr id="2" name="群組 1">
-            <a:extLst>
-              <a:ext uri="{FF2B5EF4-FFF2-40B4-BE49-F238E27FC236}">
-                <a16:creationId xmlns:a16="http://schemas.microsoft.com/office/drawing/2014/main" id="{FDCA092A-3644-E1C7-9184-ED91DF029F71}"/>
-              </a:ext>
-            </a:extLst>
-          </p:cNvPr>
-          <p:cNvGrpSpPr/>
-          <p:nvPr/>
-        </p:nvGrpSpPr>
-        <p:grpSpPr>
-          <a:xfrm>
-            <a:off x="598282" y="1089093"/>
+            <a:off x="598282" y="1074842"/>
             <a:ext cx="6191350" cy="369332"/>
             <a:chOff x="613362" y="1173277"/>
             <a:chExt cx="6191350" cy="369332"/>
@@ -7917,12 +10760,72 @@
           </p:txBody>
         </p:sp>
       </p:grpSp>
-      <p:sp>
-        <p:nvSpPr>
-          <p:cNvPr id="9" name="文字方塊 8">
-            <a:extLst>
-              <a:ext uri="{FF2B5EF4-FFF2-40B4-BE49-F238E27FC236}">
-                <a16:creationId xmlns:a16="http://schemas.microsoft.com/office/drawing/2014/main" id="{8C65DDF2-470E-73F0-B65B-9A442A2B6419}"/>
+      <p:pic>
+        <p:nvPicPr>
+          <p:cNvPr id="3" name="圖片 2">
+            <a:extLst>
+              <a:ext uri="{FF2B5EF4-FFF2-40B4-BE49-F238E27FC236}">
+                <a16:creationId xmlns:a16="http://schemas.microsoft.com/office/drawing/2014/main" id="{53643C35-58D3-2E30-80EE-642F71AD7D21}"/>
+              </a:ext>
+            </a:extLst>
+          </p:cNvPr>
+          <p:cNvPicPr>
+            <a:picLocks noChangeAspect="1"/>
+          </p:cNvPicPr>
+          <p:nvPr/>
+        </p:nvPicPr>
+        <p:blipFill>
+          <a:blip r:embed="rId4"/>
+          <a:stretch>
+            <a:fillRect/>
+          </a:stretch>
+        </p:blipFill>
+        <p:spPr>
+          <a:xfrm>
+            <a:off x="3758730" y="1687850"/>
+            <a:ext cx="1361531" cy="432273"/>
+          </a:xfrm>
+          <a:prstGeom prst="rect">
+            <a:avLst/>
+          </a:prstGeom>
+        </p:spPr>
+      </p:pic>
+      <p:pic>
+        <p:nvPicPr>
+          <p:cNvPr id="8" name="圖片 7">
+            <a:extLst>
+              <a:ext uri="{FF2B5EF4-FFF2-40B4-BE49-F238E27FC236}">
+                <a16:creationId xmlns:a16="http://schemas.microsoft.com/office/drawing/2014/main" id="{E2938FE4-1F44-18BC-63D9-6B8E714DC098}"/>
+              </a:ext>
+            </a:extLst>
+          </p:cNvPr>
+          <p:cNvPicPr>
+            <a:picLocks noChangeAspect="1"/>
+          </p:cNvPicPr>
+          <p:nvPr/>
+        </p:nvPicPr>
+        <p:blipFill>
+          <a:blip r:embed="rId4"/>
+          <a:stretch>
+            <a:fillRect/>
+          </a:stretch>
+        </p:blipFill>
+        <p:spPr>
+          <a:xfrm>
+            <a:off x="9381100" y="1687849"/>
+            <a:ext cx="1361531" cy="432273"/>
+          </a:xfrm>
+          <a:prstGeom prst="rect">
+            <a:avLst/>
+          </a:prstGeom>
+        </p:spPr>
+      </p:pic>
+      <p:sp>
+        <p:nvSpPr>
+          <p:cNvPr id="15" name="文字方塊 14">
+            <a:extLst>
+              <a:ext uri="{FF2B5EF4-FFF2-40B4-BE49-F238E27FC236}">
+                <a16:creationId xmlns:a16="http://schemas.microsoft.com/office/drawing/2014/main" id="{989FB60E-4728-76C0-0F86-4E5BDA901B17}"/>
               </a:ext>
             </a:extLst>
           </p:cNvPr>
@@ -7931,8 +10834,260 @@
         </p:nvSpPr>
         <p:spPr>
           <a:xfrm>
-            <a:off x="868002" y="5857067"/>
-            <a:ext cx="10455996" cy="738664"/>
+            <a:off x="3019425" y="326114"/>
+            <a:ext cx="739305" cy="461665"/>
+          </a:xfrm>
+          <a:prstGeom prst="rect">
+            <a:avLst/>
+          </a:prstGeom>
+          <a:noFill/>
+        </p:spPr>
+        <p:txBody>
+          <a:bodyPr wrap="none" rtlCol="0">
+            <a:spAutoFit/>
+          </a:bodyPr>
+          <a:lstStyle/>
+          <a:p>
+            <a:r>
+              <a:rPr lang="en-US" altLang="zh-TW" sz="2400" dirty="0">
+                <a:latin typeface="Times New Roman" panose="02020603050405020304" pitchFamily="18" charset="0"/>
+                <a:cs typeface="Times New Roman" panose="02020603050405020304" pitchFamily="18" charset="0"/>
+              </a:rPr>
+              <a:t>with</a:t>
+            </a:r>
+            <a:endParaRPr lang="zh-TW" altLang="en-US" sz="2400" dirty="0">
+              <a:latin typeface="Times New Roman" panose="02020603050405020304" pitchFamily="18" charset="0"/>
+              <a:cs typeface="Times New Roman" panose="02020603050405020304" pitchFamily="18" charset="0"/>
+            </a:endParaRPr>
+          </a:p>
+        </p:txBody>
+      </p:sp>
+      <p:sp>
+        <p:nvSpPr>
+          <p:cNvPr id="16" name="文字方塊 15">
+            <a:extLst>
+              <a:ext uri="{FF2B5EF4-FFF2-40B4-BE49-F238E27FC236}">
+                <a16:creationId xmlns:a16="http://schemas.microsoft.com/office/drawing/2014/main" id="{B556FDF2-C59D-ED07-8AC6-A2899277E96D}"/>
+              </a:ext>
+            </a:extLst>
+          </p:cNvPr>
+          <p:cNvSpPr txBox="1"/>
+          <p:nvPr/>
+        </p:nvSpPr>
+        <p:spPr>
+          <a:xfrm>
+            <a:off x="247721" y="323317"/>
+            <a:ext cx="2609951" cy="461665"/>
+          </a:xfrm>
+          <a:prstGeom prst="rect">
+            <a:avLst/>
+          </a:prstGeom>
+          <a:solidFill>
+            <a:schemeClr val="accent2">
+              <a:lumMod val="20000"/>
+              <a:lumOff val="80000"/>
+            </a:schemeClr>
+          </a:solidFill>
+        </p:spPr>
+        <p:txBody>
+          <a:bodyPr wrap="square" rtlCol="0">
+            <a:spAutoFit/>
+          </a:bodyPr>
+          <a:lstStyle/>
+          <a:p>
+            <a:r>
+              <a:rPr lang="zh-TW" altLang="en-US" sz="2400" dirty="0">
+                <a:latin typeface="Times New Roman" panose="02020603050405020304" pitchFamily="18" charset="0"/>
+                <a:ea typeface="微軟正黑體" panose="020B0604030504040204" pitchFamily="34" charset="-120"/>
+                <a:cs typeface="Times New Roman" panose="02020603050405020304" pitchFamily="18" charset="0"/>
+              </a:rPr>
+              <a:t>常態分佈 </a:t>
+            </a:r>
+            <a:r>
+              <a:rPr lang="en-US" altLang="zh-TW" sz="2400" dirty="0">
+                <a:latin typeface="Times New Roman" panose="02020603050405020304" pitchFamily="18" charset="0"/>
+                <a:ea typeface="微軟正黑體" panose="020B0604030504040204" pitchFamily="34" charset="-120"/>
+                <a:cs typeface="Times New Roman" panose="02020603050405020304" pitchFamily="18" charset="0"/>
+              </a:rPr>
+              <a:t>(2000</a:t>
+            </a:r>
+            <a:r>
+              <a:rPr lang="zh-TW" altLang="en-US" sz="2400" dirty="0">
+                <a:latin typeface="Times New Roman" panose="02020603050405020304" pitchFamily="18" charset="0"/>
+                <a:ea typeface="微軟正黑體" panose="020B0604030504040204" pitchFamily="34" charset="-120"/>
+                <a:cs typeface="Times New Roman" panose="02020603050405020304" pitchFamily="18" charset="0"/>
+              </a:rPr>
+              <a:t>筆</a:t>
+            </a:r>
+            <a:r>
+              <a:rPr lang="en-US" altLang="zh-TW" sz="2400" dirty="0">
+                <a:latin typeface="Times New Roman" panose="02020603050405020304" pitchFamily="18" charset="0"/>
+                <a:ea typeface="微軟正黑體" panose="020B0604030504040204" pitchFamily="34" charset="-120"/>
+                <a:cs typeface="Times New Roman" panose="02020603050405020304" pitchFamily="18" charset="0"/>
+              </a:rPr>
+              <a:t>) </a:t>
+            </a:r>
+            <a:endParaRPr lang="zh-TW" altLang="en-US" sz="2400" dirty="0">
+              <a:latin typeface="Times New Roman" panose="02020603050405020304" pitchFamily="18" charset="0"/>
+              <a:ea typeface="微軟正黑體" panose="020B0604030504040204" pitchFamily="34" charset="-120"/>
+              <a:cs typeface="Times New Roman" panose="02020603050405020304" pitchFamily="18" charset="0"/>
+            </a:endParaRPr>
+          </a:p>
+        </p:txBody>
+      </p:sp>
+      <p:sp>
+        <p:nvSpPr>
+          <p:cNvPr id="18" name="文字方塊 17">
+            <a:extLst>
+              <a:ext uri="{FF2B5EF4-FFF2-40B4-BE49-F238E27FC236}">
+                <a16:creationId xmlns:a16="http://schemas.microsoft.com/office/drawing/2014/main" id="{B23C1189-D1C6-F186-99FD-8FEFECBED904}"/>
+              </a:ext>
+            </a:extLst>
+          </p:cNvPr>
+          <p:cNvSpPr txBox="1"/>
+          <p:nvPr/>
+        </p:nvSpPr>
+        <p:spPr>
+          <a:xfrm>
+            <a:off x="3914775" y="326114"/>
+            <a:ext cx="1295547" cy="461665"/>
+          </a:xfrm>
+          <a:prstGeom prst="rect">
+            <a:avLst/>
+          </a:prstGeom>
+          <a:solidFill>
+            <a:schemeClr val="accent2">
+              <a:lumMod val="20000"/>
+              <a:lumOff val="80000"/>
+            </a:schemeClr>
+          </a:solidFill>
+        </p:spPr>
+        <p:txBody>
+          <a:bodyPr wrap="none" rtlCol="0">
+            <a:spAutoFit/>
+          </a:bodyPr>
+          <a:lstStyle/>
+          <a:p>
+            <a:r>
+              <a:rPr lang="en-US" altLang="zh-TW" sz="2400" dirty="0">
+                <a:latin typeface="Times New Roman" panose="02020603050405020304" pitchFamily="18" charset="0"/>
+                <a:ea typeface="微軟正黑體" panose="020B0604030504040204" pitchFamily="34" charset="-120"/>
+                <a:cs typeface="Times New Roman" panose="02020603050405020304" pitchFamily="18" charset="0"/>
+              </a:rPr>
+              <a:t>Model_2</a:t>
+            </a:r>
+            <a:endParaRPr lang="zh-TW" altLang="en-US" sz="2400" dirty="0">
+              <a:latin typeface="Times New Roman" panose="02020603050405020304" pitchFamily="18" charset="0"/>
+              <a:ea typeface="微軟正黑體" panose="020B0604030504040204" pitchFamily="34" charset="-120"/>
+              <a:cs typeface="Times New Roman" panose="02020603050405020304" pitchFamily="18" charset="0"/>
+            </a:endParaRPr>
+          </a:p>
+        </p:txBody>
+      </p:sp>
+      <p:sp>
+        <p:nvSpPr>
+          <p:cNvPr id="20" name="文字方塊 19">
+            <a:extLst>
+              <a:ext uri="{FF2B5EF4-FFF2-40B4-BE49-F238E27FC236}">
+                <a16:creationId xmlns:a16="http://schemas.microsoft.com/office/drawing/2014/main" id="{0086E421-B93E-9FBD-0BD1-23E4AD143581}"/>
+              </a:ext>
+            </a:extLst>
+          </p:cNvPr>
+          <p:cNvSpPr txBox="1"/>
+          <p:nvPr/>
+        </p:nvSpPr>
+        <p:spPr>
+          <a:xfrm>
+            <a:off x="2461267" y="5224692"/>
+            <a:ext cx="1717137" cy="369332"/>
+          </a:xfrm>
+          <a:prstGeom prst="rect">
+            <a:avLst/>
+          </a:prstGeom>
+          <a:noFill/>
+        </p:spPr>
+        <p:txBody>
+          <a:bodyPr wrap="none" rtlCol="0">
+            <a:spAutoFit/>
+          </a:bodyPr>
+          <a:lstStyle/>
+          <a:p>
+            <a:r>
+              <a:rPr lang="en-US" altLang="zh-TW" dirty="0">
+                <a:latin typeface="Times New Roman" panose="02020603050405020304" pitchFamily="18" charset="0"/>
+                <a:ea typeface="微軟正黑體" panose="020B0604030504040204" pitchFamily="34" charset="-120"/>
+                <a:cs typeface="Times New Roman" panose="02020603050405020304" pitchFamily="18" charset="0"/>
+              </a:rPr>
+              <a:t>Maximum range</a:t>
+            </a:r>
+            <a:endParaRPr lang="zh-TW" altLang="en-US" dirty="0">
+              <a:latin typeface="Times New Roman" panose="02020603050405020304" pitchFamily="18" charset="0"/>
+              <a:ea typeface="微軟正黑體" panose="020B0604030504040204" pitchFamily="34" charset="-120"/>
+              <a:cs typeface="Times New Roman" panose="02020603050405020304" pitchFamily="18" charset="0"/>
+            </a:endParaRPr>
+          </a:p>
+        </p:txBody>
+      </p:sp>
+      <p:sp>
+        <p:nvSpPr>
+          <p:cNvPr id="22" name="文字方塊 21">
+            <a:extLst>
+              <a:ext uri="{FF2B5EF4-FFF2-40B4-BE49-F238E27FC236}">
+                <a16:creationId xmlns:a16="http://schemas.microsoft.com/office/drawing/2014/main" id="{C0E7AFE6-6ED1-9492-CAE1-CDE631E92616}"/>
+              </a:ext>
+            </a:extLst>
+          </p:cNvPr>
+          <p:cNvSpPr txBox="1"/>
+          <p:nvPr/>
+        </p:nvSpPr>
+        <p:spPr>
+          <a:xfrm>
+            <a:off x="8013598" y="5273726"/>
+            <a:ext cx="1781257" cy="369332"/>
+          </a:xfrm>
+          <a:prstGeom prst="rect">
+            <a:avLst/>
+          </a:prstGeom>
+          <a:noFill/>
+        </p:spPr>
+        <p:txBody>
+          <a:bodyPr wrap="none" rtlCol="0">
+            <a:spAutoFit/>
+          </a:bodyPr>
+          <a:lstStyle/>
+          <a:p>
+            <a:r>
+              <a:rPr lang="en-US" altLang="zh-TW" dirty="0">
+                <a:latin typeface="Times New Roman" panose="02020603050405020304" pitchFamily="18" charset="0"/>
+                <a:ea typeface="微軟正黑體" panose="020B0604030504040204" pitchFamily="34" charset="-120"/>
+                <a:cs typeface="Times New Roman" panose="02020603050405020304" pitchFamily="18" charset="0"/>
+              </a:rPr>
+              <a:t>Maximum height</a:t>
+            </a:r>
+            <a:endParaRPr lang="zh-TW" altLang="en-US" dirty="0">
+              <a:latin typeface="Times New Roman" panose="02020603050405020304" pitchFamily="18" charset="0"/>
+              <a:ea typeface="微軟正黑體" panose="020B0604030504040204" pitchFamily="34" charset="-120"/>
+              <a:cs typeface="Times New Roman" panose="02020603050405020304" pitchFamily="18" charset="0"/>
+            </a:endParaRPr>
+          </a:p>
+        </p:txBody>
+      </p:sp>
+      <p:sp>
+        <p:nvSpPr>
+          <p:cNvPr id="23" name="文字方塊 22">
+            <a:extLst>
+              <a:ext uri="{FF2B5EF4-FFF2-40B4-BE49-F238E27FC236}">
+                <a16:creationId xmlns:a16="http://schemas.microsoft.com/office/drawing/2014/main" id="{81704453-180C-5503-26A7-042B46877E49}"/>
+              </a:ext>
+            </a:extLst>
+          </p:cNvPr>
+          <p:cNvSpPr txBox="1"/>
+          <p:nvPr/>
+        </p:nvSpPr>
+        <p:spPr>
+          <a:xfrm>
+            <a:off x="476250" y="5857067"/>
+            <a:ext cx="11715750" cy="523220"/>
           </a:xfrm>
           <a:prstGeom prst="rect">
             <a:avLst/>
@@ -7964,10 +11119,8 @@
                 <a:latin typeface="Times New Roman" panose="02020603050405020304" pitchFamily="18" charset="0"/>
                 <a:cs typeface="Times New Roman" panose="02020603050405020304" pitchFamily="18" charset="0"/>
               </a:rPr>
-              <a:t>igure 4. The distribution of consequences after training procedure, displaying the calculating (a) maximum range and (b) height in Model_1 and (c) maximum range and (d) height in Model_2 </a:t>
-            </a:r>
-          </a:p>
-          <a:p>
+              <a:t>igure 6. The distribution of consequences after training procedure, displaying the calculating (a) maximum range and (b) height with normal distribution and Model_2</a:t>
+            </a:r>
             <a:endParaRPr lang="zh-TW" altLang="en-US" sz="1400" dirty="0">
               <a:latin typeface="Times New Roman" panose="02020603050405020304" pitchFamily="18" charset="0"/>
               <a:cs typeface="Times New Roman" panose="02020603050405020304" pitchFamily="18" charset="0"/>
@@ -7975,209 +11128,393 @@
           </a:p>
         </p:txBody>
       </p:sp>
+      <p:sp>
+        <p:nvSpPr>
+          <p:cNvPr id="24" name="矩形 23">
+            <a:extLst>
+              <a:ext uri="{FF2B5EF4-FFF2-40B4-BE49-F238E27FC236}">
+                <a16:creationId xmlns:a16="http://schemas.microsoft.com/office/drawing/2014/main" id="{371B9FED-AA6F-0B6A-C2C2-D346B7A6A558}"/>
+              </a:ext>
+            </a:extLst>
+          </p:cNvPr>
+          <p:cNvSpPr/>
+          <p:nvPr/>
+        </p:nvSpPr>
+        <p:spPr>
+          <a:xfrm>
+            <a:off x="3952874" y="4835089"/>
+            <a:ext cx="323851" cy="115253"/>
+          </a:xfrm>
+          <a:prstGeom prst="rect">
+            <a:avLst/>
+          </a:prstGeom>
+          <a:solidFill>
+            <a:schemeClr val="bg1"/>
+          </a:solidFill>
+          <a:ln>
+            <a:noFill/>
+          </a:ln>
+        </p:spPr>
+        <p:style>
+          <a:lnRef idx="2">
+            <a:schemeClr val="accent1">
+              <a:shade val="15000"/>
+            </a:schemeClr>
+          </a:lnRef>
+          <a:fillRef idx="1">
+            <a:schemeClr val="accent1"/>
+          </a:fillRef>
+          <a:effectRef idx="0">
+            <a:schemeClr val="accent1"/>
+          </a:effectRef>
+          <a:fontRef idx="minor">
+            <a:schemeClr val="lt1"/>
+          </a:fontRef>
+        </p:style>
+        <p:txBody>
+          <a:bodyPr rtlCol="0" anchor="ctr"/>
+          <a:lstStyle/>
+          <a:p>
+            <a:pPr algn="ctr"/>
+            <a:endParaRPr lang="zh-TW" altLang="en-US">
+              <a:ln>
+                <a:solidFill>
+                  <a:schemeClr val="bg1"/>
+                </a:solidFill>
+              </a:ln>
+              <a:noFill/>
+            </a:endParaRPr>
+          </a:p>
+        </p:txBody>
+      </p:sp>
+      <p:sp>
+        <p:nvSpPr>
+          <p:cNvPr id="25" name="矩形 24">
+            <a:extLst>
+              <a:ext uri="{FF2B5EF4-FFF2-40B4-BE49-F238E27FC236}">
+                <a16:creationId xmlns:a16="http://schemas.microsoft.com/office/drawing/2014/main" id="{A618928D-F69A-BF16-AE3B-590DF0F3FFA6}"/>
+              </a:ext>
+            </a:extLst>
+          </p:cNvPr>
+          <p:cNvSpPr/>
+          <p:nvPr/>
+        </p:nvSpPr>
+        <p:spPr>
+          <a:xfrm>
+            <a:off x="3599939" y="4835089"/>
+            <a:ext cx="203149" cy="115253"/>
+          </a:xfrm>
+          <a:prstGeom prst="rect">
+            <a:avLst/>
+          </a:prstGeom>
+          <a:solidFill>
+            <a:schemeClr val="bg1"/>
+          </a:solidFill>
+          <a:ln>
+            <a:noFill/>
+          </a:ln>
+        </p:spPr>
+        <p:style>
+          <a:lnRef idx="2">
+            <a:schemeClr val="accent1">
+              <a:shade val="15000"/>
+            </a:schemeClr>
+          </a:lnRef>
+          <a:fillRef idx="1">
+            <a:schemeClr val="accent1"/>
+          </a:fillRef>
+          <a:effectRef idx="0">
+            <a:schemeClr val="accent1"/>
+          </a:effectRef>
+          <a:fontRef idx="minor">
+            <a:schemeClr val="lt1"/>
+          </a:fontRef>
+        </p:style>
+        <p:txBody>
+          <a:bodyPr rtlCol="0" anchor="ctr"/>
+          <a:lstStyle/>
+          <a:p>
+            <a:pPr algn="ctr"/>
+            <a:endParaRPr lang="zh-TW" altLang="en-US">
+              <a:ln>
+                <a:solidFill>
+                  <a:schemeClr val="bg1"/>
+                </a:solidFill>
+              </a:ln>
+              <a:noFill/>
+            </a:endParaRPr>
+          </a:p>
+        </p:txBody>
+      </p:sp>
+      <p:sp>
+        <p:nvSpPr>
+          <p:cNvPr id="27" name="矩形 26">
+            <a:extLst>
+              <a:ext uri="{FF2B5EF4-FFF2-40B4-BE49-F238E27FC236}">
+                <a16:creationId xmlns:a16="http://schemas.microsoft.com/office/drawing/2014/main" id="{E33F328C-C2D8-9081-46D8-280536908A0A}"/>
+              </a:ext>
+            </a:extLst>
+          </p:cNvPr>
+          <p:cNvSpPr/>
+          <p:nvPr/>
+        </p:nvSpPr>
+        <p:spPr>
+          <a:xfrm>
+            <a:off x="9040245" y="4932045"/>
+            <a:ext cx="195196" cy="169240"/>
+          </a:xfrm>
+          <a:prstGeom prst="rect">
+            <a:avLst/>
+          </a:prstGeom>
+          <a:solidFill>
+            <a:schemeClr val="bg1"/>
+          </a:solidFill>
+          <a:ln>
+            <a:noFill/>
+          </a:ln>
+        </p:spPr>
+        <p:style>
+          <a:lnRef idx="2">
+            <a:schemeClr val="accent1">
+              <a:shade val="15000"/>
+            </a:schemeClr>
+          </a:lnRef>
+          <a:fillRef idx="1">
+            <a:schemeClr val="accent1"/>
+          </a:fillRef>
+          <a:effectRef idx="0">
+            <a:schemeClr val="accent1"/>
+          </a:effectRef>
+          <a:fontRef idx="minor">
+            <a:schemeClr val="lt1"/>
+          </a:fontRef>
+        </p:style>
+        <p:txBody>
+          <a:bodyPr rtlCol="0" anchor="ctr"/>
+          <a:lstStyle/>
+          <a:p>
+            <a:pPr algn="ctr"/>
+            <a:endParaRPr lang="zh-TW" altLang="en-US">
+              <a:ln>
+                <a:solidFill>
+                  <a:schemeClr val="bg1"/>
+                </a:solidFill>
+              </a:ln>
+              <a:noFill/>
+            </a:endParaRPr>
+          </a:p>
+        </p:txBody>
+      </p:sp>
+      <p:sp>
+        <p:nvSpPr>
+          <p:cNvPr id="28" name="矩形 27">
+            <a:extLst>
+              <a:ext uri="{FF2B5EF4-FFF2-40B4-BE49-F238E27FC236}">
+                <a16:creationId xmlns:a16="http://schemas.microsoft.com/office/drawing/2014/main" id="{48C4376E-579A-B663-DC08-E5E01F878EB1}"/>
+              </a:ext>
+            </a:extLst>
+          </p:cNvPr>
+          <p:cNvSpPr/>
+          <p:nvPr/>
+        </p:nvSpPr>
+        <p:spPr>
+          <a:xfrm>
+            <a:off x="3619184" y="4863275"/>
+            <a:ext cx="203149" cy="102870"/>
+          </a:xfrm>
+          <a:prstGeom prst="rect">
+            <a:avLst/>
+          </a:prstGeom>
+          <a:solidFill>
+            <a:schemeClr val="bg1"/>
+          </a:solidFill>
+          <a:ln>
+            <a:noFill/>
+          </a:ln>
+        </p:spPr>
+        <p:style>
+          <a:lnRef idx="2">
+            <a:schemeClr val="accent1">
+              <a:shade val="15000"/>
+            </a:schemeClr>
+          </a:lnRef>
+          <a:fillRef idx="1">
+            <a:schemeClr val="accent1"/>
+          </a:fillRef>
+          <a:effectRef idx="0">
+            <a:schemeClr val="accent1"/>
+          </a:effectRef>
+          <a:fontRef idx="minor">
+            <a:schemeClr val="lt1"/>
+          </a:fontRef>
+        </p:style>
+        <p:txBody>
+          <a:bodyPr rtlCol="0" anchor="ctr"/>
+          <a:lstStyle/>
+          <a:p>
+            <a:pPr algn="ctr"/>
+            <a:endParaRPr lang="zh-TW" altLang="en-US">
+              <a:ln>
+                <a:solidFill>
+                  <a:schemeClr val="bg1"/>
+                </a:solidFill>
+              </a:ln>
+              <a:noFill/>
+            </a:endParaRPr>
+          </a:p>
+        </p:txBody>
+      </p:sp>
+      <p:sp>
+        <p:nvSpPr>
+          <p:cNvPr id="29" name="矩形 28">
+            <a:extLst>
+              <a:ext uri="{FF2B5EF4-FFF2-40B4-BE49-F238E27FC236}">
+                <a16:creationId xmlns:a16="http://schemas.microsoft.com/office/drawing/2014/main" id="{67718874-33B1-A395-1276-A2AEABC3AFFD}"/>
+              </a:ext>
+            </a:extLst>
+          </p:cNvPr>
+          <p:cNvSpPr/>
+          <p:nvPr/>
+        </p:nvSpPr>
+        <p:spPr>
+          <a:xfrm>
+            <a:off x="9381100" y="4911070"/>
+            <a:ext cx="210435" cy="130874"/>
+          </a:xfrm>
+          <a:prstGeom prst="rect">
+            <a:avLst/>
+          </a:prstGeom>
+          <a:solidFill>
+            <a:schemeClr val="bg1"/>
+          </a:solidFill>
+          <a:ln>
+            <a:noFill/>
+          </a:ln>
+        </p:spPr>
+        <p:style>
+          <a:lnRef idx="2">
+            <a:schemeClr val="accent1">
+              <a:shade val="15000"/>
+            </a:schemeClr>
+          </a:lnRef>
+          <a:fillRef idx="1">
+            <a:schemeClr val="accent1"/>
+          </a:fillRef>
+          <a:effectRef idx="0">
+            <a:schemeClr val="accent1"/>
+          </a:effectRef>
+          <a:fontRef idx="minor">
+            <a:schemeClr val="lt1"/>
+          </a:fontRef>
+        </p:style>
+        <p:txBody>
+          <a:bodyPr rtlCol="0" anchor="ctr"/>
+          <a:lstStyle/>
+          <a:p>
+            <a:pPr algn="ctr"/>
+            <a:endParaRPr lang="zh-TW" altLang="en-US">
+              <a:ln>
+                <a:solidFill>
+                  <a:schemeClr val="bg1"/>
+                </a:solidFill>
+              </a:ln>
+              <a:noFill/>
+            </a:endParaRPr>
+          </a:p>
+        </p:txBody>
+      </p:sp>
+      <p:sp>
+        <p:nvSpPr>
+          <p:cNvPr id="30" name="矩形 29">
+            <a:extLst>
+              <a:ext uri="{FF2B5EF4-FFF2-40B4-BE49-F238E27FC236}">
+                <a16:creationId xmlns:a16="http://schemas.microsoft.com/office/drawing/2014/main" id="{5E92FF60-6F2A-5E96-EADF-31A58E83D61A}"/>
+              </a:ext>
+            </a:extLst>
+          </p:cNvPr>
+          <p:cNvSpPr/>
+          <p:nvPr/>
+        </p:nvSpPr>
+        <p:spPr>
+          <a:xfrm>
+            <a:off x="9063515" y="4966145"/>
+            <a:ext cx="195196" cy="169240"/>
+          </a:xfrm>
+          <a:prstGeom prst="rect">
+            <a:avLst/>
+          </a:prstGeom>
+          <a:solidFill>
+            <a:schemeClr val="bg1"/>
+          </a:solidFill>
+          <a:ln>
+            <a:noFill/>
+          </a:ln>
+        </p:spPr>
+        <p:style>
+          <a:lnRef idx="2">
+            <a:schemeClr val="accent1">
+              <a:shade val="15000"/>
+            </a:schemeClr>
+          </a:lnRef>
+          <a:fillRef idx="1">
+            <a:schemeClr val="accent1"/>
+          </a:fillRef>
+          <a:effectRef idx="0">
+            <a:schemeClr val="accent1"/>
+          </a:effectRef>
+          <a:fontRef idx="minor">
+            <a:schemeClr val="lt1"/>
+          </a:fontRef>
+        </p:style>
+        <p:txBody>
+          <a:bodyPr rtlCol="0" anchor="ctr"/>
+          <a:lstStyle/>
+          <a:p>
+            <a:pPr algn="ctr"/>
+            <a:endParaRPr lang="zh-TW" altLang="en-US">
+              <a:ln>
+                <a:solidFill>
+                  <a:schemeClr val="bg1"/>
+                </a:solidFill>
+              </a:ln>
+              <a:noFill/>
+            </a:endParaRPr>
+          </a:p>
+        </p:txBody>
+      </p:sp>
+      <p:sp>
+        <p:nvSpPr>
+          <p:cNvPr id="6" name="投影片編號版面配置區 5">
+            <a:extLst>
+              <a:ext uri="{FF2B5EF4-FFF2-40B4-BE49-F238E27FC236}">
+                <a16:creationId xmlns:a16="http://schemas.microsoft.com/office/drawing/2014/main" id="{1EFD2AB7-5161-BB75-478B-8407C22C65A9}"/>
+              </a:ext>
+            </a:extLst>
+          </p:cNvPr>
+          <p:cNvSpPr>
+            <a:spLocks noGrp="1"/>
+          </p:cNvSpPr>
+          <p:nvPr>
+            <p:ph type="sldNum" sz="quarter" idx="12"/>
+          </p:nvPr>
+        </p:nvSpPr>
+        <p:spPr/>
+        <p:txBody>
+          <a:bodyPr/>
+          <a:lstStyle/>
+          <a:p>
+            <a:fld id="{2F24418D-D767-43C9-AF77-C5266DB70D21}" type="slidenum">
+              <a:rPr lang="zh-TW" altLang="en-US" smtClean="0"/>
+              <a:t>9</a:t>
+            </a:fld>
+            <a:endParaRPr lang="zh-TW" altLang="en-US"/>
+          </a:p>
+        </p:txBody>
+      </p:sp>
     </p:spTree>
     <p:extLst>
       <p:ext uri="{BB962C8B-B14F-4D97-AF65-F5344CB8AC3E}">
         <p14:creationId xmlns:p14="http://schemas.microsoft.com/office/powerpoint/2010/main" val="432777715"/>
-      </p:ext>
-    </p:extLst>
-  </p:cSld>
-  <p:clrMapOvr>
-    <a:masterClrMapping/>
-  </p:clrMapOvr>
-  <p:timing>
-    <p:tnLst>
-      <p:par>
-        <p:cTn id="1" dur="indefinite" restart="never" nodeType="tmRoot">
-          <p:childTnLst>
-            <p:seq concurrent="1" nextAc="seek">
-              <p:cTn id="2" dur="indefinite" nodeType="mainSeq">
-                <p:childTnLst>
-                  <p:par>
-                    <p:cTn id="3" fill="hold">
-                      <p:stCondLst>
-                        <p:cond delay="indefinite"/>
-                      </p:stCondLst>
-                      <p:childTnLst>
-                        <p:par>
-                          <p:cTn id="4" fill="hold">
-                            <p:stCondLst>
-                              <p:cond delay="0"/>
-                            </p:stCondLst>
-                            <p:childTnLst>
-                              <p:par>
-                                <p:cTn id="5" presetID="1" presetClass="entr" presetSubtype="0" fill="hold" nodeType="clickEffect">
-                                  <p:stCondLst>
-                                    <p:cond delay="0"/>
-                                  </p:stCondLst>
-                                  <p:childTnLst>
-                                    <p:set>
-                                      <p:cBhvr>
-                                        <p:cTn id="6" dur="1" fill="hold">
-                                          <p:stCondLst>
-                                            <p:cond delay="0"/>
-                                          </p:stCondLst>
-                                        </p:cTn>
-                                        <p:tgtEl>
-                                          <p:spTgt spid="15"/>
-                                        </p:tgtEl>
-                                        <p:attrNameLst>
-                                          <p:attrName>style.visibility</p:attrName>
-                                        </p:attrNameLst>
-                                      </p:cBhvr>
-                                      <p:to>
-                                        <p:strVal val="visible"/>
-                                      </p:to>
-                                    </p:set>
-                                  </p:childTnLst>
-                                </p:cTn>
-                              </p:par>
-                            </p:childTnLst>
-                          </p:cTn>
-                        </p:par>
-                      </p:childTnLst>
-                    </p:cTn>
-                  </p:par>
-                </p:childTnLst>
-              </p:cTn>
-              <p:prevCondLst>
-                <p:cond evt="onPrev" delay="0">
-                  <p:tgtEl>
-                    <p:sldTgt/>
-                  </p:tgtEl>
-                </p:cond>
-              </p:prevCondLst>
-              <p:nextCondLst>
-                <p:cond evt="onNext" delay="0">
-                  <p:tgtEl>
-                    <p:sldTgt/>
-                  </p:tgtEl>
-                </p:cond>
-              </p:nextCondLst>
-            </p:seq>
-          </p:childTnLst>
-        </p:cTn>
-      </p:par>
-    </p:tnLst>
-  </p:timing>
-</p:sld>
-</file>
-
-<file path=ppt/slides/slide9.xml><?xml version="1.0" encoding="utf-8"?>
-<p:sld xmlns:a="http://schemas.openxmlformats.org/drawingml/2006/main" xmlns:r="http://schemas.openxmlformats.org/officeDocument/2006/relationships" xmlns:p="http://schemas.openxmlformats.org/presentationml/2006/main">
-  <p:cSld>
-    <p:bg>
-      <p:bgPr>
-        <a:blipFill dpi="0" rotWithShape="1">
-          <a:blip r:embed="rId2">
-            <a:alphaModFix amt="25000"/>
-          </a:blip>
-          <a:srcRect/>
-          <a:stretch>
-            <a:fillRect/>
-          </a:stretch>
-        </a:blipFill>
-        <a:effectLst/>
-      </p:bgPr>
-    </p:bg>
-    <p:spTree>
-      <p:nvGrpSpPr>
-        <p:cNvPr id="1" name=""/>
-        <p:cNvGrpSpPr/>
-        <p:nvPr/>
-      </p:nvGrpSpPr>
-      <p:grpSpPr>
-        <a:xfrm>
-          <a:off x="0" y="0"/>
-          <a:ext cx="0" cy="0"/>
-          <a:chOff x="0" y="0"/>
-          <a:chExt cx="0" cy="0"/>
-        </a:xfrm>
-      </p:grpSpPr>
-      <p:sp>
-        <p:nvSpPr>
-          <p:cNvPr id="4" name="文字方塊 3">
-            <a:extLst>
-              <a:ext uri="{FF2B5EF4-FFF2-40B4-BE49-F238E27FC236}">
-                <a16:creationId xmlns:a16="http://schemas.microsoft.com/office/drawing/2014/main" id="{3AB7B6DD-63FA-CD25-87C3-B2F7C733D03F}"/>
-              </a:ext>
-            </a:extLst>
-          </p:cNvPr>
-          <p:cNvSpPr txBox="1"/>
-          <p:nvPr/>
-        </p:nvSpPr>
-        <p:spPr>
-          <a:xfrm>
-            <a:off x="695325" y="619125"/>
-            <a:ext cx="2339102" cy="523220"/>
-          </a:xfrm>
-          <a:prstGeom prst="rect">
-            <a:avLst/>
-          </a:prstGeom>
-          <a:solidFill>
-            <a:schemeClr val="bg1"/>
-          </a:solidFill>
-        </p:spPr>
-        <p:txBody>
-          <a:bodyPr wrap="none" rtlCol="0">
-            <a:spAutoFit/>
-          </a:bodyPr>
-          <a:lstStyle/>
-          <a:p>
-            <a:r>
-              <a:rPr lang="zh-TW" altLang="en-US" sz="2800" dirty="0">
-                <a:latin typeface="微軟正黑體" panose="020B0604030504040204" pitchFamily="34" charset="-120"/>
-                <a:ea typeface="微軟正黑體" panose="020B0604030504040204" pitchFamily="34" charset="-120"/>
-              </a:rPr>
-              <a:t>期末研究主題</a:t>
-            </a:r>
-          </a:p>
-        </p:txBody>
-      </p:sp>
-      <p:sp>
-        <p:nvSpPr>
-          <p:cNvPr id="5" name="文字方塊 4">
-            <a:extLst>
-              <a:ext uri="{FF2B5EF4-FFF2-40B4-BE49-F238E27FC236}">
-                <a16:creationId xmlns:a16="http://schemas.microsoft.com/office/drawing/2014/main" id="{533D88EF-790E-9278-C365-F70AB4CCAD4B}"/>
-              </a:ext>
-            </a:extLst>
-          </p:cNvPr>
-          <p:cNvSpPr txBox="1"/>
-          <p:nvPr/>
-        </p:nvSpPr>
-        <p:spPr>
-          <a:xfrm>
-            <a:off x="1543050" y="3105834"/>
-            <a:ext cx="8956298" cy="646331"/>
-          </a:xfrm>
-          <a:prstGeom prst="rect">
-            <a:avLst/>
-          </a:prstGeom>
-          <a:solidFill>
-            <a:schemeClr val="bg1"/>
-          </a:solidFill>
-        </p:spPr>
-        <p:txBody>
-          <a:bodyPr wrap="none" rtlCol="0">
-            <a:spAutoFit/>
-          </a:bodyPr>
-          <a:lstStyle/>
-          <a:p>
-            <a:r>
-              <a:rPr lang="zh-TW" altLang="en-US" sz="3600" dirty="0">
-                <a:latin typeface="微軟正黑體" panose="020B0604030504040204" pitchFamily="34" charset="-120"/>
-                <a:ea typeface="微軟正黑體" panose="020B0604030504040204" pitchFamily="34" charset="-120"/>
-              </a:rPr>
-              <a:t>監督式學習於旋葉式液壓泵之輸出預測分析</a:t>
-            </a:r>
-          </a:p>
-        </p:txBody>
-      </p:sp>
-    </p:spTree>
-    <p:extLst>
-      <p:ext uri="{BB962C8B-B14F-4D97-AF65-F5344CB8AC3E}">
-        <p14:creationId xmlns:p14="http://schemas.microsoft.com/office/powerpoint/2010/main" val="3378066359"/>
       </p:ext>
     </p:extLst>
   </p:cSld>
@@ -8480,4 +11817,299 @@
     </a:ext>
   </a:extLst>
 </a:theme>
+</file>
+
+<file path=ppt/theme/theme2.xml><?xml version="1.0" encoding="utf-8"?>
+<a:theme xmlns:a="http://schemas.openxmlformats.org/drawingml/2006/main" name="Office 佈景主題">
+  <a:themeElements>
+    <a:clrScheme name="Office">
+      <a:dk1>
+        <a:sysClr val="windowText" lastClr="000000"/>
+      </a:dk1>
+      <a:lt1>
+        <a:sysClr val="window" lastClr="FFFFFF"/>
+      </a:lt1>
+      <a:dk2>
+        <a:srgbClr val="44546A"/>
+      </a:dk2>
+      <a:lt2>
+        <a:srgbClr val="E7E6E6"/>
+      </a:lt2>
+      <a:accent1>
+        <a:srgbClr val="4472C4"/>
+      </a:accent1>
+      <a:accent2>
+        <a:srgbClr val="ED7D31"/>
+      </a:accent2>
+      <a:accent3>
+        <a:srgbClr val="A5A5A5"/>
+      </a:accent3>
+      <a:accent4>
+        <a:srgbClr val="FFC000"/>
+      </a:accent4>
+      <a:accent5>
+        <a:srgbClr val="5B9BD5"/>
+      </a:accent5>
+      <a:accent6>
+        <a:srgbClr val="70AD47"/>
+      </a:accent6>
+      <a:hlink>
+        <a:srgbClr val="0563C1"/>
+      </a:hlink>
+      <a:folHlink>
+        <a:srgbClr val="954F72"/>
+      </a:folHlink>
+    </a:clrScheme>
+    <a:fontScheme name="Office">
+      <a:majorFont>
+        <a:latin typeface="Calibri Light" panose="020F0302020204030204"/>
+        <a:ea typeface=""/>
+        <a:cs typeface=""/>
+        <a:font script="Jpan" typeface="游ゴシック Light"/>
+        <a:font script="Hang" typeface="맑은 고딕"/>
+        <a:font script="Hans" typeface="等线 Light"/>
+        <a:font script="Hant" typeface="新細明體"/>
+        <a:font script="Arab" typeface="Times New Roman"/>
+        <a:font script="Hebr" typeface="Times New Roman"/>
+        <a:font script="Thai" typeface="Angsana New"/>
+        <a:font script="Ethi" typeface="Nyala"/>
+        <a:font script="Beng" typeface="Vrinda"/>
+        <a:font script="Gujr" typeface="Shruti"/>
+        <a:font script="Khmr" typeface="MoolBoran"/>
+        <a:font script="Knda" typeface="Tunga"/>
+        <a:font script="Guru" typeface="Raavi"/>
+        <a:font script="Cans" typeface="Euphemia"/>
+        <a:font script="Cher" typeface="Plantagenet Cherokee"/>
+        <a:font script="Yiii" typeface="Microsoft Yi Baiti"/>
+        <a:font script="Tibt" typeface="Microsoft Himalaya"/>
+        <a:font script="Thaa" typeface="MV Boli"/>
+        <a:font script="Deva" typeface="Mangal"/>
+        <a:font script="Telu" typeface="Gautami"/>
+        <a:font script="Taml" typeface="Latha"/>
+        <a:font script="Syrc" typeface="Estrangelo Edessa"/>
+        <a:font script="Orya" typeface="Kalinga"/>
+        <a:font script="Mlym" typeface="Kartika"/>
+        <a:font script="Laoo" typeface="DokChampa"/>
+        <a:font script="Sinh" typeface="Iskoola Pota"/>
+        <a:font script="Mong" typeface="Mongolian Baiti"/>
+        <a:font script="Viet" typeface="Times New Roman"/>
+        <a:font script="Uigh" typeface="Microsoft Uighur"/>
+        <a:font script="Geor" typeface="Sylfaen"/>
+        <a:font script="Armn" typeface="Arial"/>
+        <a:font script="Bugi" typeface="Leelawadee UI"/>
+        <a:font script="Bopo" typeface="Microsoft JhengHei"/>
+        <a:font script="Java" typeface="Javanese Text"/>
+        <a:font script="Lisu" typeface="Segoe UI"/>
+        <a:font script="Mymr" typeface="Myanmar Text"/>
+        <a:font script="Nkoo" typeface="Ebrima"/>
+        <a:font script="Olck" typeface="Nirmala UI"/>
+        <a:font script="Osma" typeface="Ebrima"/>
+        <a:font script="Phag" typeface="Phagspa"/>
+        <a:font script="Syrn" typeface="Estrangelo Edessa"/>
+        <a:font script="Syrj" typeface="Estrangelo Edessa"/>
+        <a:font script="Syre" typeface="Estrangelo Edessa"/>
+        <a:font script="Sora" typeface="Nirmala UI"/>
+        <a:font script="Tale" typeface="Microsoft Tai Le"/>
+        <a:font script="Talu" typeface="Microsoft New Tai Lue"/>
+        <a:font script="Tfng" typeface="Ebrima"/>
+      </a:majorFont>
+      <a:minorFont>
+        <a:latin typeface="Calibri" panose="020F0502020204030204"/>
+        <a:ea typeface=""/>
+        <a:cs typeface=""/>
+        <a:font script="Jpan" typeface="游ゴシック"/>
+        <a:font script="Hang" typeface="맑은 고딕"/>
+        <a:font script="Hans" typeface="等线"/>
+        <a:font script="Hant" typeface="新細明體"/>
+        <a:font script="Arab" typeface="Arial"/>
+        <a:font script="Hebr" typeface="Arial"/>
+        <a:font script="Thai" typeface="Cordia New"/>
+        <a:font script="Ethi" typeface="Nyala"/>
+        <a:font script="Beng" typeface="Vrinda"/>
+        <a:font script="Gujr" typeface="Shruti"/>
+        <a:font script="Khmr" typeface="DaunPenh"/>
+        <a:font script="Knda" typeface="Tunga"/>
+        <a:font script="Guru" typeface="Raavi"/>
+        <a:font script="Cans" typeface="Euphemia"/>
+        <a:font script="Cher" typeface="Plantagenet Cherokee"/>
+        <a:font script="Yiii" typeface="Microsoft Yi Baiti"/>
+        <a:font script="Tibt" typeface="Microsoft Himalaya"/>
+        <a:font script="Thaa" typeface="MV Boli"/>
+        <a:font script="Deva" typeface="Mangal"/>
+        <a:font script="Telu" typeface="Gautami"/>
+        <a:font script="Taml" typeface="Latha"/>
+        <a:font script="Syrc" typeface="Estrangelo Edessa"/>
+        <a:font script="Orya" typeface="Kalinga"/>
+        <a:font script="Mlym" typeface="Kartika"/>
+        <a:font script="Laoo" typeface="DokChampa"/>
+        <a:font script="Sinh" typeface="Iskoola Pota"/>
+        <a:font script="Mong" typeface="Mongolian Baiti"/>
+        <a:font script="Viet" typeface="Arial"/>
+        <a:font script="Uigh" typeface="Microsoft Uighur"/>
+        <a:font script="Geor" typeface="Sylfaen"/>
+        <a:font script="Armn" typeface="Arial"/>
+        <a:font script="Bugi" typeface="Leelawadee UI"/>
+        <a:font script="Bopo" typeface="Microsoft JhengHei"/>
+        <a:font script="Java" typeface="Javanese Text"/>
+        <a:font script="Lisu" typeface="Segoe UI"/>
+        <a:font script="Mymr" typeface="Myanmar Text"/>
+        <a:font script="Nkoo" typeface="Ebrima"/>
+        <a:font script="Olck" typeface="Nirmala UI"/>
+        <a:font script="Osma" typeface="Ebrima"/>
+        <a:font script="Phag" typeface="Phagspa"/>
+        <a:font script="Syrn" typeface="Estrangelo Edessa"/>
+        <a:font script="Syrj" typeface="Estrangelo Edessa"/>
+        <a:font script="Syre" typeface="Estrangelo Edessa"/>
+        <a:font script="Sora" typeface="Nirmala UI"/>
+        <a:font script="Tale" typeface="Microsoft Tai Le"/>
+        <a:font script="Talu" typeface="Microsoft New Tai Lue"/>
+        <a:font script="Tfng" typeface="Ebrima"/>
+      </a:minorFont>
+    </a:fontScheme>
+    <a:fmtScheme name="Office">
+      <a:fillStyleLst>
+        <a:solidFill>
+          <a:schemeClr val="phClr"/>
+        </a:solidFill>
+        <a:gradFill rotWithShape="1">
+          <a:gsLst>
+            <a:gs pos="0">
+              <a:schemeClr val="phClr">
+                <a:lumMod val="110000"/>
+                <a:satMod val="105000"/>
+                <a:tint val="67000"/>
+              </a:schemeClr>
+            </a:gs>
+            <a:gs pos="50000">
+              <a:schemeClr val="phClr">
+                <a:lumMod val="105000"/>
+                <a:satMod val="103000"/>
+                <a:tint val="73000"/>
+              </a:schemeClr>
+            </a:gs>
+            <a:gs pos="100000">
+              <a:schemeClr val="phClr">
+                <a:lumMod val="105000"/>
+                <a:satMod val="109000"/>
+                <a:tint val="81000"/>
+              </a:schemeClr>
+            </a:gs>
+          </a:gsLst>
+          <a:lin ang="5400000" scaled="0"/>
+        </a:gradFill>
+        <a:gradFill rotWithShape="1">
+          <a:gsLst>
+            <a:gs pos="0">
+              <a:schemeClr val="phClr">
+                <a:satMod val="103000"/>
+                <a:lumMod val="102000"/>
+                <a:tint val="94000"/>
+              </a:schemeClr>
+            </a:gs>
+            <a:gs pos="50000">
+              <a:schemeClr val="phClr">
+                <a:satMod val="110000"/>
+                <a:lumMod val="100000"/>
+                <a:shade val="100000"/>
+              </a:schemeClr>
+            </a:gs>
+            <a:gs pos="100000">
+              <a:schemeClr val="phClr">
+                <a:lumMod val="99000"/>
+                <a:satMod val="120000"/>
+                <a:shade val="78000"/>
+              </a:schemeClr>
+            </a:gs>
+          </a:gsLst>
+          <a:lin ang="5400000" scaled="0"/>
+        </a:gradFill>
+      </a:fillStyleLst>
+      <a:lnStyleLst>
+        <a:ln w="6350" cap="flat" cmpd="sng" algn="ctr">
+          <a:solidFill>
+            <a:schemeClr val="phClr"/>
+          </a:solidFill>
+          <a:prstDash val="solid"/>
+          <a:miter lim="800000"/>
+        </a:ln>
+        <a:ln w="12700" cap="flat" cmpd="sng" algn="ctr">
+          <a:solidFill>
+            <a:schemeClr val="phClr"/>
+          </a:solidFill>
+          <a:prstDash val="solid"/>
+          <a:miter lim="800000"/>
+        </a:ln>
+        <a:ln w="19050" cap="flat" cmpd="sng" algn="ctr">
+          <a:solidFill>
+            <a:schemeClr val="phClr"/>
+          </a:solidFill>
+          <a:prstDash val="solid"/>
+          <a:miter lim="800000"/>
+        </a:ln>
+      </a:lnStyleLst>
+      <a:effectStyleLst>
+        <a:effectStyle>
+          <a:effectLst/>
+        </a:effectStyle>
+        <a:effectStyle>
+          <a:effectLst/>
+        </a:effectStyle>
+        <a:effectStyle>
+          <a:effectLst>
+            <a:outerShdw blurRad="57150" dist="19050" dir="5400000" algn="ctr" rotWithShape="0">
+              <a:srgbClr val="000000">
+                <a:alpha val="63000"/>
+              </a:srgbClr>
+            </a:outerShdw>
+          </a:effectLst>
+        </a:effectStyle>
+      </a:effectStyleLst>
+      <a:bgFillStyleLst>
+        <a:solidFill>
+          <a:schemeClr val="phClr"/>
+        </a:solidFill>
+        <a:solidFill>
+          <a:schemeClr val="phClr">
+            <a:tint val="95000"/>
+            <a:satMod val="170000"/>
+          </a:schemeClr>
+        </a:solidFill>
+        <a:gradFill rotWithShape="1">
+          <a:gsLst>
+            <a:gs pos="0">
+              <a:schemeClr val="phClr">
+                <a:tint val="93000"/>
+                <a:satMod val="150000"/>
+                <a:shade val="98000"/>
+                <a:lumMod val="102000"/>
+              </a:schemeClr>
+            </a:gs>
+            <a:gs pos="50000">
+              <a:schemeClr val="phClr">
+                <a:tint val="98000"/>
+                <a:satMod val="130000"/>
+                <a:shade val="90000"/>
+                <a:lumMod val="103000"/>
+              </a:schemeClr>
+            </a:gs>
+            <a:gs pos="100000">
+              <a:schemeClr val="phClr">
+                <a:shade val="63000"/>
+                <a:satMod val="120000"/>
+              </a:schemeClr>
+            </a:gs>
+          </a:gsLst>
+          <a:lin ang="5400000" scaled="0"/>
+        </a:gradFill>
+      </a:bgFillStyleLst>
+    </a:fmtScheme>
+  </a:themeElements>
+  <a:objectDefaults/>
+  <a:extraClrSchemeLst/>
+  <a:extLst>
+    <a:ext uri="{05A4C25C-085E-4340-85A3-A5531E510DB2}">
+      <thm15:themeFamily xmlns:thm15="http://schemas.microsoft.com/office/thememl/2012/main" name="Office Theme" id="{62F939B6-93AF-4DB8-9C6B-D6C7DFDC589F}" vid="{4A3C46E8-61CC-4603-A589-7422A47A8E4A}"/>
+    </a:ext>
+  </a:extLst>
+</a:theme>
 </file>